--- a/Slides/Key Levels - Plan and Execution.pptx
+++ b/Slides/Key Levels - Plan and Execution.pptx
@@ -4,10 +4,22 @@
   <p:sldMasterIdLst>
     <p:sldMasterId id="2147483648" r:id="rId1"/>
   </p:sldMasterIdLst>
+  <p:notesMasterIdLst>
+    <p:notesMasterId r:id="rId14"/>
+  </p:notesMasterIdLst>
   <p:sldIdLst>
     <p:sldId id="256" r:id="rId2"/>
     <p:sldId id="257" r:id="rId3"/>
-    <p:sldId id="258" r:id="rId4"/>
+    <p:sldId id="260" r:id="rId4"/>
+    <p:sldId id="258" r:id="rId5"/>
+    <p:sldId id="261" r:id="rId6"/>
+    <p:sldId id="262" r:id="rId7"/>
+    <p:sldId id="263" r:id="rId8"/>
+    <p:sldId id="264" r:id="rId9"/>
+    <p:sldId id="265" r:id="rId10"/>
+    <p:sldId id="266" r:id="rId11"/>
+    <p:sldId id="267" r:id="rId12"/>
+    <p:sldId id="268" r:id="rId13"/>
   </p:sldIdLst>
   <p:sldSz cx="12192000" cy="6858000"/>
   <p:notesSz cx="6858000" cy="9144000"/>
@@ -106,7 +118,361 @@
       </a:defRPr>
     </a:lvl9pPr>
   </p:defaultTextStyle>
+  <p:extLst>
+    <p:ext uri="{EFAFB233-063F-42B5-8137-9DF3F51BA10A}">
+      <p15:sldGuideLst xmlns:p15="http://schemas.microsoft.com/office/powerpoint/2012/main"/>
+    </p:ext>
+  </p:extLst>
 </p:presentation>
+</file>
+
+<file path=ppt/notesMasters/notesMaster1.xml><?xml version="1.0" encoding="utf-8"?>
+<p:notesMaster xmlns:a="http://schemas.openxmlformats.org/drawingml/2006/main" xmlns:r="http://schemas.openxmlformats.org/officeDocument/2006/relationships" xmlns:p="http://schemas.openxmlformats.org/presentationml/2006/main">
+  <p:cSld>
+    <p:bg>
+      <p:bgRef idx="1001">
+        <a:schemeClr val="bg1"/>
+      </p:bgRef>
+    </p:bg>
+    <p:spTree>
+      <p:nvGrpSpPr>
+        <p:cNvPr id="1" name=""/>
+        <p:cNvGrpSpPr/>
+        <p:nvPr/>
+      </p:nvGrpSpPr>
+      <p:grpSpPr>
+        <a:xfrm>
+          <a:off x="0" y="0"/>
+          <a:ext cx="0" cy="0"/>
+          <a:chOff x="0" y="0"/>
+          <a:chExt cx="0" cy="0"/>
+        </a:xfrm>
+      </p:grpSpPr>
+      <p:sp>
+        <p:nvSpPr>
+          <p:cNvPr id="2" name="Header Placeholder 1"/>
+          <p:cNvSpPr>
+            <a:spLocks noGrp="1"/>
+          </p:cNvSpPr>
+          <p:nvPr>
+            <p:ph type="hdr" sz="quarter"/>
+          </p:nvPr>
+        </p:nvSpPr>
+        <p:spPr>
+          <a:xfrm>
+            <a:off x="0" y="0"/>
+            <a:ext cx="2971800" cy="458788"/>
+          </a:xfrm>
+          <a:prstGeom prst="rect">
+            <a:avLst/>
+          </a:prstGeom>
+        </p:spPr>
+        <p:txBody>
+          <a:bodyPr vert="horz" lIns="91440" tIns="45720" rIns="91440" bIns="45720" rtlCol="0"/>
+          <a:lstStyle>
+            <a:lvl1pPr algn="l">
+              <a:defRPr sz="1200"/>
+            </a:lvl1pPr>
+          </a:lstStyle>
+          <a:p>
+            <a:endParaRPr lang="en-US"/>
+          </a:p>
+        </p:txBody>
+      </p:sp>
+      <p:sp>
+        <p:nvSpPr>
+          <p:cNvPr id="3" name="Date Placeholder 2"/>
+          <p:cNvSpPr>
+            <a:spLocks noGrp="1"/>
+          </p:cNvSpPr>
+          <p:nvPr>
+            <p:ph type="dt" idx="1"/>
+          </p:nvPr>
+        </p:nvSpPr>
+        <p:spPr>
+          <a:xfrm>
+            <a:off x="3884613" y="0"/>
+            <a:ext cx="2971800" cy="458788"/>
+          </a:xfrm>
+          <a:prstGeom prst="rect">
+            <a:avLst/>
+          </a:prstGeom>
+        </p:spPr>
+        <p:txBody>
+          <a:bodyPr vert="horz" lIns="91440" tIns="45720" rIns="91440" bIns="45720" rtlCol="0"/>
+          <a:lstStyle>
+            <a:lvl1pPr algn="r">
+              <a:defRPr sz="1200"/>
+            </a:lvl1pPr>
+          </a:lstStyle>
+          <a:p>
+            <a:fld id="{DAE7EFEB-F12A-E34B-B8A1-E61AF9E1DB76}" type="datetimeFigureOut">
+              <a:rPr lang="en-US" smtClean="0"/>
+              <a:t>4/25/24</a:t>
+            </a:fld>
+            <a:endParaRPr lang="en-US"/>
+          </a:p>
+        </p:txBody>
+      </p:sp>
+      <p:sp>
+        <p:nvSpPr>
+          <p:cNvPr id="4" name="Slide Image Placeholder 3"/>
+          <p:cNvSpPr>
+            <a:spLocks noGrp="1" noRot="1" noChangeAspect="1"/>
+          </p:cNvSpPr>
+          <p:nvPr>
+            <p:ph type="sldImg" idx="2"/>
+          </p:nvPr>
+        </p:nvSpPr>
+        <p:spPr>
+          <a:xfrm>
+            <a:off x="685800" y="1143000"/>
+            <a:ext cx="5486400" cy="3086100"/>
+          </a:xfrm>
+          <a:prstGeom prst="rect">
+            <a:avLst/>
+          </a:prstGeom>
+          <a:noFill/>
+          <a:ln w="12700">
+            <a:solidFill>
+              <a:prstClr val="black"/>
+            </a:solidFill>
+          </a:ln>
+        </p:spPr>
+        <p:txBody>
+          <a:bodyPr vert="horz" lIns="91440" tIns="45720" rIns="91440" bIns="45720" rtlCol="0" anchor="ctr"/>
+          <a:lstStyle/>
+          <a:p>
+            <a:endParaRPr lang="en-US"/>
+          </a:p>
+        </p:txBody>
+      </p:sp>
+      <p:sp>
+        <p:nvSpPr>
+          <p:cNvPr id="5" name="Notes Placeholder 4"/>
+          <p:cNvSpPr>
+            <a:spLocks noGrp="1"/>
+          </p:cNvSpPr>
+          <p:nvPr>
+            <p:ph type="body" sz="quarter" idx="3"/>
+          </p:nvPr>
+        </p:nvSpPr>
+        <p:spPr>
+          <a:xfrm>
+            <a:off x="685800" y="4400550"/>
+            <a:ext cx="5486400" cy="3600450"/>
+          </a:xfrm>
+          <a:prstGeom prst="rect">
+            <a:avLst/>
+          </a:prstGeom>
+        </p:spPr>
+        <p:txBody>
+          <a:bodyPr vert="horz" lIns="91440" tIns="45720" rIns="91440" bIns="45720" rtlCol="0"/>
+          <a:lstStyle/>
+          <a:p>
+            <a:pPr lvl="0"/>
+            <a:r>
+              <a:rPr lang="en-US"/>
+              <a:t>Click to edit Master text styles</a:t>
+            </a:r>
+          </a:p>
+          <a:p>
+            <a:pPr lvl="1"/>
+            <a:r>
+              <a:rPr lang="en-US"/>
+              <a:t>Second level</a:t>
+            </a:r>
+          </a:p>
+          <a:p>
+            <a:pPr lvl="2"/>
+            <a:r>
+              <a:rPr lang="en-US"/>
+              <a:t>Third level</a:t>
+            </a:r>
+          </a:p>
+          <a:p>
+            <a:pPr lvl="3"/>
+            <a:r>
+              <a:rPr lang="en-US"/>
+              <a:t>Fourth level</a:t>
+            </a:r>
+          </a:p>
+          <a:p>
+            <a:pPr lvl="4"/>
+            <a:r>
+              <a:rPr lang="en-US"/>
+              <a:t>Fifth level</a:t>
+            </a:r>
+          </a:p>
+        </p:txBody>
+      </p:sp>
+      <p:sp>
+        <p:nvSpPr>
+          <p:cNvPr id="6" name="Footer Placeholder 5"/>
+          <p:cNvSpPr>
+            <a:spLocks noGrp="1"/>
+          </p:cNvSpPr>
+          <p:nvPr>
+            <p:ph type="ftr" sz="quarter" idx="4"/>
+          </p:nvPr>
+        </p:nvSpPr>
+        <p:spPr>
+          <a:xfrm>
+            <a:off x="0" y="8685213"/>
+            <a:ext cx="2971800" cy="458787"/>
+          </a:xfrm>
+          <a:prstGeom prst="rect">
+            <a:avLst/>
+          </a:prstGeom>
+        </p:spPr>
+        <p:txBody>
+          <a:bodyPr vert="horz" lIns="91440" tIns="45720" rIns="91440" bIns="45720" rtlCol="0" anchor="b"/>
+          <a:lstStyle>
+            <a:lvl1pPr algn="l">
+              <a:defRPr sz="1200"/>
+            </a:lvl1pPr>
+          </a:lstStyle>
+          <a:p>
+            <a:endParaRPr lang="en-US"/>
+          </a:p>
+        </p:txBody>
+      </p:sp>
+      <p:sp>
+        <p:nvSpPr>
+          <p:cNvPr id="7" name="Slide Number Placeholder 6"/>
+          <p:cNvSpPr>
+            <a:spLocks noGrp="1"/>
+          </p:cNvSpPr>
+          <p:nvPr>
+            <p:ph type="sldNum" sz="quarter" idx="5"/>
+          </p:nvPr>
+        </p:nvSpPr>
+        <p:spPr>
+          <a:xfrm>
+            <a:off x="3884613" y="8685213"/>
+            <a:ext cx="2971800" cy="458787"/>
+          </a:xfrm>
+          <a:prstGeom prst="rect">
+            <a:avLst/>
+          </a:prstGeom>
+        </p:spPr>
+        <p:txBody>
+          <a:bodyPr vert="horz" lIns="91440" tIns="45720" rIns="91440" bIns="45720" rtlCol="0" anchor="b"/>
+          <a:lstStyle>
+            <a:lvl1pPr algn="r">
+              <a:defRPr sz="1200"/>
+            </a:lvl1pPr>
+          </a:lstStyle>
+          <a:p>
+            <a:fld id="{21B952F1-CBBD-B144-94C9-C4912C0C09F6}" type="slidenum">
+              <a:rPr lang="en-US" smtClean="0"/>
+              <a:t>‹#›</a:t>
+            </a:fld>
+            <a:endParaRPr lang="en-US"/>
+          </a:p>
+        </p:txBody>
+      </p:sp>
+    </p:spTree>
+    <p:extLst>
+      <p:ext uri="{BB962C8B-B14F-4D97-AF65-F5344CB8AC3E}">
+        <p14:creationId xmlns:p14="http://schemas.microsoft.com/office/powerpoint/2010/main" val="1266386784"/>
+      </p:ext>
+    </p:extLst>
+  </p:cSld>
+  <p:clrMap bg1="lt1" tx1="dk1" bg2="lt2" tx2="dk2" accent1="accent1" accent2="accent2" accent3="accent3" accent4="accent4" accent5="accent5" accent6="accent6" hlink="hlink" folHlink="folHlink"/>
+  <p:notesStyle>
+    <a:lvl1pPr marL="0" algn="l" defTabSz="914400" rtl="0" eaLnBrk="1" latinLnBrk="0" hangingPunct="1">
+      <a:defRPr sz="1200" kern="1200">
+        <a:solidFill>
+          <a:schemeClr val="tx1"/>
+        </a:solidFill>
+        <a:latin typeface="+mn-lt"/>
+        <a:ea typeface="+mn-ea"/>
+        <a:cs typeface="+mn-cs"/>
+      </a:defRPr>
+    </a:lvl1pPr>
+    <a:lvl2pPr marL="457200" algn="l" defTabSz="914400" rtl="0" eaLnBrk="1" latinLnBrk="0" hangingPunct="1">
+      <a:defRPr sz="1200" kern="1200">
+        <a:solidFill>
+          <a:schemeClr val="tx1"/>
+        </a:solidFill>
+        <a:latin typeface="+mn-lt"/>
+        <a:ea typeface="+mn-ea"/>
+        <a:cs typeface="+mn-cs"/>
+      </a:defRPr>
+    </a:lvl2pPr>
+    <a:lvl3pPr marL="914400" algn="l" defTabSz="914400" rtl="0" eaLnBrk="1" latinLnBrk="0" hangingPunct="1">
+      <a:defRPr sz="1200" kern="1200">
+        <a:solidFill>
+          <a:schemeClr val="tx1"/>
+        </a:solidFill>
+        <a:latin typeface="+mn-lt"/>
+        <a:ea typeface="+mn-ea"/>
+        <a:cs typeface="+mn-cs"/>
+      </a:defRPr>
+    </a:lvl3pPr>
+    <a:lvl4pPr marL="1371600" algn="l" defTabSz="914400" rtl="0" eaLnBrk="1" latinLnBrk="0" hangingPunct="1">
+      <a:defRPr sz="1200" kern="1200">
+        <a:solidFill>
+          <a:schemeClr val="tx1"/>
+        </a:solidFill>
+        <a:latin typeface="+mn-lt"/>
+        <a:ea typeface="+mn-ea"/>
+        <a:cs typeface="+mn-cs"/>
+      </a:defRPr>
+    </a:lvl4pPr>
+    <a:lvl5pPr marL="1828800" algn="l" defTabSz="914400" rtl="0" eaLnBrk="1" latinLnBrk="0" hangingPunct="1">
+      <a:defRPr sz="1200" kern="1200">
+        <a:solidFill>
+          <a:schemeClr val="tx1"/>
+        </a:solidFill>
+        <a:latin typeface="+mn-lt"/>
+        <a:ea typeface="+mn-ea"/>
+        <a:cs typeface="+mn-cs"/>
+      </a:defRPr>
+    </a:lvl5pPr>
+    <a:lvl6pPr marL="2286000" algn="l" defTabSz="914400" rtl="0" eaLnBrk="1" latinLnBrk="0" hangingPunct="1">
+      <a:defRPr sz="1200" kern="1200">
+        <a:solidFill>
+          <a:schemeClr val="tx1"/>
+        </a:solidFill>
+        <a:latin typeface="+mn-lt"/>
+        <a:ea typeface="+mn-ea"/>
+        <a:cs typeface="+mn-cs"/>
+      </a:defRPr>
+    </a:lvl6pPr>
+    <a:lvl7pPr marL="2743200" algn="l" defTabSz="914400" rtl="0" eaLnBrk="1" latinLnBrk="0" hangingPunct="1">
+      <a:defRPr sz="1200" kern="1200">
+        <a:solidFill>
+          <a:schemeClr val="tx1"/>
+        </a:solidFill>
+        <a:latin typeface="+mn-lt"/>
+        <a:ea typeface="+mn-ea"/>
+        <a:cs typeface="+mn-cs"/>
+      </a:defRPr>
+    </a:lvl7pPr>
+    <a:lvl8pPr marL="3200400" algn="l" defTabSz="914400" rtl="0" eaLnBrk="1" latinLnBrk="0" hangingPunct="1">
+      <a:defRPr sz="1200" kern="1200">
+        <a:solidFill>
+          <a:schemeClr val="tx1"/>
+        </a:solidFill>
+        <a:latin typeface="+mn-lt"/>
+        <a:ea typeface="+mn-ea"/>
+        <a:cs typeface="+mn-cs"/>
+      </a:defRPr>
+    </a:lvl8pPr>
+    <a:lvl9pPr marL="3657600" algn="l" defTabSz="914400" rtl="0" eaLnBrk="1" latinLnBrk="0" hangingPunct="1">
+      <a:defRPr sz="1200" kern="1200">
+        <a:solidFill>
+          <a:schemeClr val="tx1"/>
+        </a:solidFill>
+        <a:latin typeface="+mn-lt"/>
+        <a:ea typeface="+mn-ea"/>
+        <a:cs typeface="+mn-cs"/>
+      </a:defRPr>
+    </a:lvl9pPr>
+  </p:notesStyle>
+</p:notesMaster>
 </file>
 
 <file path=ppt/slideLayouts/slideLayout1.xml><?xml version="1.0" encoding="utf-8"?>
@@ -276,10 +642,9 @@
             </a:lvl1pPr>
           </a:lstStyle>
           <a:p>
-            <a:fld id="{87DE6118-2437-4B30-8E3C-4D2BE6020583}" type="datetimeFigureOut">
-              <a:rPr lang="en-US" dirty="0"/>
-              <a:pPr/>
-              <a:t>4/24/24</a:t>
+            <a:fld id="{434012D5-40EC-4744-B663-A1C06319928E}" type="datetime1">
+              <a:rPr lang="en-CA" smtClean="0"/>
+              <a:t>2024-04-25</a:t>
             </a:fld>
             <a:endParaRPr lang="en-US" dirty="0"/>
           </a:p>
@@ -313,6 +678,10 @@
             </a:lvl1pPr>
           </a:lstStyle>
           <a:p>
+            <a:r>
+              <a:rPr lang="en-US"/>
+              <a:t>©️Chartist RaphaelZ</a:t>
+            </a:r>
             <a:endParaRPr lang="en-US" dirty="0"/>
           </a:p>
         </p:txBody>
@@ -603,9 +972,9 @@
           <a:bodyPr/>
           <a:lstStyle/>
           <a:p>
-            <a:fld id="{87DE6118-2437-4B30-8E3C-4D2BE6020583}" type="datetimeFigureOut">
-              <a:rPr lang="en-US" dirty="0"/>
-              <a:t>4/24/24</a:t>
+            <a:fld id="{49F1BE3E-A174-8341-875A-3A31CB07FA2B}" type="datetime1">
+              <a:rPr lang="en-CA" smtClean="0"/>
+              <a:t>2024-04-25</a:t>
             </a:fld>
             <a:endParaRPr lang="en-US" dirty="0"/>
           </a:p>
@@ -626,6 +995,10 @@
           <a:bodyPr/>
           <a:lstStyle/>
           <a:p>
+            <a:r>
+              <a:rPr lang="en-US"/>
+              <a:t>©️Chartist RaphaelZ</a:t>
+            </a:r>
             <a:endParaRPr lang="en-US" dirty="0"/>
           </a:p>
         </p:txBody>
@@ -778,9 +1151,9 @@
           <a:bodyPr/>
           <a:lstStyle/>
           <a:p>
-            <a:fld id="{87DE6118-2437-4B30-8E3C-4D2BE6020583}" type="datetimeFigureOut">
-              <a:rPr lang="en-US" dirty="0"/>
-              <a:t>4/24/24</a:t>
+            <a:fld id="{B907EA63-33BD-0C4B-9D78-26B030CBFCD3}" type="datetime1">
+              <a:rPr lang="en-CA" smtClean="0"/>
+              <a:t>2024-04-25</a:t>
             </a:fld>
             <a:endParaRPr lang="en-US" dirty="0"/>
           </a:p>
@@ -801,6 +1174,10 @@
           <a:bodyPr/>
           <a:lstStyle/>
           <a:p>
+            <a:r>
+              <a:rPr lang="en-US"/>
+              <a:t>©️Chartist RaphaelZ</a:t>
+            </a:r>
             <a:endParaRPr lang="en-US" dirty="0"/>
           </a:p>
         </p:txBody>
@@ -943,9 +1320,9 @@
           <a:bodyPr/>
           <a:lstStyle/>
           <a:p>
-            <a:fld id="{87DE6118-2437-4B30-8E3C-4D2BE6020583}" type="datetimeFigureOut">
-              <a:rPr lang="en-US" dirty="0"/>
-              <a:t>4/24/24</a:t>
+            <a:fld id="{B02A228B-CFEA-3F4D-8F8F-A6A6EC7F52FA}" type="datetime1">
+              <a:rPr lang="en-CA" smtClean="0"/>
+              <a:t>2024-04-25</a:t>
             </a:fld>
             <a:endParaRPr lang="en-US" dirty="0"/>
           </a:p>
@@ -966,6 +1343,10 @@
           <a:bodyPr/>
           <a:lstStyle/>
           <a:p>
+            <a:r>
+              <a:rPr lang="en-US"/>
+              <a:t>©️Chartist RaphaelZ</a:t>
+            </a:r>
             <a:endParaRPr lang="en-US" dirty="0"/>
           </a:p>
         </p:txBody>
@@ -1215,10 +1596,9 @@
             </a:lvl1pPr>
           </a:lstStyle>
           <a:p>
-            <a:fld id="{87DE6118-2437-4B30-8E3C-4D2BE6020583}" type="datetimeFigureOut">
-              <a:rPr lang="en-US" dirty="0"/>
-              <a:pPr/>
-              <a:t>4/24/24</a:t>
+            <a:fld id="{69D308D1-ACCE-F643-B553-CBD9AFB8D32B}" type="datetime1">
+              <a:rPr lang="en-CA" smtClean="0"/>
+              <a:t>2024-04-25</a:t>
             </a:fld>
             <a:endParaRPr lang="en-US" dirty="0"/>
           </a:p>
@@ -1252,6 +1632,10 @@
             </a:lvl1pPr>
           </a:lstStyle>
           <a:p>
+            <a:r>
+              <a:rPr lang="en-US"/>
+              <a:t>©️Chartist RaphaelZ</a:t>
+            </a:r>
             <a:endParaRPr lang="en-US" dirty="0"/>
           </a:p>
         </p:txBody>
@@ -1606,9 +1990,9 @@
           <a:bodyPr/>
           <a:lstStyle/>
           <a:p>
-            <a:fld id="{87DE6118-2437-4B30-8E3C-4D2BE6020583}" type="datetimeFigureOut">
-              <a:rPr lang="en-US" dirty="0"/>
-              <a:t>4/24/24</a:t>
+            <a:fld id="{7A6D8F1E-49A5-E64E-8592-3D7B22567454}" type="datetime1">
+              <a:rPr lang="en-CA" smtClean="0"/>
+              <a:t>2024-04-25</a:t>
             </a:fld>
             <a:endParaRPr lang="en-US" dirty="0"/>
           </a:p>
@@ -1629,6 +2013,10 @@
           <a:bodyPr/>
           <a:lstStyle/>
           <a:p>
+            <a:r>
+              <a:rPr lang="en-US"/>
+              <a:t>©️Chartist RaphaelZ</a:t>
+            </a:r>
             <a:endParaRPr lang="en-US" dirty="0"/>
           </a:p>
         </p:txBody>
@@ -2078,9 +2466,9 @@
           <a:bodyPr/>
           <a:lstStyle/>
           <a:p>
-            <a:fld id="{87DE6118-2437-4B30-8E3C-4D2BE6020583}" type="datetimeFigureOut">
-              <a:rPr lang="en-US" dirty="0"/>
-              <a:t>4/24/24</a:t>
+            <a:fld id="{963C186E-2811-2C4A-9ECB-470AC1EFA77D}" type="datetime1">
+              <a:rPr lang="en-CA" smtClean="0"/>
+              <a:t>2024-04-25</a:t>
             </a:fld>
             <a:endParaRPr lang="en-US" dirty="0"/>
           </a:p>
@@ -2101,6 +2489,10 @@
           <a:bodyPr/>
           <a:lstStyle/>
           <a:p>
+            <a:r>
+              <a:rPr lang="en-US"/>
+              <a:t>©️Chartist RaphaelZ</a:t>
+            </a:r>
             <a:endParaRPr lang="en-US" dirty="0"/>
           </a:p>
         </p:txBody>
@@ -2191,9 +2583,9 @@
           <a:bodyPr/>
           <a:lstStyle/>
           <a:p>
-            <a:fld id="{87DE6118-2437-4B30-8E3C-4D2BE6020583}" type="datetimeFigureOut">
-              <a:rPr lang="en-US" dirty="0"/>
-              <a:t>4/24/24</a:t>
+            <a:fld id="{B06E9280-274E-BF44-B2D3-73F72F285AC9}" type="datetime1">
+              <a:rPr lang="en-CA" smtClean="0"/>
+              <a:t>2024-04-25</a:t>
             </a:fld>
             <a:endParaRPr lang="en-US" dirty="0"/>
           </a:p>
@@ -2214,6 +2606,10 @@
           <a:bodyPr/>
           <a:lstStyle/>
           <a:p>
+            <a:r>
+              <a:rPr lang="en-US"/>
+              <a:t>©️Chartist RaphaelZ</a:t>
+            </a:r>
             <a:endParaRPr lang="en-US" dirty="0"/>
           </a:p>
         </p:txBody>
@@ -2281,9 +2677,9 @@
           <a:bodyPr/>
           <a:lstStyle/>
           <a:p>
-            <a:fld id="{87DE6118-2437-4B30-8E3C-4D2BE6020583}" type="datetimeFigureOut">
-              <a:rPr lang="en-US" dirty="0"/>
-              <a:t>4/24/24</a:t>
+            <a:fld id="{292F5E96-2AE8-C349-97A4-4DC37159F0D5}" type="datetime1">
+              <a:rPr lang="en-CA" smtClean="0"/>
+              <a:t>2024-04-25</a:t>
             </a:fld>
             <a:endParaRPr lang="en-US" dirty="0"/>
           </a:p>
@@ -2304,6 +2700,10 @@
           <a:bodyPr/>
           <a:lstStyle/>
           <a:p>
+            <a:r>
+              <a:rPr lang="en-US"/>
+              <a:t>©️Chartist RaphaelZ</a:t>
+            </a:r>
             <a:endParaRPr lang="en-US" dirty="0"/>
           </a:p>
         </p:txBody>
@@ -2622,10 +3022,9 @@
             </a:lvl1pPr>
           </a:lstStyle>
           <a:p>
-            <a:fld id="{87DE6118-2437-4B30-8E3C-4D2BE6020583}" type="datetimeFigureOut">
-              <a:rPr lang="en-US" dirty="0"/>
-              <a:pPr/>
-              <a:t>4/24/24</a:t>
+            <a:fld id="{5FEA7E36-F39B-364E-88A6-52746FDEBBDD}" type="datetime1">
+              <a:rPr lang="en-CA" smtClean="0"/>
+              <a:t>2024-04-25</a:t>
             </a:fld>
             <a:endParaRPr lang="en-US" dirty="0"/>
           </a:p>
@@ -2659,6 +3058,10 @@
             </a:lvl1pPr>
           </a:lstStyle>
           <a:p>
+            <a:r>
+              <a:rPr lang="en-US"/>
+              <a:t>©️Chartist RaphaelZ</a:t>
+            </a:r>
             <a:endParaRPr lang="en-US" dirty="0"/>
           </a:p>
         </p:txBody>
@@ -3007,10 +3410,9 @@
             </a:lvl1pPr>
           </a:lstStyle>
           <a:p>
-            <a:fld id="{87DE6118-2437-4B30-8E3C-4D2BE6020583}" type="datetimeFigureOut">
-              <a:rPr lang="en-US" dirty="0"/>
-              <a:pPr/>
-              <a:t>4/24/24</a:t>
+            <a:fld id="{FBB8AE5A-5250-4149-BC35-30805D1659D5}" type="datetime1">
+              <a:rPr lang="en-CA" smtClean="0"/>
+              <a:t>2024-04-25</a:t>
             </a:fld>
             <a:endParaRPr lang="en-US" dirty="0"/>
           </a:p>
@@ -3044,6 +3446,10 @@
             </a:lvl1pPr>
           </a:lstStyle>
           <a:p>
+            <a:r>
+              <a:rPr lang="en-US"/>
+              <a:t>©️Chartist RaphaelZ</a:t>
+            </a:r>
             <a:endParaRPr lang="en-US" dirty="0"/>
           </a:p>
         </p:txBody>
@@ -3282,10 +3688,9 @@
             </a:lvl1pPr>
           </a:lstStyle>
           <a:p>
-            <a:fld id="{87DE6118-2437-4B30-8E3C-4D2BE6020583}" type="datetimeFigureOut">
-              <a:rPr lang="en-US" dirty="0"/>
-              <a:pPr/>
-              <a:t>4/24/24</a:t>
+            <a:fld id="{84E4F3D7-8C39-1D48-A66B-3FDB17CE2C30}" type="datetime1">
+              <a:rPr lang="en-CA" smtClean="0"/>
+              <a:t>2024-04-25</a:t>
             </a:fld>
             <a:endParaRPr lang="en-US" dirty="0"/>
           </a:p>
@@ -3322,6 +3727,10 @@
             </a:lvl1pPr>
           </a:lstStyle>
           <a:p>
+            <a:r>
+              <a:rPr lang="en-US"/>
+              <a:t>©️Chartist RaphaelZ</a:t>
+            </a:r>
             <a:endParaRPr lang="en-US" dirty="0"/>
           </a:p>
         </p:txBody>
@@ -3420,6 +3829,7 @@
     <p:sldLayoutId id="2147483658" r:id="rId10"/>
     <p:sldLayoutId id="2147483659" r:id="rId11"/>
   </p:sldLayoutIdLst>
+  <p:hf sldNum="0" hdr="0" dt="0"/>
   <p:txStyles>
     <p:titleStyle>
       <a:lvl1pPr algn="l" defTabSz="914400" rtl="0" eaLnBrk="1" latinLnBrk="0" hangingPunct="1">
@@ -3855,10 +4265,1866 @@
           </a:p>
         </p:txBody>
       </p:sp>
+      <p:sp>
+        <p:nvSpPr>
+          <p:cNvPr id="6" name="Footer Placeholder 3">
+            <a:extLst>
+              <a:ext uri="{FF2B5EF4-FFF2-40B4-BE49-F238E27FC236}">
+                <a16:creationId xmlns:a16="http://schemas.microsoft.com/office/drawing/2014/main" id="{026053C2-17AB-FCC1-436D-61912E5B1462}"/>
+              </a:ext>
+            </a:extLst>
+          </p:cNvPr>
+          <p:cNvSpPr>
+            <a:spLocks noGrp="1"/>
+          </p:cNvSpPr>
+          <p:nvPr>
+            <p:ph type="ftr" sz="quarter" idx="11"/>
+          </p:nvPr>
+        </p:nvSpPr>
+        <p:spPr>
+          <a:xfrm>
+            <a:off x="2893564" y="6453386"/>
+            <a:ext cx="6280830" cy="404614"/>
+          </a:xfrm>
+        </p:spPr>
+        <p:txBody>
+          <a:bodyPr/>
+          <a:lstStyle/>
+          <a:p>
+            <a:pPr algn="ctr"/>
+            <a:r>
+              <a:rPr lang="en-US" spc="300" dirty="0">
+                <a:latin typeface="Smiley Sans Oblique" pitchFamily="2" charset="-122"/>
+                <a:ea typeface="Smiley Sans Oblique" pitchFamily="2" charset="-122"/>
+              </a:rPr>
+              <a:t>©️Chartist RaphaelZ</a:t>
+            </a:r>
+          </a:p>
+        </p:txBody>
+      </p:sp>
     </p:spTree>
     <p:extLst>
       <p:ext uri="{BB962C8B-B14F-4D97-AF65-F5344CB8AC3E}">
         <p14:creationId xmlns:p14="http://schemas.microsoft.com/office/powerpoint/2010/main" val="772999803"/>
+      </p:ext>
+    </p:extLst>
+  </p:cSld>
+  <p:clrMapOvr>
+    <a:masterClrMapping/>
+  </p:clrMapOvr>
+</p:sld>
+</file>
+
+<file path=ppt/slides/slide10.xml><?xml version="1.0" encoding="utf-8"?>
+<p:sld xmlns:a="http://schemas.openxmlformats.org/drawingml/2006/main" xmlns:r="http://schemas.openxmlformats.org/officeDocument/2006/relationships" xmlns:p="http://schemas.openxmlformats.org/presentationml/2006/main">
+  <p:cSld>
+    <p:bg>
+      <p:bgPr>
+        <a:solidFill>
+          <a:schemeClr val="bg2"/>
+        </a:solidFill>
+        <a:effectLst/>
+      </p:bgPr>
+    </p:bg>
+    <p:spTree>
+      <p:nvGrpSpPr>
+        <p:cNvPr id="1" name=""/>
+        <p:cNvGrpSpPr/>
+        <p:nvPr/>
+      </p:nvGrpSpPr>
+      <p:grpSpPr>
+        <a:xfrm>
+          <a:off x="0" y="0"/>
+          <a:ext cx="0" cy="0"/>
+          <a:chOff x="0" y="0"/>
+          <a:chExt cx="0" cy="0"/>
+        </a:xfrm>
+      </p:grpSpPr>
+      <p:grpSp>
+        <p:nvGrpSpPr>
+          <p:cNvPr id="9" name="Group 8">
+            <a:extLst>
+              <a:ext uri="{FF2B5EF4-FFF2-40B4-BE49-F238E27FC236}">
+                <a16:creationId xmlns:a16="http://schemas.microsoft.com/office/drawing/2014/main" id="{9D9D6BF1-DFF2-4526-9D13-BF339D8C4163}"/>
+              </a:ext>
+              <a:ext uri="{C183D7F6-B498-43B3-948B-1728B52AA6E4}">
+                <adec:decorative xmlns:adec="http://schemas.microsoft.com/office/drawing/2017/decorative" val="1"/>
+              </a:ext>
+            </a:extLst>
+          </p:cNvPr>
+          <p:cNvGrpSpPr>
+            <a:grpSpLocks noGrp="1" noUngrp="1" noRot="1" noChangeAspect="1" noMove="1" noResize="1"/>
+          </p:cNvGrpSpPr>
+          <p:nvPr>
+            <p:extLst>
+              <p:ext uri="{386F3935-93C4-4BCD-93E2-E3B085C9AB24}">
+                <p16:designElem xmlns:p16="http://schemas.microsoft.com/office/powerpoint/2015/main" val="1"/>
+              </p:ext>
+            </p:extLst>
+          </p:nvPr>
+        </p:nvGrpSpPr>
+        <p:grpSpPr>
+          <a:xfrm>
+            <a:off x="752858" y="744469"/>
+            <a:ext cx="10674117" cy="5349671"/>
+            <a:chOff x="752858" y="744469"/>
+            <a:chExt cx="10674117" cy="5349671"/>
+          </a:xfrm>
+        </p:grpSpPr>
+        <p:sp>
+          <p:nvSpPr>
+            <p:cNvPr id="10" name="Freeform 6">
+              <a:extLst>
+                <a:ext uri="{FF2B5EF4-FFF2-40B4-BE49-F238E27FC236}">
+                  <a16:creationId xmlns:a16="http://schemas.microsoft.com/office/drawing/2014/main" id="{A54D4DB6-FB18-4CAE-8905-E0053C92569E}"/>
+                </a:ext>
+                <a:ext uri="{C183D7F6-B498-43B3-948B-1728B52AA6E4}">
+                  <adec:decorative xmlns:adec="http://schemas.microsoft.com/office/drawing/2017/decorative" val="1"/>
+                </a:ext>
+              </a:extLst>
+            </p:cNvPr>
+            <p:cNvSpPr/>
+            <p:nvPr>
+              <p:extLst>
+                <p:ext uri="{386F3935-93C4-4BCD-93E2-E3B085C9AB24}">
+                  <p16:designElem xmlns:p16="http://schemas.microsoft.com/office/powerpoint/2015/main" val="1"/>
+                </p:ext>
+              </p:extLst>
+            </p:nvPr>
+          </p:nvSpPr>
+          <p:spPr bwMode="auto">
+            <a:xfrm>
+              <a:off x="8151962" y="1685652"/>
+              <a:ext cx="3275013" cy="4408488"/>
+            </a:xfrm>
+            <a:custGeom>
+              <a:avLst/>
+              <a:gdLst/>
+              <a:ahLst/>
+              <a:cxnLst/>
+              <a:rect l="l" t="t" r="r" b="b"/>
+              <a:pathLst>
+                <a:path w="10000" h="10000">
+                  <a:moveTo>
+                    <a:pt x="8761" y="0"/>
+                  </a:moveTo>
+                  <a:lnTo>
+                    <a:pt x="10000" y="0"/>
+                  </a:lnTo>
+                  <a:lnTo>
+                    <a:pt x="10000" y="10000"/>
+                  </a:lnTo>
+                  <a:lnTo>
+                    <a:pt x="0" y="10000"/>
+                  </a:lnTo>
+                  <a:lnTo>
+                    <a:pt x="0" y="9126"/>
+                  </a:lnTo>
+                  <a:lnTo>
+                    <a:pt x="8761" y="9127"/>
+                  </a:lnTo>
+                  <a:lnTo>
+                    <a:pt x="8761" y="0"/>
+                  </a:lnTo>
+                  <a:close/>
+                </a:path>
+              </a:pathLst>
+            </a:custGeom>
+            <a:solidFill>
+              <a:schemeClr val="tx2"/>
+            </a:solidFill>
+            <a:ln w="0">
+              <a:noFill/>
+              <a:prstDash val="solid"/>
+              <a:round/>
+              <a:headEnd/>
+              <a:tailEnd/>
+            </a:ln>
+          </p:spPr>
+          <p:txBody>
+            <a:bodyPr/>
+            <a:lstStyle/>
+            <a:p>
+              <a:endParaRPr lang="en-US"/>
+            </a:p>
+          </p:txBody>
+        </p:sp>
+        <p:sp>
+          <p:nvSpPr>
+            <p:cNvPr id="11" name="Freeform 6">
+              <a:extLst>
+                <a:ext uri="{FF2B5EF4-FFF2-40B4-BE49-F238E27FC236}">
+                  <a16:creationId xmlns:a16="http://schemas.microsoft.com/office/drawing/2014/main" id="{1DBD6488-9429-4FFA-8AE8-C4022C39B0F2}"/>
+                </a:ext>
+                <a:ext uri="{C183D7F6-B498-43B3-948B-1728B52AA6E4}">
+                  <adec:decorative xmlns:adec="http://schemas.microsoft.com/office/drawing/2017/decorative" val="1"/>
+                </a:ext>
+              </a:extLst>
+            </p:cNvPr>
+            <p:cNvSpPr/>
+            <p:nvPr>
+              <p:extLst>
+                <p:ext uri="{386F3935-93C4-4BCD-93E2-E3B085C9AB24}">
+                  <p16:designElem xmlns:p16="http://schemas.microsoft.com/office/powerpoint/2015/main" val="1"/>
+                </p:ext>
+              </p:extLst>
+            </p:nvPr>
+          </p:nvSpPr>
+          <p:spPr bwMode="auto">
+            <a:xfrm flipH="1" flipV="1">
+              <a:off x="752858" y="744469"/>
+              <a:ext cx="3275668" cy="4408488"/>
+            </a:xfrm>
+            <a:custGeom>
+              <a:avLst/>
+              <a:gdLst/>
+              <a:ahLst/>
+              <a:cxnLst/>
+              <a:rect l="l" t="t" r="r" b="b"/>
+              <a:pathLst>
+                <a:path w="10002" h="10000">
+                  <a:moveTo>
+                    <a:pt x="8763" y="0"/>
+                  </a:moveTo>
+                  <a:lnTo>
+                    <a:pt x="10002" y="0"/>
+                  </a:lnTo>
+                  <a:lnTo>
+                    <a:pt x="10002" y="10000"/>
+                  </a:lnTo>
+                  <a:lnTo>
+                    <a:pt x="2" y="10000"/>
+                  </a:lnTo>
+                  <a:cubicBezTo>
+                    <a:pt x="-2" y="9698"/>
+                    <a:pt x="4" y="9427"/>
+                    <a:pt x="0" y="9125"/>
+                  </a:cubicBezTo>
+                  <a:lnTo>
+                    <a:pt x="8763" y="9128"/>
+                  </a:lnTo>
+                  <a:lnTo>
+                    <a:pt x="8763" y="0"/>
+                  </a:lnTo>
+                  <a:close/>
+                </a:path>
+              </a:pathLst>
+            </a:custGeom>
+            <a:solidFill>
+              <a:schemeClr val="tx2"/>
+            </a:solidFill>
+            <a:ln w="0">
+              <a:noFill/>
+              <a:prstDash val="solid"/>
+              <a:round/>
+              <a:headEnd/>
+              <a:tailEnd/>
+            </a:ln>
+          </p:spPr>
+          <p:txBody>
+            <a:bodyPr/>
+            <a:lstStyle/>
+            <a:p>
+              <a:endParaRPr lang="en-US"/>
+            </a:p>
+          </p:txBody>
+        </p:sp>
+      </p:grpSp>
+      <p:pic>
+        <p:nvPicPr>
+          <p:cNvPr id="5" name="Picture 4" descr="Three arrows on bullseye">
+            <a:extLst>
+              <a:ext uri="{FF2B5EF4-FFF2-40B4-BE49-F238E27FC236}">
+                <a16:creationId xmlns:a16="http://schemas.microsoft.com/office/drawing/2014/main" id="{79E47B11-1DC8-1B0D-87F0-93057A7B2DCB}"/>
+              </a:ext>
+            </a:extLst>
+          </p:cNvPr>
+          <p:cNvPicPr>
+            <a:picLocks noChangeAspect="1"/>
+          </p:cNvPicPr>
+          <p:nvPr/>
+        </p:nvPicPr>
+        <p:blipFill rotWithShape="1">
+          <a:blip r:embed="rId2"/>
+          <a:srcRect t="14106"/>
+          <a:stretch/>
+        </p:blipFill>
+        <p:spPr>
+          <a:xfrm>
+            <a:off x="20" y="0"/>
+            <a:ext cx="12191980" cy="6859300"/>
+          </a:xfrm>
+          <a:prstGeom prst="rect">
+            <a:avLst/>
+          </a:prstGeom>
+        </p:spPr>
+      </p:pic>
+      <p:sp>
+        <p:nvSpPr>
+          <p:cNvPr id="13" name="Rectangle 12">
+            <a:extLst>
+              <a:ext uri="{FF2B5EF4-FFF2-40B4-BE49-F238E27FC236}">
+                <a16:creationId xmlns:a16="http://schemas.microsoft.com/office/drawing/2014/main" id="{310B1DD0-264A-47E3-A16A-C87AFA51E68A}"/>
+              </a:ext>
+              <a:ext uri="{C183D7F6-B498-43B3-948B-1728B52AA6E4}">
+                <adec:decorative xmlns:adec="http://schemas.microsoft.com/office/drawing/2017/decorative" val="1"/>
+              </a:ext>
+            </a:extLst>
+          </p:cNvPr>
+          <p:cNvSpPr>
+            <a:spLocks noGrp="1" noRot="1" noChangeAspect="1" noMove="1" noResize="1" noEditPoints="1" noAdjustHandles="1" noChangeArrowheads="1" noChangeShapeType="1" noTextEdit="1"/>
+          </p:cNvSpPr>
+          <p:nvPr>
+            <p:extLst>
+              <p:ext uri="{386F3935-93C4-4BCD-93E2-E3B085C9AB24}">
+                <p16:designElem xmlns:p16="http://schemas.microsoft.com/office/powerpoint/2015/main" val="1"/>
+              </p:ext>
+            </p:extLst>
+          </p:nvPr>
+        </p:nvSpPr>
+        <p:spPr bwMode="ltGray">
+          <a:xfrm>
+            <a:off x="-258" y="0"/>
+            <a:ext cx="12192000" cy="6858000"/>
+          </a:xfrm>
+          <a:prstGeom prst="rect">
+            <a:avLst/>
+          </a:prstGeom>
+          <a:gradFill flip="none" rotWithShape="1">
+            <a:gsLst>
+              <a:gs pos="20000">
+                <a:schemeClr val="tx2">
+                  <a:alpha val="70000"/>
+                </a:schemeClr>
+              </a:gs>
+              <a:gs pos="100000">
+                <a:schemeClr val="tx2"/>
+              </a:gs>
+            </a:gsLst>
+            <a:path path="circle">
+              <a:fillToRect l="50000" t="50000" r="50000" b="50000"/>
+            </a:path>
+            <a:tileRect/>
+          </a:gradFill>
+          <a:ln>
+            <a:noFill/>
+          </a:ln>
+        </p:spPr>
+        <p:style>
+          <a:lnRef idx="2">
+            <a:schemeClr val="accent1">
+              <a:shade val="50000"/>
+            </a:schemeClr>
+          </a:lnRef>
+          <a:fillRef idx="1">
+            <a:schemeClr val="accent1"/>
+          </a:fillRef>
+          <a:effectRef idx="0">
+            <a:schemeClr val="accent1"/>
+          </a:effectRef>
+          <a:fontRef idx="minor">
+            <a:schemeClr val="lt1"/>
+          </a:fontRef>
+        </p:style>
+        <p:txBody>
+          <a:bodyPr rtlCol="0" anchor="ctr"/>
+          <a:lstStyle/>
+          <a:p>
+            <a:pPr algn="ctr"/>
+            <a:endParaRPr lang="en-US"/>
+          </a:p>
+        </p:txBody>
+      </p:sp>
+      <p:sp>
+        <p:nvSpPr>
+          <p:cNvPr id="15" name="Freeform 6">
+            <a:extLst>
+              <a:ext uri="{FF2B5EF4-FFF2-40B4-BE49-F238E27FC236}">
+                <a16:creationId xmlns:a16="http://schemas.microsoft.com/office/drawing/2014/main" id="{69C1BB7B-F21E-41A2-B30C-D8507B960282}"/>
+              </a:ext>
+              <a:ext uri="{C183D7F6-B498-43B3-948B-1728B52AA6E4}">
+                <adec:decorative xmlns:adec="http://schemas.microsoft.com/office/drawing/2017/decorative" val="1"/>
+              </a:ext>
+            </a:extLst>
+          </p:cNvPr>
+          <p:cNvSpPr>
+            <a:spLocks noGrp="1" noRot="1" noChangeAspect="1" noMove="1" noResize="1" noEditPoints="1" noAdjustHandles="1" noChangeArrowheads="1" noChangeShapeType="1" noTextEdit="1"/>
+          </p:cNvSpPr>
+          <p:nvPr>
+            <p:extLst>
+              <p:ext uri="{386F3935-93C4-4BCD-93E2-E3B085C9AB24}">
+                <p16:designElem xmlns:p16="http://schemas.microsoft.com/office/powerpoint/2015/main" val="1"/>
+              </p:ext>
+            </p:extLst>
+          </p:nvPr>
+        </p:nvSpPr>
+        <p:spPr bwMode="auto">
+          <a:xfrm flipH="1" flipV="1">
+            <a:off x="752858" y="744469"/>
+            <a:ext cx="3275668" cy="4408488"/>
+          </a:xfrm>
+          <a:custGeom>
+            <a:avLst/>
+            <a:gdLst/>
+            <a:ahLst/>
+            <a:cxnLst/>
+            <a:rect l="l" t="t" r="r" b="b"/>
+            <a:pathLst>
+              <a:path w="10002" h="10000">
+                <a:moveTo>
+                  <a:pt x="8763" y="0"/>
+                </a:moveTo>
+                <a:lnTo>
+                  <a:pt x="10002" y="0"/>
+                </a:lnTo>
+                <a:lnTo>
+                  <a:pt x="10002" y="10000"/>
+                </a:lnTo>
+                <a:lnTo>
+                  <a:pt x="2" y="10000"/>
+                </a:lnTo>
+                <a:cubicBezTo>
+                  <a:pt x="-2" y="9698"/>
+                  <a:pt x="4" y="9427"/>
+                  <a:pt x="0" y="9125"/>
+                </a:cubicBezTo>
+                <a:lnTo>
+                  <a:pt x="8763" y="9128"/>
+                </a:lnTo>
+                <a:lnTo>
+                  <a:pt x="8763" y="0"/>
+                </a:lnTo>
+                <a:close/>
+              </a:path>
+            </a:pathLst>
+          </a:custGeom>
+          <a:solidFill>
+            <a:schemeClr val="bg2"/>
+          </a:solidFill>
+          <a:ln w="0">
+            <a:noFill/>
+            <a:prstDash val="solid"/>
+            <a:round/>
+            <a:headEnd/>
+            <a:tailEnd/>
+          </a:ln>
+        </p:spPr>
+        <p:txBody>
+          <a:bodyPr/>
+          <a:lstStyle/>
+          <a:p>
+            <a:endParaRPr lang="en-US"/>
+          </a:p>
+        </p:txBody>
+      </p:sp>
+      <p:sp>
+        <p:nvSpPr>
+          <p:cNvPr id="17" name="Freeform 6">
+            <a:extLst>
+              <a:ext uri="{FF2B5EF4-FFF2-40B4-BE49-F238E27FC236}">
+                <a16:creationId xmlns:a16="http://schemas.microsoft.com/office/drawing/2014/main" id="{DF6D7DDE-F8A1-4105-9729-F9EB5F81A360}"/>
+              </a:ext>
+              <a:ext uri="{C183D7F6-B498-43B3-948B-1728B52AA6E4}">
+                <adec:decorative xmlns:adec="http://schemas.microsoft.com/office/drawing/2017/decorative" val="1"/>
+              </a:ext>
+            </a:extLst>
+          </p:cNvPr>
+          <p:cNvSpPr>
+            <a:spLocks noGrp="1" noRot="1" noChangeAspect="1" noMove="1" noResize="1" noEditPoints="1" noAdjustHandles="1" noChangeArrowheads="1" noChangeShapeType="1" noTextEdit="1"/>
+          </p:cNvSpPr>
+          <p:nvPr>
+            <p:extLst>
+              <p:ext uri="{386F3935-93C4-4BCD-93E2-E3B085C9AB24}">
+                <p16:designElem xmlns:p16="http://schemas.microsoft.com/office/powerpoint/2015/main" val="1"/>
+              </p:ext>
+            </p:extLst>
+          </p:nvPr>
+        </p:nvSpPr>
+        <p:spPr bwMode="auto">
+          <a:xfrm>
+            <a:off x="8151962" y="1685652"/>
+            <a:ext cx="3275013" cy="4408488"/>
+          </a:xfrm>
+          <a:custGeom>
+            <a:avLst/>
+            <a:gdLst/>
+            <a:ahLst/>
+            <a:cxnLst/>
+            <a:rect l="l" t="t" r="r" b="b"/>
+            <a:pathLst>
+              <a:path w="10000" h="10000">
+                <a:moveTo>
+                  <a:pt x="8761" y="0"/>
+                </a:moveTo>
+                <a:lnTo>
+                  <a:pt x="10000" y="0"/>
+                </a:lnTo>
+                <a:lnTo>
+                  <a:pt x="10000" y="10000"/>
+                </a:lnTo>
+                <a:lnTo>
+                  <a:pt x="0" y="10000"/>
+                </a:lnTo>
+                <a:lnTo>
+                  <a:pt x="0" y="9126"/>
+                </a:lnTo>
+                <a:lnTo>
+                  <a:pt x="8761" y="9127"/>
+                </a:lnTo>
+                <a:lnTo>
+                  <a:pt x="8761" y="0"/>
+                </a:lnTo>
+                <a:close/>
+              </a:path>
+            </a:pathLst>
+          </a:custGeom>
+          <a:solidFill>
+            <a:schemeClr val="bg2"/>
+          </a:solidFill>
+          <a:ln w="0">
+            <a:noFill/>
+            <a:prstDash val="solid"/>
+            <a:round/>
+            <a:headEnd/>
+            <a:tailEnd/>
+          </a:ln>
+        </p:spPr>
+        <p:txBody>
+          <a:bodyPr/>
+          <a:lstStyle/>
+          <a:p>
+            <a:endParaRPr lang="en-US"/>
+          </a:p>
+        </p:txBody>
+      </p:sp>
+      <p:sp>
+        <p:nvSpPr>
+          <p:cNvPr id="2" name="Title 1">
+            <a:extLst>
+              <a:ext uri="{FF2B5EF4-FFF2-40B4-BE49-F238E27FC236}">
+                <a16:creationId xmlns:a16="http://schemas.microsoft.com/office/drawing/2014/main" id="{6CA1A27C-0DE4-722B-651F-C9BE737FC205}"/>
+              </a:ext>
+            </a:extLst>
+          </p:cNvPr>
+          <p:cNvSpPr>
+            <a:spLocks noGrp="1"/>
+          </p:cNvSpPr>
+          <p:nvPr>
+            <p:ph type="title"/>
+          </p:nvPr>
+        </p:nvSpPr>
+        <p:spPr>
+          <a:xfrm>
+            <a:off x="1909630" y="2387548"/>
+            <a:ext cx="8361229" cy="2098226"/>
+          </a:xfrm>
+        </p:spPr>
+        <p:txBody>
+          <a:bodyPr vert="horz" lIns="91440" tIns="45720" rIns="91440" bIns="45720" rtlCol="0" anchor="b">
+            <a:normAutofit fontScale="90000"/>
+          </a:bodyPr>
+          <a:lstStyle/>
+          <a:p>
+            <a:r>
+              <a:rPr lang="en-US" sz="7200" cap="all" spc="300" dirty="0" err="1">
+                <a:solidFill>
+                  <a:schemeClr val="bg2"/>
+                </a:solidFill>
+                <a:latin typeface="Smiley Sans Oblique" pitchFamily="2" charset="-122"/>
+                <a:ea typeface="Smiley Sans Oblique" pitchFamily="2" charset="-122"/>
+              </a:rPr>
+              <a:t>Takeprofit</a:t>
+            </a:r>
+            <a:r>
+              <a:rPr lang="en-US" sz="7200" cap="all" spc="300" dirty="0">
+                <a:solidFill>
+                  <a:schemeClr val="bg2"/>
+                </a:solidFill>
+                <a:latin typeface="Smiley Sans Oblique" pitchFamily="2" charset="-122"/>
+                <a:ea typeface="Smiley Sans Oblique" pitchFamily="2" charset="-122"/>
+              </a:rPr>
+              <a:t> Criteria</a:t>
+            </a:r>
+            <a:br>
+              <a:rPr lang="en-US" sz="7200" cap="all" spc="300" dirty="0">
+                <a:solidFill>
+                  <a:schemeClr val="bg2"/>
+                </a:solidFill>
+                <a:latin typeface="Smiley Sans Oblique" pitchFamily="2" charset="-122"/>
+                <a:ea typeface="Smiley Sans Oblique" pitchFamily="2" charset="-122"/>
+              </a:rPr>
+            </a:br>
+            <a:br>
+              <a:rPr lang="en-US" sz="7200" cap="all" spc="300" dirty="0">
+                <a:solidFill>
+                  <a:schemeClr val="bg2"/>
+                </a:solidFill>
+                <a:latin typeface="Smiley Sans Oblique" pitchFamily="2" charset="-122"/>
+                <a:ea typeface="Smiley Sans Oblique" pitchFamily="2" charset="-122"/>
+              </a:rPr>
+            </a:br>
+            <a:r>
+              <a:rPr lang="en-US" sz="7200" cap="all" spc="300" dirty="0" err="1">
+                <a:solidFill>
+                  <a:schemeClr val="bg2"/>
+                </a:solidFill>
+                <a:latin typeface="Smiley Sans Oblique" pitchFamily="2" charset="-122"/>
+                <a:ea typeface="Smiley Sans Oblique" pitchFamily="2" charset="-122"/>
+              </a:rPr>
+              <a:t>止盈</a:t>
+            </a:r>
+            <a:r>
+              <a:rPr lang="en-US" sz="7200" cap="all" spc="300" dirty="0">
+                <a:solidFill>
+                  <a:schemeClr val="bg2"/>
+                </a:solidFill>
+                <a:latin typeface="Smiley Sans Oblique" pitchFamily="2" charset="-122"/>
+                <a:ea typeface="Smiley Sans Oblique" pitchFamily="2" charset="-122"/>
+              </a:rPr>
+              <a:t> </a:t>
+            </a:r>
+          </a:p>
+        </p:txBody>
+      </p:sp>
+      <p:sp>
+        <p:nvSpPr>
+          <p:cNvPr id="4" name="Footer Placeholder 3">
+            <a:extLst>
+              <a:ext uri="{FF2B5EF4-FFF2-40B4-BE49-F238E27FC236}">
+                <a16:creationId xmlns:a16="http://schemas.microsoft.com/office/drawing/2014/main" id="{A895313F-F098-7176-D8B8-81DAB4859F1C}"/>
+              </a:ext>
+            </a:extLst>
+          </p:cNvPr>
+          <p:cNvSpPr>
+            <a:spLocks noGrp="1"/>
+          </p:cNvSpPr>
+          <p:nvPr>
+            <p:ph type="ftr" sz="quarter" idx="11"/>
+          </p:nvPr>
+        </p:nvSpPr>
+        <p:spPr/>
+        <p:txBody>
+          <a:bodyPr/>
+          <a:lstStyle/>
+          <a:p>
+            <a:pPr algn="ctr"/>
+            <a:r>
+              <a:rPr lang="en-US" spc="300" dirty="0">
+                <a:solidFill>
+                  <a:schemeClr val="bg2"/>
+                </a:solidFill>
+                <a:latin typeface="Smiley Sans Oblique" pitchFamily="2" charset="-122"/>
+                <a:ea typeface="Smiley Sans Oblique" pitchFamily="2" charset="-122"/>
+              </a:rPr>
+              <a:t>©️Chartist RaphaelZ</a:t>
+            </a:r>
+          </a:p>
+        </p:txBody>
+      </p:sp>
+    </p:spTree>
+    <p:extLst>
+      <p:ext uri="{BB962C8B-B14F-4D97-AF65-F5344CB8AC3E}">
+        <p14:creationId xmlns:p14="http://schemas.microsoft.com/office/powerpoint/2010/main" val="1417373378"/>
+      </p:ext>
+    </p:extLst>
+  </p:cSld>
+  <p:clrMapOvr>
+    <a:masterClrMapping/>
+  </p:clrMapOvr>
+</p:sld>
+</file>
+
+<file path=ppt/slides/slide11.xml><?xml version="1.0" encoding="utf-8"?>
+<p:sld xmlns:a="http://schemas.openxmlformats.org/drawingml/2006/main" xmlns:r="http://schemas.openxmlformats.org/officeDocument/2006/relationships" xmlns:p="http://schemas.openxmlformats.org/presentationml/2006/main">
+  <p:cSld>
+    <p:bg>
+      <p:bgPr>
+        <a:solidFill>
+          <a:schemeClr val="bg2"/>
+        </a:solidFill>
+        <a:effectLst/>
+      </p:bgPr>
+    </p:bg>
+    <p:spTree>
+      <p:nvGrpSpPr>
+        <p:cNvPr id="1" name=""/>
+        <p:cNvGrpSpPr/>
+        <p:nvPr/>
+      </p:nvGrpSpPr>
+      <p:grpSpPr>
+        <a:xfrm>
+          <a:off x="0" y="0"/>
+          <a:ext cx="0" cy="0"/>
+          <a:chOff x="0" y="0"/>
+          <a:chExt cx="0" cy="0"/>
+        </a:xfrm>
+      </p:grpSpPr>
+      <p:grpSp>
+        <p:nvGrpSpPr>
+          <p:cNvPr id="10" name="Group 9">
+            <a:extLst>
+              <a:ext uri="{FF2B5EF4-FFF2-40B4-BE49-F238E27FC236}">
+                <a16:creationId xmlns:a16="http://schemas.microsoft.com/office/drawing/2014/main" id="{449BC34D-9C23-4D6D-8213-1F471AF85B3F}"/>
+              </a:ext>
+              <a:ext uri="{C183D7F6-B498-43B3-948B-1728B52AA6E4}">
+                <adec:decorative xmlns:adec="http://schemas.microsoft.com/office/drawing/2017/decorative" val="1"/>
+              </a:ext>
+            </a:extLst>
+          </p:cNvPr>
+          <p:cNvGrpSpPr>
+            <a:grpSpLocks noGrp="1" noUngrp="1" noRot="1" noChangeAspect="1" noMove="1" noResize="1"/>
+          </p:cNvGrpSpPr>
+          <p:nvPr>
+            <p:extLst>
+              <p:ext uri="{386F3935-93C4-4BCD-93E2-E3B085C9AB24}">
+                <p16:designElem xmlns:p16="http://schemas.microsoft.com/office/powerpoint/2015/main" val="1"/>
+              </p:ext>
+            </p:extLst>
+          </p:nvPr>
+        </p:nvGrpSpPr>
+        <p:grpSpPr>
+          <a:xfrm>
+            <a:off x="752858" y="744469"/>
+            <a:ext cx="10674117" cy="5349671"/>
+            <a:chOff x="752858" y="744469"/>
+            <a:chExt cx="10674117" cy="5349671"/>
+          </a:xfrm>
+        </p:grpSpPr>
+        <p:sp>
+          <p:nvSpPr>
+            <p:cNvPr id="11" name="Freeform 6">
+              <a:extLst>
+                <a:ext uri="{FF2B5EF4-FFF2-40B4-BE49-F238E27FC236}">
+                  <a16:creationId xmlns:a16="http://schemas.microsoft.com/office/drawing/2014/main" id="{FA0F5D6C-5025-4D7E-82DD-C2C6FDA1E759}"/>
+                </a:ext>
+                <a:ext uri="{C183D7F6-B498-43B3-948B-1728B52AA6E4}">
+                  <adec:decorative xmlns:adec="http://schemas.microsoft.com/office/drawing/2017/decorative" val="1"/>
+                </a:ext>
+              </a:extLst>
+            </p:cNvPr>
+            <p:cNvSpPr/>
+            <p:nvPr>
+              <p:extLst>
+                <p:ext uri="{386F3935-93C4-4BCD-93E2-E3B085C9AB24}">
+                  <p16:designElem xmlns:p16="http://schemas.microsoft.com/office/powerpoint/2015/main" val="1"/>
+                </p:ext>
+              </p:extLst>
+            </p:nvPr>
+          </p:nvSpPr>
+          <p:spPr bwMode="auto">
+            <a:xfrm>
+              <a:off x="8151962" y="1685652"/>
+              <a:ext cx="3275013" cy="4408488"/>
+            </a:xfrm>
+            <a:custGeom>
+              <a:avLst/>
+              <a:gdLst/>
+              <a:ahLst/>
+              <a:cxnLst/>
+              <a:rect l="l" t="t" r="r" b="b"/>
+              <a:pathLst>
+                <a:path w="10000" h="10000">
+                  <a:moveTo>
+                    <a:pt x="8761" y="0"/>
+                  </a:moveTo>
+                  <a:lnTo>
+                    <a:pt x="10000" y="0"/>
+                  </a:lnTo>
+                  <a:lnTo>
+                    <a:pt x="10000" y="10000"/>
+                  </a:lnTo>
+                  <a:lnTo>
+                    <a:pt x="0" y="10000"/>
+                  </a:lnTo>
+                  <a:lnTo>
+                    <a:pt x="0" y="9126"/>
+                  </a:lnTo>
+                  <a:lnTo>
+                    <a:pt x="8761" y="9127"/>
+                  </a:lnTo>
+                  <a:lnTo>
+                    <a:pt x="8761" y="0"/>
+                  </a:lnTo>
+                  <a:close/>
+                </a:path>
+              </a:pathLst>
+            </a:custGeom>
+            <a:solidFill>
+              <a:schemeClr val="tx2"/>
+            </a:solidFill>
+            <a:ln w="0">
+              <a:noFill/>
+              <a:prstDash val="solid"/>
+              <a:round/>
+              <a:headEnd/>
+              <a:tailEnd/>
+            </a:ln>
+          </p:spPr>
+          <p:txBody>
+            <a:bodyPr/>
+            <a:lstStyle/>
+            <a:p>
+              <a:endParaRPr lang="en-US"/>
+            </a:p>
+          </p:txBody>
+        </p:sp>
+        <p:sp>
+          <p:nvSpPr>
+            <p:cNvPr id="12" name="Freeform 6">
+              <a:extLst>
+                <a:ext uri="{FF2B5EF4-FFF2-40B4-BE49-F238E27FC236}">
+                  <a16:creationId xmlns:a16="http://schemas.microsoft.com/office/drawing/2014/main" id="{E2AF2C17-4AB4-4402-B84B-129EF95D161C}"/>
+                </a:ext>
+                <a:ext uri="{C183D7F6-B498-43B3-948B-1728B52AA6E4}">
+                  <adec:decorative xmlns:adec="http://schemas.microsoft.com/office/drawing/2017/decorative" val="1"/>
+                </a:ext>
+              </a:extLst>
+            </p:cNvPr>
+            <p:cNvSpPr/>
+            <p:nvPr>
+              <p:extLst>
+                <p:ext uri="{386F3935-93C4-4BCD-93E2-E3B085C9AB24}">
+                  <p16:designElem xmlns:p16="http://schemas.microsoft.com/office/powerpoint/2015/main" val="1"/>
+                </p:ext>
+              </p:extLst>
+            </p:nvPr>
+          </p:nvSpPr>
+          <p:spPr bwMode="auto">
+            <a:xfrm flipH="1" flipV="1">
+              <a:off x="752858" y="744469"/>
+              <a:ext cx="3275668" cy="4408488"/>
+            </a:xfrm>
+            <a:custGeom>
+              <a:avLst/>
+              <a:gdLst/>
+              <a:ahLst/>
+              <a:cxnLst/>
+              <a:rect l="l" t="t" r="r" b="b"/>
+              <a:pathLst>
+                <a:path w="10002" h="10000">
+                  <a:moveTo>
+                    <a:pt x="8763" y="0"/>
+                  </a:moveTo>
+                  <a:lnTo>
+                    <a:pt x="10002" y="0"/>
+                  </a:lnTo>
+                  <a:lnTo>
+                    <a:pt x="10002" y="10000"/>
+                  </a:lnTo>
+                  <a:lnTo>
+                    <a:pt x="2" y="10000"/>
+                  </a:lnTo>
+                  <a:cubicBezTo>
+                    <a:pt x="-2" y="9698"/>
+                    <a:pt x="4" y="9427"/>
+                    <a:pt x="0" y="9125"/>
+                  </a:cubicBezTo>
+                  <a:lnTo>
+                    <a:pt x="8763" y="9128"/>
+                  </a:lnTo>
+                  <a:lnTo>
+                    <a:pt x="8763" y="0"/>
+                  </a:lnTo>
+                  <a:close/>
+                </a:path>
+              </a:pathLst>
+            </a:custGeom>
+            <a:solidFill>
+              <a:schemeClr val="tx2"/>
+            </a:solidFill>
+            <a:ln w="0">
+              <a:noFill/>
+              <a:prstDash val="solid"/>
+              <a:round/>
+              <a:headEnd/>
+              <a:tailEnd/>
+            </a:ln>
+          </p:spPr>
+          <p:txBody>
+            <a:bodyPr/>
+            <a:lstStyle/>
+            <a:p>
+              <a:endParaRPr lang="en-US"/>
+            </a:p>
+          </p:txBody>
+        </p:sp>
+      </p:grpSp>
+      <p:sp useBgFill="1">
+        <p:nvSpPr>
+          <p:cNvPr id="14" name="Rectangle 13">
+            <a:extLst>
+              <a:ext uri="{FF2B5EF4-FFF2-40B4-BE49-F238E27FC236}">
+                <a16:creationId xmlns:a16="http://schemas.microsoft.com/office/drawing/2014/main" id="{46433AC8-8A78-46AB-B013-07DC9D75258C}"/>
+              </a:ext>
+              <a:ext uri="{C183D7F6-B498-43B3-948B-1728B52AA6E4}">
+                <adec:decorative xmlns:adec="http://schemas.microsoft.com/office/drawing/2017/decorative" val="1"/>
+              </a:ext>
+            </a:extLst>
+          </p:cNvPr>
+          <p:cNvSpPr>
+            <a:spLocks noGrp="1" noRot="1" noChangeAspect="1" noMove="1" noResize="1" noEditPoints="1" noAdjustHandles="1" noChangeArrowheads="1" noChangeShapeType="1" noTextEdit="1"/>
+          </p:cNvSpPr>
+          <p:nvPr>
+            <p:extLst>
+              <p:ext uri="{386F3935-93C4-4BCD-93E2-E3B085C9AB24}">
+                <p16:designElem xmlns:p16="http://schemas.microsoft.com/office/powerpoint/2015/main" val="1"/>
+              </p:ext>
+            </p:extLst>
+          </p:nvPr>
+        </p:nvSpPr>
+        <p:spPr>
+          <a:xfrm>
+            <a:off x="0" y="0"/>
+            <a:ext cx="12192000" cy="6858000"/>
+          </a:xfrm>
+          <a:prstGeom prst="rect">
+            <a:avLst/>
+          </a:prstGeom>
+          <a:ln>
+            <a:noFill/>
+          </a:ln>
+        </p:spPr>
+        <p:style>
+          <a:lnRef idx="2">
+            <a:schemeClr val="accent1">
+              <a:shade val="50000"/>
+            </a:schemeClr>
+          </a:lnRef>
+          <a:fillRef idx="1001">
+            <a:schemeClr val="lt2"/>
+          </a:fillRef>
+          <a:effectRef idx="0">
+            <a:schemeClr val="accent1"/>
+          </a:effectRef>
+          <a:fontRef idx="minor">
+            <a:schemeClr val="lt1"/>
+          </a:fontRef>
+        </p:style>
+        <p:txBody>
+          <a:bodyPr rtlCol="0" anchor="ctr"/>
+          <a:lstStyle/>
+          <a:p>
+            <a:pPr algn="ctr"/>
+            <a:endParaRPr lang="en-US"/>
+          </a:p>
+        </p:txBody>
+      </p:sp>
+      <p:sp>
+        <p:nvSpPr>
+          <p:cNvPr id="2" name="Title 1">
+            <a:extLst>
+              <a:ext uri="{FF2B5EF4-FFF2-40B4-BE49-F238E27FC236}">
+                <a16:creationId xmlns:a16="http://schemas.microsoft.com/office/drawing/2014/main" id="{9B76F65C-4576-E86F-A63F-1BFCA9E5D0F0}"/>
+              </a:ext>
+            </a:extLst>
+          </p:cNvPr>
+          <p:cNvSpPr>
+            <a:spLocks noGrp="1"/>
+          </p:cNvSpPr>
+          <p:nvPr>
+            <p:ph type="title"/>
+          </p:nvPr>
+        </p:nvSpPr>
+        <p:spPr>
+          <a:xfrm>
+            <a:off x="5307291" y="634028"/>
+            <a:ext cx="6221689" cy="3732835"/>
+          </a:xfrm>
+        </p:spPr>
+        <p:txBody>
+          <a:bodyPr vert="horz" lIns="91440" tIns="45720" rIns="91440" bIns="45720" rtlCol="0" anchor="b">
+            <a:normAutofit fontScale="90000"/>
+          </a:bodyPr>
+          <a:lstStyle/>
+          <a:p>
+            <a:pPr algn="r"/>
+            <a:r>
+              <a:rPr lang="en-US" sz="7200" cap="all" dirty="0">
+                <a:latin typeface="Smiley Sans Oblique" pitchFamily="2" charset="-122"/>
+                <a:ea typeface="Smiley Sans Oblique" pitchFamily="2" charset="-122"/>
+              </a:rPr>
+              <a:t>Evaluate</a:t>
+            </a:r>
+            <a:r>
+              <a:rPr lang="en-US" altLang="zh-CN" sz="7200" cap="all" dirty="0">
+                <a:latin typeface="Smiley Sans Oblique" pitchFamily="2" charset="-122"/>
+                <a:ea typeface="Smiley Sans Oblique" pitchFamily="2" charset="-122"/>
+              </a:rPr>
+              <a:t> </a:t>
+            </a:r>
+            <a:br>
+              <a:rPr lang="en-US" altLang="zh-CN" sz="7200" cap="all" dirty="0">
+                <a:latin typeface="Smiley Sans Oblique" pitchFamily="2" charset="-122"/>
+                <a:ea typeface="Smiley Sans Oblique" pitchFamily="2" charset="-122"/>
+              </a:rPr>
+            </a:br>
+            <a:r>
+              <a:rPr lang="en-US" altLang="zh-CN" sz="7200" cap="all" dirty="0">
+                <a:latin typeface="Smiley Sans Oblique" pitchFamily="2" charset="-122"/>
+                <a:ea typeface="Smiley Sans Oblique" pitchFamily="2" charset="-122"/>
+              </a:rPr>
+              <a:t>Your Plan</a:t>
+            </a:r>
+            <a:br>
+              <a:rPr lang="en-US" altLang="zh-CN" sz="7200" cap="all" dirty="0">
+                <a:latin typeface="Smiley Sans Oblique" pitchFamily="2" charset="-122"/>
+                <a:ea typeface="Smiley Sans Oblique" pitchFamily="2" charset="-122"/>
+              </a:rPr>
+            </a:br>
+            <a:br>
+              <a:rPr lang="en-US" altLang="zh-CN" sz="7200" cap="all" dirty="0">
+                <a:latin typeface="Smiley Sans Oblique" pitchFamily="2" charset="-122"/>
+                <a:ea typeface="Smiley Sans Oblique" pitchFamily="2" charset="-122"/>
+              </a:rPr>
+            </a:br>
+            <a:r>
+              <a:rPr lang="zh-CN" altLang="en-US" sz="7200" cap="all" dirty="0">
+                <a:latin typeface="Smiley Sans Oblique" pitchFamily="2" charset="-122"/>
+                <a:ea typeface="Smiley Sans Oblique" pitchFamily="2" charset="-122"/>
+              </a:rPr>
+              <a:t>评估</a:t>
+            </a:r>
+            <a:endParaRPr lang="en-US" sz="7200" cap="all" dirty="0">
+              <a:latin typeface="Smiley Sans Oblique" pitchFamily="2" charset="-122"/>
+              <a:ea typeface="Smiley Sans Oblique" pitchFamily="2" charset="-122"/>
+            </a:endParaRPr>
+          </a:p>
+        </p:txBody>
+      </p:sp>
+      <p:sp>
+        <p:nvSpPr>
+          <p:cNvPr id="16" name="Freeform 6">
+            <a:extLst>
+              <a:ext uri="{FF2B5EF4-FFF2-40B4-BE49-F238E27FC236}">
+                <a16:creationId xmlns:a16="http://schemas.microsoft.com/office/drawing/2014/main" id="{37E10E69-B2A5-4F8D-A7C0-F958BB7B47C1}"/>
+              </a:ext>
+              <a:ext uri="{C183D7F6-B498-43B3-948B-1728B52AA6E4}">
+                <adec:decorative xmlns:adec="http://schemas.microsoft.com/office/drawing/2017/decorative" val="1"/>
+              </a:ext>
+            </a:extLst>
+          </p:cNvPr>
+          <p:cNvSpPr>
+            <a:spLocks noGrp="1" noRot="1" noChangeAspect="1" noMove="1" noResize="1" noEditPoints="1" noAdjustHandles="1" noChangeArrowheads="1" noChangeShapeType="1" noTextEdit="1"/>
+          </p:cNvSpPr>
+          <p:nvPr>
+            <p:extLst>
+              <p:ext uri="{386F3935-93C4-4BCD-93E2-E3B085C9AB24}">
+                <p16:designElem xmlns:p16="http://schemas.microsoft.com/office/powerpoint/2015/main" val="1"/>
+              </p:ext>
+            </p:extLst>
+          </p:nvPr>
+        </p:nvSpPr>
+        <p:spPr bwMode="auto">
+          <a:xfrm>
+            <a:off x="1542142" y="2016617"/>
+            <a:ext cx="3275013" cy="4408488"/>
+          </a:xfrm>
+          <a:custGeom>
+            <a:avLst/>
+            <a:gdLst/>
+            <a:ahLst/>
+            <a:cxnLst/>
+            <a:rect l="l" t="t" r="r" b="b"/>
+            <a:pathLst>
+              <a:path w="10000" h="10000">
+                <a:moveTo>
+                  <a:pt x="8761" y="0"/>
+                </a:moveTo>
+                <a:lnTo>
+                  <a:pt x="10000" y="0"/>
+                </a:lnTo>
+                <a:lnTo>
+                  <a:pt x="10000" y="10000"/>
+                </a:lnTo>
+                <a:lnTo>
+                  <a:pt x="0" y="10000"/>
+                </a:lnTo>
+                <a:lnTo>
+                  <a:pt x="0" y="9126"/>
+                </a:lnTo>
+                <a:lnTo>
+                  <a:pt x="8761" y="9127"/>
+                </a:lnTo>
+                <a:lnTo>
+                  <a:pt x="8761" y="0"/>
+                </a:lnTo>
+                <a:close/>
+              </a:path>
+            </a:pathLst>
+          </a:custGeom>
+          <a:solidFill>
+            <a:schemeClr val="tx2"/>
+          </a:solidFill>
+          <a:ln w="0">
+            <a:noFill/>
+            <a:prstDash val="solid"/>
+            <a:round/>
+            <a:headEnd/>
+            <a:tailEnd/>
+          </a:ln>
+        </p:spPr>
+        <p:txBody>
+          <a:bodyPr/>
+          <a:lstStyle/>
+          <a:p>
+            <a:endParaRPr lang="en-US"/>
+          </a:p>
+        </p:txBody>
+      </p:sp>
+      <p:sp>
+        <p:nvSpPr>
+          <p:cNvPr id="18" name="Freeform 6">
+            <a:extLst>
+              <a:ext uri="{FF2B5EF4-FFF2-40B4-BE49-F238E27FC236}">
+                <a16:creationId xmlns:a16="http://schemas.microsoft.com/office/drawing/2014/main" id="{2E4B17F2-7877-4CC5-B6F6-F4147FE7B290}"/>
+              </a:ext>
+              <a:ext uri="{C183D7F6-B498-43B3-948B-1728B52AA6E4}">
+                <adec:decorative xmlns:adec="http://schemas.microsoft.com/office/drawing/2017/decorative" val="1"/>
+              </a:ext>
+            </a:extLst>
+          </p:cNvPr>
+          <p:cNvSpPr>
+            <a:spLocks noGrp="1" noRot="1" noChangeAspect="1" noMove="1" noResize="1" noEditPoints="1" noAdjustHandles="1" noChangeArrowheads="1" noChangeShapeType="1" noTextEdit="1"/>
+          </p:cNvSpPr>
+          <p:nvPr>
+            <p:extLst>
+              <p:ext uri="{386F3935-93C4-4BCD-93E2-E3B085C9AB24}">
+                <p16:designElem xmlns:p16="http://schemas.microsoft.com/office/powerpoint/2015/main" val="1"/>
+              </p:ext>
+            </p:extLst>
+          </p:nvPr>
+        </p:nvSpPr>
+        <p:spPr bwMode="auto">
+          <a:xfrm flipH="1" flipV="1">
+            <a:off x="649163" y="634028"/>
+            <a:ext cx="3275668" cy="4408488"/>
+          </a:xfrm>
+          <a:custGeom>
+            <a:avLst/>
+            <a:gdLst/>
+            <a:ahLst/>
+            <a:cxnLst/>
+            <a:rect l="l" t="t" r="r" b="b"/>
+            <a:pathLst>
+              <a:path w="10002" h="10000">
+                <a:moveTo>
+                  <a:pt x="8763" y="0"/>
+                </a:moveTo>
+                <a:lnTo>
+                  <a:pt x="10002" y="0"/>
+                </a:lnTo>
+                <a:lnTo>
+                  <a:pt x="10002" y="10000"/>
+                </a:lnTo>
+                <a:lnTo>
+                  <a:pt x="2" y="10000"/>
+                </a:lnTo>
+                <a:cubicBezTo>
+                  <a:pt x="-2" y="9698"/>
+                  <a:pt x="4" y="9427"/>
+                  <a:pt x="0" y="9125"/>
+                </a:cubicBezTo>
+                <a:lnTo>
+                  <a:pt x="8763" y="9128"/>
+                </a:lnTo>
+                <a:lnTo>
+                  <a:pt x="8763" y="0"/>
+                </a:lnTo>
+                <a:close/>
+              </a:path>
+            </a:pathLst>
+          </a:custGeom>
+          <a:solidFill>
+            <a:schemeClr val="tx2"/>
+          </a:solidFill>
+          <a:ln w="0">
+            <a:noFill/>
+            <a:prstDash val="solid"/>
+            <a:round/>
+            <a:headEnd/>
+            <a:tailEnd/>
+          </a:ln>
+        </p:spPr>
+        <p:txBody>
+          <a:bodyPr/>
+          <a:lstStyle/>
+          <a:p>
+            <a:endParaRPr lang="en-US"/>
+          </a:p>
+        </p:txBody>
+      </p:sp>
+      <p:pic>
+        <p:nvPicPr>
+          <p:cNvPr id="7" name="Graphic 6" descr="Checkmark">
+            <a:extLst>
+              <a:ext uri="{FF2B5EF4-FFF2-40B4-BE49-F238E27FC236}">
+                <a16:creationId xmlns:a16="http://schemas.microsoft.com/office/drawing/2014/main" id="{EC687800-F204-A6CA-9DD3-DFF526F33769}"/>
+              </a:ext>
+            </a:extLst>
+          </p:cNvPr>
+          <p:cNvPicPr>
+            <a:picLocks noChangeAspect="1"/>
+          </p:cNvPicPr>
+          <p:nvPr/>
+        </p:nvPicPr>
+        <p:blipFill>
+          <a:blip r:embed="rId2">
+            <a:extLst>
+              <a:ext uri="{28A0092B-C50C-407E-A947-70E740481C1C}">
+                <a14:useLocalDpi xmlns:a14="http://schemas.microsoft.com/office/drawing/2010/main" val="0"/>
+              </a:ext>
+              <a:ext uri="{96DAC541-7B7A-43D3-8B79-37D633B846F1}">
+                <asvg:svgBlip xmlns:asvg="http://schemas.microsoft.com/office/drawing/2016/SVG/main" r:embed="rId3"/>
+              </a:ext>
+            </a:extLst>
+          </a:blip>
+          <a:stretch>
+            <a:fillRect/>
+          </a:stretch>
+        </p:blipFill>
+        <p:spPr>
+          <a:xfrm>
+            <a:off x="1371403" y="2169078"/>
+            <a:ext cx="2719859" cy="2719859"/>
+          </a:xfrm>
+          <a:prstGeom prst="rect">
+            <a:avLst/>
+          </a:prstGeom>
+        </p:spPr>
+      </p:pic>
+      <p:sp>
+        <p:nvSpPr>
+          <p:cNvPr id="4" name="Footer Placeholder 3">
+            <a:extLst>
+              <a:ext uri="{FF2B5EF4-FFF2-40B4-BE49-F238E27FC236}">
+                <a16:creationId xmlns:a16="http://schemas.microsoft.com/office/drawing/2014/main" id="{4ACE746C-AFBC-33A3-9AB0-374715129AA9}"/>
+              </a:ext>
+            </a:extLst>
+          </p:cNvPr>
+          <p:cNvSpPr>
+            <a:spLocks noGrp="1"/>
+          </p:cNvSpPr>
+          <p:nvPr>
+            <p:ph type="ftr" sz="quarter" idx="11"/>
+          </p:nvPr>
+        </p:nvSpPr>
+        <p:spPr/>
+        <p:txBody>
+          <a:bodyPr/>
+          <a:lstStyle/>
+          <a:p>
+            <a:pPr algn="ctr"/>
+            <a:r>
+              <a:rPr lang="en-US" spc="300" dirty="0">
+                <a:latin typeface="Smiley Sans Oblique" pitchFamily="2" charset="-122"/>
+                <a:ea typeface="Smiley Sans Oblique" pitchFamily="2" charset="-122"/>
+              </a:rPr>
+              <a:t>©️Chartist RaphaelZ</a:t>
+            </a:r>
+          </a:p>
+        </p:txBody>
+      </p:sp>
+    </p:spTree>
+    <p:extLst>
+      <p:ext uri="{BB962C8B-B14F-4D97-AF65-F5344CB8AC3E}">
+        <p14:creationId xmlns:p14="http://schemas.microsoft.com/office/powerpoint/2010/main" val="82538395"/>
+      </p:ext>
+    </p:extLst>
+  </p:cSld>
+  <p:clrMapOvr>
+    <a:masterClrMapping/>
+  </p:clrMapOvr>
+</p:sld>
+</file>
+
+<file path=ppt/slides/slide12.xml><?xml version="1.0" encoding="utf-8"?>
+<p:sld xmlns:a="http://schemas.openxmlformats.org/drawingml/2006/main" xmlns:r="http://schemas.openxmlformats.org/officeDocument/2006/relationships" xmlns:p="http://schemas.openxmlformats.org/presentationml/2006/main">
+  <p:cSld>
+    <p:bg>
+      <p:bgPr>
+        <a:solidFill>
+          <a:schemeClr val="bg2"/>
+        </a:solidFill>
+        <a:effectLst/>
+      </p:bgPr>
+    </p:bg>
+    <p:spTree>
+      <p:nvGrpSpPr>
+        <p:cNvPr id="1" name=""/>
+        <p:cNvGrpSpPr/>
+        <p:nvPr/>
+      </p:nvGrpSpPr>
+      <p:grpSpPr>
+        <a:xfrm>
+          <a:off x="0" y="0"/>
+          <a:ext cx="0" cy="0"/>
+          <a:chOff x="0" y="0"/>
+          <a:chExt cx="0" cy="0"/>
+        </a:xfrm>
+      </p:grpSpPr>
+      <p:grpSp>
+        <p:nvGrpSpPr>
+          <p:cNvPr id="9" name="Group 8">
+            <a:extLst>
+              <a:ext uri="{FF2B5EF4-FFF2-40B4-BE49-F238E27FC236}">
+                <a16:creationId xmlns:a16="http://schemas.microsoft.com/office/drawing/2014/main" id="{9D9D6BF1-DFF2-4526-9D13-BF339D8C4163}"/>
+              </a:ext>
+              <a:ext uri="{C183D7F6-B498-43B3-948B-1728B52AA6E4}">
+                <adec:decorative xmlns:adec="http://schemas.microsoft.com/office/drawing/2017/decorative" val="1"/>
+              </a:ext>
+            </a:extLst>
+          </p:cNvPr>
+          <p:cNvGrpSpPr>
+            <a:grpSpLocks noGrp="1" noUngrp="1" noRot="1" noChangeAspect="1" noMove="1" noResize="1"/>
+          </p:cNvGrpSpPr>
+          <p:nvPr>
+            <p:extLst>
+              <p:ext uri="{386F3935-93C4-4BCD-93E2-E3B085C9AB24}">
+                <p16:designElem xmlns:p16="http://schemas.microsoft.com/office/powerpoint/2015/main" val="1"/>
+              </p:ext>
+            </p:extLst>
+          </p:nvPr>
+        </p:nvGrpSpPr>
+        <p:grpSpPr>
+          <a:xfrm>
+            <a:off x="752858" y="744469"/>
+            <a:ext cx="10674117" cy="5349671"/>
+            <a:chOff x="752858" y="744469"/>
+            <a:chExt cx="10674117" cy="5349671"/>
+          </a:xfrm>
+        </p:grpSpPr>
+        <p:sp>
+          <p:nvSpPr>
+            <p:cNvPr id="10" name="Freeform 6">
+              <a:extLst>
+                <a:ext uri="{FF2B5EF4-FFF2-40B4-BE49-F238E27FC236}">
+                  <a16:creationId xmlns:a16="http://schemas.microsoft.com/office/drawing/2014/main" id="{A54D4DB6-FB18-4CAE-8905-E0053C92569E}"/>
+                </a:ext>
+                <a:ext uri="{C183D7F6-B498-43B3-948B-1728B52AA6E4}">
+                  <adec:decorative xmlns:adec="http://schemas.microsoft.com/office/drawing/2017/decorative" val="1"/>
+                </a:ext>
+              </a:extLst>
+            </p:cNvPr>
+            <p:cNvSpPr/>
+            <p:nvPr>
+              <p:extLst>
+                <p:ext uri="{386F3935-93C4-4BCD-93E2-E3B085C9AB24}">
+                  <p16:designElem xmlns:p16="http://schemas.microsoft.com/office/powerpoint/2015/main" val="1"/>
+                </p:ext>
+              </p:extLst>
+            </p:nvPr>
+          </p:nvSpPr>
+          <p:spPr bwMode="auto">
+            <a:xfrm>
+              <a:off x="8151962" y="1685652"/>
+              <a:ext cx="3275013" cy="4408488"/>
+            </a:xfrm>
+            <a:custGeom>
+              <a:avLst/>
+              <a:gdLst/>
+              <a:ahLst/>
+              <a:cxnLst/>
+              <a:rect l="l" t="t" r="r" b="b"/>
+              <a:pathLst>
+                <a:path w="10000" h="10000">
+                  <a:moveTo>
+                    <a:pt x="8761" y="0"/>
+                  </a:moveTo>
+                  <a:lnTo>
+                    <a:pt x="10000" y="0"/>
+                  </a:lnTo>
+                  <a:lnTo>
+                    <a:pt x="10000" y="10000"/>
+                  </a:lnTo>
+                  <a:lnTo>
+                    <a:pt x="0" y="10000"/>
+                  </a:lnTo>
+                  <a:lnTo>
+                    <a:pt x="0" y="9126"/>
+                  </a:lnTo>
+                  <a:lnTo>
+                    <a:pt x="8761" y="9127"/>
+                  </a:lnTo>
+                  <a:lnTo>
+                    <a:pt x="8761" y="0"/>
+                  </a:lnTo>
+                  <a:close/>
+                </a:path>
+              </a:pathLst>
+            </a:custGeom>
+            <a:solidFill>
+              <a:schemeClr val="tx2"/>
+            </a:solidFill>
+            <a:ln w="0">
+              <a:noFill/>
+              <a:prstDash val="solid"/>
+              <a:round/>
+              <a:headEnd/>
+              <a:tailEnd/>
+            </a:ln>
+          </p:spPr>
+          <p:txBody>
+            <a:bodyPr/>
+            <a:lstStyle/>
+            <a:p>
+              <a:endParaRPr lang="en-US"/>
+            </a:p>
+          </p:txBody>
+        </p:sp>
+        <p:sp>
+          <p:nvSpPr>
+            <p:cNvPr id="11" name="Freeform 6">
+              <a:extLst>
+                <a:ext uri="{FF2B5EF4-FFF2-40B4-BE49-F238E27FC236}">
+                  <a16:creationId xmlns:a16="http://schemas.microsoft.com/office/drawing/2014/main" id="{1DBD6488-9429-4FFA-8AE8-C4022C39B0F2}"/>
+                </a:ext>
+                <a:ext uri="{C183D7F6-B498-43B3-948B-1728B52AA6E4}">
+                  <adec:decorative xmlns:adec="http://schemas.microsoft.com/office/drawing/2017/decorative" val="1"/>
+                </a:ext>
+              </a:extLst>
+            </p:cNvPr>
+            <p:cNvSpPr/>
+            <p:nvPr>
+              <p:extLst>
+                <p:ext uri="{386F3935-93C4-4BCD-93E2-E3B085C9AB24}">
+                  <p16:designElem xmlns:p16="http://schemas.microsoft.com/office/powerpoint/2015/main" val="1"/>
+                </p:ext>
+              </p:extLst>
+            </p:nvPr>
+          </p:nvSpPr>
+          <p:spPr bwMode="auto">
+            <a:xfrm flipH="1" flipV="1">
+              <a:off x="752858" y="744469"/>
+              <a:ext cx="3275668" cy="4408488"/>
+            </a:xfrm>
+            <a:custGeom>
+              <a:avLst/>
+              <a:gdLst/>
+              <a:ahLst/>
+              <a:cxnLst/>
+              <a:rect l="l" t="t" r="r" b="b"/>
+              <a:pathLst>
+                <a:path w="10002" h="10000">
+                  <a:moveTo>
+                    <a:pt x="8763" y="0"/>
+                  </a:moveTo>
+                  <a:lnTo>
+                    <a:pt x="10002" y="0"/>
+                  </a:lnTo>
+                  <a:lnTo>
+                    <a:pt x="10002" y="10000"/>
+                  </a:lnTo>
+                  <a:lnTo>
+                    <a:pt x="2" y="10000"/>
+                  </a:lnTo>
+                  <a:cubicBezTo>
+                    <a:pt x="-2" y="9698"/>
+                    <a:pt x="4" y="9427"/>
+                    <a:pt x="0" y="9125"/>
+                  </a:cubicBezTo>
+                  <a:lnTo>
+                    <a:pt x="8763" y="9128"/>
+                  </a:lnTo>
+                  <a:lnTo>
+                    <a:pt x="8763" y="0"/>
+                  </a:lnTo>
+                  <a:close/>
+                </a:path>
+              </a:pathLst>
+            </a:custGeom>
+            <a:solidFill>
+              <a:schemeClr val="tx2"/>
+            </a:solidFill>
+            <a:ln w="0">
+              <a:noFill/>
+              <a:prstDash val="solid"/>
+              <a:round/>
+              <a:headEnd/>
+              <a:tailEnd/>
+            </a:ln>
+          </p:spPr>
+          <p:txBody>
+            <a:bodyPr/>
+            <a:lstStyle/>
+            <a:p>
+              <a:endParaRPr lang="en-US"/>
+            </a:p>
+          </p:txBody>
+        </p:sp>
+      </p:grpSp>
+      <p:pic>
+        <p:nvPicPr>
+          <p:cNvPr id="5" name="Picture 4" descr="Light bulb on yellow background with sketched light beams and cord">
+            <a:extLst>
+              <a:ext uri="{FF2B5EF4-FFF2-40B4-BE49-F238E27FC236}">
+                <a16:creationId xmlns:a16="http://schemas.microsoft.com/office/drawing/2014/main" id="{BAB1865C-95B6-9DDC-B2A0-3017317EF561}"/>
+              </a:ext>
+            </a:extLst>
+          </p:cNvPr>
+          <p:cNvPicPr>
+            <a:picLocks noChangeAspect="1"/>
+          </p:cNvPicPr>
+          <p:nvPr/>
+        </p:nvPicPr>
+        <p:blipFill rotWithShape="1">
+          <a:blip r:embed="rId2">
+            <a:grayscl/>
+          </a:blip>
+          <a:srcRect t="8519"/>
+          <a:stretch/>
+        </p:blipFill>
+        <p:spPr>
+          <a:xfrm>
+            <a:off x="-5746" y="0"/>
+            <a:ext cx="12191980" cy="6859300"/>
+          </a:xfrm>
+          <a:prstGeom prst="rect">
+            <a:avLst/>
+          </a:prstGeom>
+        </p:spPr>
+      </p:pic>
+      <p:sp>
+        <p:nvSpPr>
+          <p:cNvPr id="13" name="Rectangle 12">
+            <a:extLst>
+              <a:ext uri="{FF2B5EF4-FFF2-40B4-BE49-F238E27FC236}">
+                <a16:creationId xmlns:a16="http://schemas.microsoft.com/office/drawing/2014/main" id="{334BA972-C640-4E2E-B1AC-162A1ABA4CE1}"/>
+              </a:ext>
+              <a:ext uri="{C183D7F6-B498-43B3-948B-1728B52AA6E4}">
+                <adec:decorative xmlns:adec="http://schemas.microsoft.com/office/drawing/2017/decorative" val="1"/>
+              </a:ext>
+            </a:extLst>
+          </p:cNvPr>
+          <p:cNvSpPr>
+            <a:spLocks noGrp="1" noRot="1" noChangeAspect="1" noMove="1" noResize="1" noEditPoints="1" noAdjustHandles="1" noChangeArrowheads="1" noChangeShapeType="1" noTextEdit="1"/>
+          </p:cNvSpPr>
+          <p:nvPr>
+            <p:extLst>
+              <p:ext uri="{386F3935-93C4-4BCD-93E2-E3B085C9AB24}">
+                <p16:designElem xmlns:p16="http://schemas.microsoft.com/office/powerpoint/2015/main" val="1"/>
+              </p:ext>
+            </p:extLst>
+          </p:nvPr>
+        </p:nvSpPr>
+        <p:spPr>
+          <a:xfrm>
+            <a:off x="-258" y="0"/>
+            <a:ext cx="12192000" cy="6858000"/>
+          </a:xfrm>
+          <a:prstGeom prst="rect">
+            <a:avLst/>
+          </a:prstGeom>
+          <a:gradFill flip="none" rotWithShape="1">
+            <a:gsLst>
+              <a:gs pos="30000">
+                <a:schemeClr val="bg2">
+                  <a:alpha val="75000"/>
+                </a:schemeClr>
+              </a:gs>
+              <a:gs pos="100000">
+                <a:schemeClr val="bg2"/>
+              </a:gs>
+            </a:gsLst>
+            <a:path path="circle">
+              <a:fillToRect l="50000" t="50000" r="50000" b="50000"/>
+            </a:path>
+            <a:tileRect/>
+          </a:gradFill>
+          <a:ln>
+            <a:noFill/>
+          </a:ln>
+        </p:spPr>
+        <p:style>
+          <a:lnRef idx="2">
+            <a:schemeClr val="accent1">
+              <a:shade val="50000"/>
+            </a:schemeClr>
+          </a:lnRef>
+          <a:fillRef idx="1">
+            <a:schemeClr val="accent1"/>
+          </a:fillRef>
+          <a:effectRef idx="0">
+            <a:schemeClr val="accent1"/>
+          </a:effectRef>
+          <a:fontRef idx="minor">
+            <a:schemeClr val="lt1"/>
+          </a:fontRef>
+        </p:style>
+        <p:txBody>
+          <a:bodyPr rtlCol="0" anchor="ctr"/>
+          <a:lstStyle/>
+          <a:p>
+            <a:pPr algn="ctr"/>
+            <a:endParaRPr lang="en-US"/>
+          </a:p>
+        </p:txBody>
+      </p:sp>
+      <p:sp>
+        <p:nvSpPr>
+          <p:cNvPr id="15" name="Freeform 6">
+            <a:extLst>
+              <a:ext uri="{FF2B5EF4-FFF2-40B4-BE49-F238E27FC236}">
+                <a16:creationId xmlns:a16="http://schemas.microsoft.com/office/drawing/2014/main" id="{AB4EBAB6-4362-4DD4-B97E-6707AFA57012}"/>
+              </a:ext>
+              <a:ext uri="{C183D7F6-B498-43B3-948B-1728B52AA6E4}">
+                <adec:decorative xmlns:adec="http://schemas.microsoft.com/office/drawing/2017/decorative" val="1"/>
+              </a:ext>
+            </a:extLst>
+          </p:cNvPr>
+          <p:cNvSpPr>
+            <a:spLocks noGrp="1" noRot="1" noChangeAspect="1" noMove="1" noResize="1" noEditPoints="1" noAdjustHandles="1" noChangeArrowheads="1" noChangeShapeType="1" noTextEdit="1"/>
+          </p:cNvSpPr>
+          <p:nvPr>
+            <p:extLst>
+              <p:ext uri="{386F3935-93C4-4BCD-93E2-E3B085C9AB24}">
+                <p16:designElem xmlns:p16="http://schemas.microsoft.com/office/powerpoint/2015/main" val="1"/>
+              </p:ext>
+            </p:extLst>
+          </p:nvPr>
+        </p:nvSpPr>
+        <p:spPr bwMode="auto">
+          <a:xfrm flipH="1" flipV="1">
+            <a:off x="752858" y="744469"/>
+            <a:ext cx="3275668" cy="4408488"/>
+          </a:xfrm>
+          <a:custGeom>
+            <a:avLst/>
+            <a:gdLst/>
+            <a:ahLst/>
+            <a:cxnLst/>
+            <a:rect l="l" t="t" r="r" b="b"/>
+            <a:pathLst>
+              <a:path w="10002" h="10000">
+                <a:moveTo>
+                  <a:pt x="8763" y="0"/>
+                </a:moveTo>
+                <a:lnTo>
+                  <a:pt x="10002" y="0"/>
+                </a:lnTo>
+                <a:lnTo>
+                  <a:pt x="10002" y="10000"/>
+                </a:lnTo>
+                <a:lnTo>
+                  <a:pt x="2" y="10000"/>
+                </a:lnTo>
+                <a:cubicBezTo>
+                  <a:pt x="-2" y="9698"/>
+                  <a:pt x="4" y="9427"/>
+                  <a:pt x="0" y="9125"/>
+                </a:cubicBezTo>
+                <a:lnTo>
+                  <a:pt x="8763" y="9128"/>
+                </a:lnTo>
+                <a:lnTo>
+                  <a:pt x="8763" y="0"/>
+                </a:lnTo>
+                <a:close/>
+              </a:path>
+            </a:pathLst>
+          </a:custGeom>
+          <a:solidFill>
+            <a:schemeClr val="tx2"/>
+          </a:solidFill>
+          <a:ln w="0">
+            <a:noFill/>
+            <a:prstDash val="solid"/>
+            <a:round/>
+            <a:headEnd/>
+            <a:tailEnd/>
+          </a:ln>
+        </p:spPr>
+        <p:txBody>
+          <a:bodyPr/>
+          <a:lstStyle/>
+          <a:p>
+            <a:endParaRPr lang="en-US"/>
+          </a:p>
+        </p:txBody>
+      </p:sp>
+      <p:sp>
+        <p:nvSpPr>
+          <p:cNvPr id="17" name="Freeform 6">
+            <a:extLst>
+              <a:ext uri="{FF2B5EF4-FFF2-40B4-BE49-F238E27FC236}">
+                <a16:creationId xmlns:a16="http://schemas.microsoft.com/office/drawing/2014/main" id="{2FA5E0A6-4D2A-405F-AA56-A8E597834255}"/>
+              </a:ext>
+              <a:ext uri="{C183D7F6-B498-43B3-948B-1728B52AA6E4}">
+                <adec:decorative xmlns:adec="http://schemas.microsoft.com/office/drawing/2017/decorative" val="1"/>
+              </a:ext>
+            </a:extLst>
+          </p:cNvPr>
+          <p:cNvSpPr>
+            <a:spLocks noGrp="1" noRot="1" noChangeAspect="1" noMove="1" noResize="1" noEditPoints="1" noAdjustHandles="1" noChangeArrowheads="1" noChangeShapeType="1" noTextEdit="1"/>
+          </p:cNvSpPr>
+          <p:nvPr>
+            <p:extLst>
+              <p:ext uri="{386F3935-93C4-4BCD-93E2-E3B085C9AB24}">
+                <p16:designElem xmlns:p16="http://schemas.microsoft.com/office/powerpoint/2015/main" val="1"/>
+              </p:ext>
+            </p:extLst>
+          </p:nvPr>
+        </p:nvSpPr>
+        <p:spPr bwMode="auto">
+          <a:xfrm>
+            <a:off x="8151962" y="1685652"/>
+            <a:ext cx="3275013" cy="4408488"/>
+          </a:xfrm>
+          <a:custGeom>
+            <a:avLst/>
+            <a:gdLst/>
+            <a:ahLst/>
+            <a:cxnLst/>
+            <a:rect l="l" t="t" r="r" b="b"/>
+            <a:pathLst>
+              <a:path w="10000" h="10000">
+                <a:moveTo>
+                  <a:pt x="8761" y="0"/>
+                </a:moveTo>
+                <a:lnTo>
+                  <a:pt x="10000" y="0"/>
+                </a:lnTo>
+                <a:lnTo>
+                  <a:pt x="10000" y="10000"/>
+                </a:lnTo>
+                <a:lnTo>
+                  <a:pt x="0" y="10000"/>
+                </a:lnTo>
+                <a:lnTo>
+                  <a:pt x="0" y="9126"/>
+                </a:lnTo>
+                <a:lnTo>
+                  <a:pt x="8761" y="9127"/>
+                </a:lnTo>
+                <a:lnTo>
+                  <a:pt x="8761" y="0"/>
+                </a:lnTo>
+                <a:close/>
+              </a:path>
+            </a:pathLst>
+          </a:custGeom>
+          <a:solidFill>
+            <a:schemeClr val="tx2"/>
+          </a:solidFill>
+          <a:ln w="0">
+            <a:noFill/>
+            <a:prstDash val="solid"/>
+            <a:round/>
+            <a:headEnd/>
+            <a:tailEnd/>
+          </a:ln>
+        </p:spPr>
+        <p:txBody>
+          <a:bodyPr/>
+          <a:lstStyle/>
+          <a:p>
+            <a:endParaRPr lang="en-US"/>
+          </a:p>
+        </p:txBody>
+      </p:sp>
+      <p:sp>
+        <p:nvSpPr>
+          <p:cNvPr id="2" name="Title 1">
+            <a:extLst>
+              <a:ext uri="{FF2B5EF4-FFF2-40B4-BE49-F238E27FC236}">
+                <a16:creationId xmlns:a16="http://schemas.microsoft.com/office/drawing/2014/main" id="{A56A5A27-FA43-BA3F-B664-2DBB3405BAEE}"/>
+              </a:ext>
+            </a:extLst>
+          </p:cNvPr>
+          <p:cNvSpPr>
+            <a:spLocks noGrp="1"/>
+          </p:cNvSpPr>
+          <p:nvPr>
+            <p:ph type="title"/>
+          </p:nvPr>
+        </p:nvSpPr>
+        <p:spPr>
+          <a:xfrm>
+            <a:off x="1909630" y="2840783"/>
+            <a:ext cx="8361229" cy="2098226"/>
+          </a:xfrm>
+        </p:spPr>
+        <p:txBody>
+          <a:bodyPr vert="horz" lIns="91440" tIns="45720" rIns="91440" bIns="45720" rtlCol="0" anchor="b">
+            <a:normAutofit fontScale="90000"/>
+          </a:bodyPr>
+          <a:lstStyle/>
+          <a:p>
+            <a:r>
+              <a:rPr lang="en-US" sz="7200" cap="all" spc="300" dirty="0">
+                <a:latin typeface="Smiley Sans Oblique" pitchFamily="2" charset="-122"/>
+                <a:ea typeface="Smiley Sans Oblique" pitchFamily="2" charset="-122"/>
+              </a:rPr>
+              <a:t>Execute</a:t>
+            </a:r>
+            <a:r>
+              <a:rPr lang="en-US" altLang="zh-CN" sz="7200" cap="all" spc="300" dirty="0">
+                <a:latin typeface="Smiley Sans Oblique" pitchFamily="2" charset="-122"/>
+                <a:ea typeface="Smiley Sans Oblique" pitchFamily="2" charset="-122"/>
+              </a:rPr>
+              <a:t> Your Plan</a:t>
+            </a:r>
+            <a:br>
+              <a:rPr lang="en-US" altLang="zh-CN" sz="7200" cap="all" spc="300" dirty="0">
+                <a:latin typeface="Smiley Sans Oblique" pitchFamily="2" charset="-122"/>
+                <a:ea typeface="Smiley Sans Oblique" pitchFamily="2" charset="-122"/>
+              </a:rPr>
+            </a:br>
+            <a:br>
+              <a:rPr lang="en-US" altLang="zh-CN" sz="7200" cap="all" spc="300" dirty="0">
+                <a:latin typeface="Smiley Sans Oblique" pitchFamily="2" charset="-122"/>
+                <a:ea typeface="Smiley Sans Oblique" pitchFamily="2" charset="-122"/>
+              </a:rPr>
+            </a:br>
+            <a:r>
+              <a:rPr lang="zh-CN" altLang="en-US" sz="7200" cap="all" spc="300" dirty="0">
+                <a:latin typeface="Smiley Sans Oblique" pitchFamily="2" charset="-122"/>
+                <a:ea typeface="Smiley Sans Oblique" pitchFamily="2" charset="-122"/>
+              </a:rPr>
+              <a:t>执行</a:t>
+            </a:r>
+            <a:endParaRPr lang="en-US" sz="7200" cap="all" spc="300" dirty="0">
+              <a:latin typeface="Smiley Sans Oblique" pitchFamily="2" charset="-122"/>
+              <a:ea typeface="Smiley Sans Oblique" pitchFamily="2" charset="-122"/>
+            </a:endParaRPr>
+          </a:p>
+        </p:txBody>
+      </p:sp>
+      <p:sp>
+        <p:nvSpPr>
+          <p:cNvPr id="4" name="Footer Placeholder 3">
+            <a:extLst>
+              <a:ext uri="{FF2B5EF4-FFF2-40B4-BE49-F238E27FC236}">
+                <a16:creationId xmlns:a16="http://schemas.microsoft.com/office/drawing/2014/main" id="{7956022A-2209-B5A7-FCFD-775A6BEB3E98}"/>
+              </a:ext>
+            </a:extLst>
+          </p:cNvPr>
+          <p:cNvSpPr>
+            <a:spLocks noGrp="1"/>
+          </p:cNvSpPr>
+          <p:nvPr>
+            <p:ph type="ftr" sz="quarter" idx="11"/>
+          </p:nvPr>
+        </p:nvSpPr>
+        <p:spPr/>
+        <p:txBody>
+          <a:bodyPr/>
+          <a:lstStyle/>
+          <a:p>
+            <a:pPr algn="ctr"/>
+            <a:r>
+              <a:rPr lang="en-US" spc="300" dirty="0">
+                <a:latin typeface="Smiley Sans Oblique" pitchFamily="2" charset="-122"/>
+                <a:ea typeface="Smiley Sans Oblique" pitchFamily="2" charset="-122"/>
+              </a:rPr>
+              <a:t>©️Chartist RaphaelZ</a:t>
+            </a:r>
+          </a:p>
+        </p:txBody>
+      </p:sp>
+    </p:spTree>
+    <p:extLst>
+      <p:ext uri="{BB962C8B-B14F-4D97-AF65-F5344CB8AC3E}">
+        <p14:creationId xmlns:p14="http://schemas.microsoft.com/office/powerpoint/2010/main" val="3762800871"/>
       </p:ext>
     </p:extLst>
   </p:cSld>
@@ -3911,7 +6177,7 @@
                 <a:latin typeface="Smiley Sans Oblique" pitchFamily="2" charset="-122"/>
                 <a:ea typeface="Smiley Sans Oblique" pitchFamily="2" charset="-122"/>
               </a:rPr>
-              <a:t>Key Levels for Reference</a:t>
+              <a:t>KEY LEVELS FOR REFERENCE</a:t>
             </a:r>
           </a:p>
         </p:txBody>
@@ -3940,26 +6206,141 @@
           <a:lstStyle/>
           <a:p>
             <a:r>
-              <a:rPr lang="en-US" sz="2400" dirty="0">
-                <a:latin typeface="Helvetica" pitchFamily="2" charset="0"/>
+              <a:rPr lang="en-US" sz="2400" spc="300" dirty="0">
+                <a:latin typeface="Smiley Sans Oblique" pitchFamily="2" charset="-122"/>
+                <a:ea typeface="Smiley Sans Oblique" pitchFamily="2" charset="-122"/>
               </a:rPr>
-              <a:t>Demand and Supply Zone</a:t>
-            </a:r>
-          </a:p>
-          <a:p>
-            <a:r>
-              <a:rPr lang="en-US" sz="2400" dirty="0">
-                <a:latin typeface="Helvetica" pitchFamily="2" charset="0"/>
+              <a:t>Demand and Supply Zone </a:t>
+            </a:r>
+            <a:endParaRPr lang="en-US" sz="2400" spc="300" dirty="0">
+              <a:solidFill>
+                <a:srgbClr val="FF0000"/>
+              </a:solidFill>
+              <a:latin typeface="Smiley Sans Oblique" pitchFamily="2" charset="-122"/>
+              <a:ea typeface="Smiley Sans Oblique" pitchFamily="2" charset="-122"/>
+            </a:endParaRPr>
+          </a:p>
+          <a:p>
+            <a:r>
+              <a:rPr lang="en-US" sz="2400" spc="300" dirty="0">
+                <a:latin typeface="Smiley Sans Oblique" pitchFamily="2" charset="-122"/>
+                <a:ea typeface="Smiley Sans Oblique" pitchFamily="2" charset="-122"/>
               </a:rPr>
-              <a:t>Order Blocks</a:t>
-            </a:r>
-          </a:p>
-          <a:p>
-            <a:r>
-              <a:rPr lang="en-US" sz="2400" dirty="0">
-                <a:latin typeface="Helvetica" pitchFamily="2" charset="0"/>
+              <a:t>Order Blocks </a:t>
+            </a:r>
+            <a:endParaRPr lang="en-US" sz="2400" spc="300" dirty="0">
+              <a:solidFill>
+                <a:srgbClr val="FF0000"/>
+              </a:solidFill>
+              <a:latin typeface="Smiley Sans Oblique" pitchFamily="2" charset="-122"/>
+              <a:ea typeface="Smiley Sans Oblique" pitchFamily="2" charset="-122"/>
+            </a:endParaRPr>
+          </a:p>
+          <a:p>
+            <a:r>
+              <a:rPr lang="en-US" sz="2400" spc="300" dirty="0">
+                <a:latin typeface="Smiley Sans Oblique" pitchFamily="2" charset="-122"/>
+                <a:ea typeface="Smiley Sans Oblique" pitchFamily="2" charset="-122"/>
               </a:rPr>
-              <a:t>Bounds of the First Consolidation Zone at the End of an Impulse </a:t>
+              <a:t>Bounds of the First Consolidation Zone</a:t>
+            </a:r>
+          </a:p>
+          <a:p>
+            <a:endParaRPr lang="en-US" sz="2400" spc="300" dirty="0">
+              <a:solidFill>
+                <a:schemeClr val="tx1"/>
+              </a:solidFill>
+              <a:latin typeface="Smiley Sans Oblique" pitchFamily="2" charset="-122"/>
+              <a:ea typeface="Smiley Sans Oblique" pitchFamily="2" charset="-122"/>
+            </a:endParaRPr>
+          </a:p>
+          <a:p>
+            <a:r>
+              <a:rPr lang="en-US" sz="2400" spc="300" dirty="0" err="1">
+                <a:solidFill>
+                  <a:schemeClr val="tx1"/>
+                </a:solidFill>
+                <a:latin typeface="Smiley Sans Oblique" pitchFamily="2" charset="-122"/>
+                <a:ea typeface="Smiley Sans Oblique" pitchFamily="2" charset="-122"/>
+              </a:rPr>
+              <a:t>供给和需求区</a:t>
+            </a:r>
+            <a:endParaRPr lang="en-US" sz="2400" spc="300" dirty="0">
+              <a:solidFill>
+                <a:schemeClr val="tx1"/>
+              </a:solidFill>
+              <a:latin typeface="Smiley Sans Oblique" pitchFamily="2" charset="-122"/>
+              <a:ea typeface="Smiley Sans Oblique" pitchFamily="2" charset="-122"/>
+            </a:endParaRPr>
+          </a:p>
+          <a:p>
+            <a:r>
+              <a:rPr lang="en-US" sz="2400" spc="300" dirty="0" err="1">
+                <a:solidFill>
+                  <a:schemeClr val="tx1"/>
+                </a:solidFill>
+                <a:latin typeface="Smiley Sans Oblique" pitchFamily="2" charset="-122"/>
+                <a:ea typeface="Smiley Sans Oblique" pitchFamily="2" charset="-122"/>
+              </a:rPr>
+              <a:t>订单块</a:t>
+            </a:r>
+            <a:endParaRPr lang="en-US" sz="2400" spc="300" dirty="0">
+              <a:solidFill>
+                <a:schemeClr val="tx1"/>
+              </a:solidFill>
+              <a:latin typeface="Smiley Sans Oblique" pitchFamily="2" charset="-122"/>
+              <a:ea typeface="Smiley Sans Oblique" pitchFamily="2" charset="-122"/>
+            </a:endParaRPr>
+          </a:p>
+          <a:p>
+            <a:r>
+              <a:rPr lang="en-US" sz="2400" spc="300" dirty="0" err="1">
+                <a:solidFill>
+                  <a:schemeClr val="tx1"/>
+                </a:solidFill>
+                <a:latin typeface="Smiley Sans Oblique" pitchFamily="2" charset="-122"/>
+                <a:ea typeface="Smiley Sans Oblique" pitchFamily="2" charset="-122"/>
+              </a:rPr>
+              <a:t>第一盘整区边界</a:t>
+            </a:r>
+            <a:endParaRPr lang="en-US" sz="2400" spc="300" dirty="0">
+              <a:solidFill>
+                <a:schemeClr val="tx1"/>
+              </a:solidFill>
+              <a:latin typeface="Smiley Sans Oblique" pitchFamily="2" charset="-122"/>
+              <a:ea typeface="Smiley Sans Oblique" pitchFamily="2" charset="-122"/>
+            </a:endParaRPr>
+          </a:p>
+        </p:txBody>
+      </p:sp>
+      <p:sp>
+        <p:nvSpPr>
+          <p:cNvPr id="4" name="Footer Placeholder 3">
+            <a:extLst>
+              <a:ext uri="{FF2B5EF4-FFF2-40B4-BE49-F238E27FC236}">
+                <a16:creationId xmlns:a16="http://schemas.microsoft.com/office/drawing/2014/main" id="{2477E4F5-5283-12B7-AD1B-26B3EAD6BC4A}"/>
+              </a:ext>
+            </a:extLst>
+          </p:cNvPr>
+          <p:cNvSpPr>
+            <a:spLocks noGrp="1"/>
+          </p:cNvSpPr>
+          <p:nvPr>
+            <p:ph type="ftr" sz="quarter" idx="11"/>
+          </p:nvPr>
+        </p:nvSpPr>
+        <p:spPr/>
+        <p:txBody>
+          <a:bodyPr/>
+          <a:lstStyle/>
+          <a:p>
+            <a:pPr algn="ctr"/>
+            <a:r>
+              <a:rPr lang="en-US" spc="300" dirty="0">
+                <a:latin typeface="Smiley Sans Oblique" pitchFamily="2" charset="-122"/>
+                <a:ea typeface="Smiley Sans Oblique" pitchFamily="2" charset="-122"/>
+              </a:rPr>
+              <a:t>©️Chartist RaphaelZ</a:t>
             </a:r>
           </a:p>
         </p:txBody>
@@ -3999,7 +6380,7 @@
           <p:cNvPr id="2" name="Title 1">
             <a:extLst>
               <a:ext uri="{FF2B5EF4-FFF2-40B4-BE49-F238E27FC236}">
-                <a16:creationId xmlns:a16="http://schemas.microsoft.com/office/drawing/2014/main" id="{2A34D415-ED79-E1CE-FE66-92DB9020C529}"/>
+                <a16:creationId xmlns:a16="http://schemas.microsoft.com/office/drawing/2014/main" id="{EA7012AE-7270-077B-C67E-91C47DEA4664}"/>
               </a:ext>
             </a:extLst>
           </p:cNvPr>
@@ -4020,7 +6401,266 @@
                 <a:latin typeface="Smiley Sans Oblique" pitchFamily="2" charset="-122"/>
                 <a:ea typeface="Smiley Sans Oblique" pitchFamily="2" charset="-122"/>
               </a:rPr>
-              <a:t>Utilities and Tools</a:t>
+              <a:t>KEY LEVELS FOR REFERENCE</a:t>
+            </a:r>
+          </a:p>
+        </p:txBody>
+      </p:sp>
+      <p:sp>
+        <p:nvSpPr>
+          <p:cNvPr id="3" name="Content Placeholder 2">
+            <a:extLst>
+              <a:ext uri="{FF2B5EF4-FFF2-40B4-BE49-F238E27FC236}">
+                <a16:creationId xmlns:a16="http://schemas.microsoft.com/office/drawing/2014/main" id="{1B1947F4-9159-DFF9-BE91-B523481AE39B}"/>
+              </a:ext>
+            </a:extLst>
+          </p:cNvPr>
+          <p:cNvSpPr>
+            <a:spLocks noGrp="1"/>
+          </p:cNvSpPr>
+          <p:nvPr>
+            <p:ph idx="1"/>
+          </p:nvPr>
+        </p:nvSpPr>
+        <p:spPr/>
+        <p:txBody>
+          <a:bodyPr>
+            <a:normAutofit/>
+          </a:bodyPr>
+          <a:lstStyle/>
+          <a:p>
+            <a:r>
+              <a:rPr lang="en-US" sz="2400" spc="300" dirty="0">
+                <a:solidFill>
+                  <a:schemeClr val="tx1"/>
+                </a:solidFill>
+                <a:latin typeface="Smiley Sans Oblique" pitchFamily="2" charset="-122"/>
+                <a:ea typeface="Smiley Sans Oblique" pitchFamily="2" charset="-122"/>
+              </a:rPr>
+              <a:t>[</a:t>
+            </a:r>
+            <a:r>
+              <a:rPr lang="en-US" sz="2400" spc="300" dirty="0">
+                <a:solidFill>
+                  <a:srgbClr val="FF0000"/>
+                </a:solidFill>
+                <a:latin typeface="Smiley Sans Oblique" pitchFamily="2" charset="-122"/>
+                <a:ea typeface="Smiley Sans Oblique" pitchFamily="2" charset="-122"/>
+              </a:rPr>
+              <a:t>FRVP</a:t>
+            </a:r>
+            <a:r>
+              <a:rPr lang="en-US" sz="2400" spc="300" dirty="0">
+                <a:solidFill>
+                  <a:schemeClr val="tx1"/>
+                </a:solidFill>
+                <a:latin typeface="Smiley Sans Oblique" pitchFamily="2" charset="-122"/>
+                <a:ea typeface="Smiley Sans Oblique" pitchFamily="2" charset="-122"/>
+              </a:rPr>
+              <a:t>]</a:t>
+            </a:r>
+          </a:p>
+          <a:p>
+            <a:pPr lvl="1"/>
+            <a:r>
+              <a:rPr lang="en-US" sz="2400" i="0" spc="300" dirty="0">
+                <a:latin typeface="Smiley Sans Oblique" pitchFamily="2" charset="-122"/>
+                <a:ea typeface="Smiley Sans Oblique" pitchFamily="2" charset="-122"/>
+              </a:rPr>
+              <a:t>Demand and Supply Zone </a:t>
+            </a:r>
+            <a:r>
+              <a:rPr lang="en-US" sz="2400" spc="300" dirty="0">
+                <a:latin typeface="Smiley Sans Oblique" pitchFamily="2" charset="-122"/>
+                <a:ea typeface="Smiley Sans Oblique" pitchFamily="2" charset="-122"/>
+              </a:rPr>
+              <a:t>&lt;DSZ&gt;</a:t>
+            </a:r>
+            <a:endParaRPr lang="en-US" sz="2400" spc="300" dirty="0">
+              <a:solidFill>
+                <a:srgbClr val="FF0000"/>
+              </a:solidFill>
+              <a:latin typeface="Smiley Sans Oblique" pitchFamily="2" charset="-122"/>
+              <a:ea typeface="Smiley Sans Oblique" pitchFamily="2" charset="-122"/>
+            </a:endParaRPr>
+          </a:p>
+          <a:p>
+            <a:pPr lvl="1"/>
+            <a:r>
+              <a:rPr lang="en-US" sz="2400" i="0" spc="300" dirty="0">
+                <a:latin typeface="Smiley Sans Oblique" pitchFamily="2" charset="-122"/>
+                <a:ea typeface="Smiley Sans Oblique" pitchFamily="2" charset="-122"/>
+              </a:rPr>
+              <a:t>Order Blocks </a:t>
+            </a:r>
+            <a:r>
+              <a:rPr lang="en-US" sz="2400" spc="300" dirty="0">
+                <a:latin typeface="Smiley Sans Oblique" pitchFamily="2" charset="-122"/>
+                <a:ea typeface="Smiley Sans Oblique" pitchFamily="2" charset="-122"/>
+              </a:rPr>
+              <a:t>&lt;OB&gt;</a:t>
+            </a:r>
+            <a:endParaRPr lang="en-US" sz="2400" spc="300" dirty="0">
+              <a:solidFill>
+                <a:srgbClr val="FF0000"/>
+              </a:solidFill>
+              <a:latin typeface="Smiley Sans Oblique" pitchFamily="2" charset="-122"/>
+              <a:ea typeface="Smiley Sans Oblique" pitchFamily="2" charset="-122"/>
+            </a:endParaRPr>
+          </a:p>
+          <a:p>
+            <a:r>
+              <a:rPr lang="en-US" sz="2400" spc="300" dirty="0">
+                <a:solidFill>
+                  <a:schemeClr val="tx1"/>
+                </a:solidFill>
+                <a:latin typeface="Smiley Sans Oblique" pitchFamily="2" charset="-122"/>
+                <a:ea typeface="Smiley Sans Oblique" pitchFamily="2" charset="-122"/>
+              </a:rPr>
+              <a:t>[</a:t>
+            </a:r>
+            <a:r>
+              <a:rPr lang="en-US" sz="2400" spc="300" dirty="0">
+                <a:solidFill>
+                  <a:srgbClr val="FF0000"/>
+                </a:solidFill>
+                <a:latin typeface="Smiley Sans Oblique" pitchFamily="2" charset="-122"/>
+                <a:ea typeface="Smiley Sans Oblique" pitchFamily="2" charset="-122"/>
+              </a:rPr>
+              <a:t>TIP</a:t>
+            </a:r>
+            <a:r>
+              <a:rPr lang="en-US" sz="2400" spc="300" dirty="0">
+                <a:solidFill>
+                  <a:schemeClr val="tx1"/>
+                </a:solidFill>
+                <a:latin typeface="Smiley Sans Oblique" pitchFamily="2" charset="-122"/>
+                <a:ea typeface="Smiley Sans Oblique" pitchFamily="2" charset="-122"/>
+              </a:rPr>
+              <a:t>]</a:t>
+            </a:r>
+          </a:p>
+          <a:p>
+            <a:pPr lvl="1"/>
+            <a:r>
+              <a:rPr lang="en-US" sz="2400" i="0" spc="300" dirty="0">
+                <a:latin typeface="Smiley Sans Oblique" pitchFamily="2" charset="-122"/>
+                <a:ea typeface="Smiley Sans Oblique" pitchFamily="2" charset="-122"/>
+              </a:rPr>
+              <a:t>Bounds of the First Consolidation Zone </a:t>
+            </a:r>
+            <a:r>
+              <a:rPr lang="en-US" sz="2400" spc="300" dirty="0">
+                <a:latin typeface="Smiley Sans Oblique" pitchFamily="2" charset="-122"/>
+                <a:ea typeface="Smiley Sans Oblique" pitchFamily="2" charset="-122"/>
+              </a:rPr>
+              <a:t>&lt;FCZ&gt;</a:t>
+            </a:r>
+          </a:p>
+          <a:p>
+            <a:pPr lvl="1"/>
+            <a:endParaRPr lang="en-US" sz="2600" dirty="0">
+              <a:solidFill>
+                <a:srgbClr val="FF0000"/>
+              </a:solidFill>
+              <a:latin typeface="Helvetica" pitchFamily="2" charset="0"/>
+            </a:endParaRPr>
+          </a:p>
+        </p:txBody>
+      </p:sp>
+      <p:sp>
+        <p:nvSpPr>
+          <p:cNvPr id="4" name="Footer Placeholder 3">
+            <a:extLst>
+              <a:ext uri="{FF2B5EF4-FFF2-40B4-BE49-F238E27FC236}">
+                <a16:creationId xmlns:a16="http://schemas.microsoft.com/office/drawing/2014/main" id="{A27E998A-C460-220D-40E7-18C30A1545A3}"/>
+              </a:ext>
+            </a:extLst>
+          </p:cNvPr>
+          <p:cNvSpPr>
+            <a:spLocks noGrp="1"/>
+          </p:cNvSpPr>
+          <p:nvPr>
+            <p:ph type="ftr" sz="quarter" idx="11"/>
+          </p:nvPr>
+        </p:nvSpPr>
+        <p:spPr/>
+        <p:txBody>
+          <a:bodyPr/>
+          <a:lstStyle/>
+          <a:p>
+            <a:pPr algn="ctr"/>
+            <a:r>
+              <a:rPr lang="en-US" spc="300">
+                <a:latin typeface="Smiley Sans Oblique" pitchFamily="2" charset="-122"/>
+                <a:ea typeface="Smiley Sans Oblique" pitchFamily="2" charset="-122"/>
+              </a:rPr>
+              <a:t>©️Chartist RaphaelZ</a:t>
+            </a:r>
+            <a:endParaRPr lang="en-US" spc="300" dirty="0">
+              <a:latin typeface="Smiley Sans Oblique" pitchFamily="2" charset="-122"/>
+              <a:ea typeface="Smiley Sans Oblique" pitchFamily="2" charset="-122"/>
+            </a:endParaRPr>
+          </a:p>
+        </p:txBody>
+      </p:sp>
+    </p:spTree>
+    <p:extLst>
+      <p:ext uri="{BB962C8B-B14F-4D97-AF65-F5344CB8AC3E}">
+        <p14:creationId xmlns:p14="http://schemas.microsoft.com/office/powerpoint/2010/main" val="3487119980"/>
+      </p:ext>
+    </p:extLst>
+  </p:cSld>
+  <p:clrMapOvr>
+    <a:masterClrMapping/>
+  </p:clrMapOvr>
+</p:sld>
+</file>
+
+<file path=ppt/slides/slide4.xml><?xml version="1.0" encoding="utf-8"?>
+<p:sld xmlns:a="http://schemas.openxmlformats.org/drawingml/2006/main" xmlns:r="http://schemas.openxmlformats.org/officeDocument/2006/relationships" xmlns:p="http://schemas.openxmlformats.org/presentationml/2006/main">
+  <p:cSld>
+    <p:spTree>
+      <p:nvGrpSpPr>
+        <p:cNvPr id="1" name=""/>
+        <p:cNvGrpSpPr/>
+        <p:nvPr/>
+      </p:nvGrpSpPr>
+      <p:grpSpPr>
+        <a:xfrm>
+          <a:off x="0" y="0"/>
+          <a:ext cx="0" cy="0"/>
+          <a:chOff x="0" y="0"/>
+          <a:chExt cx="0" cy="0"/>
+        </a:xfrm>
+      </p:grpSpPr>
+      <p:sp>
+        <p:nvSpPr>
+          <p:cNvPr id="2" name="Title 1">
+            <a:extLst>
+              <a:ext uri="{FF2B5EF4-FFF2-40B4-BE49-F238E27FC236}">
+                <a16:creationId xmlns:a16="http://schemas.microsoft.com/office/drawing/2014/main" id="{2A34D415-ED79-E1CE-FE66-92DB9020C529}"/>
+              </a:ext>
+            </a:extLst>
+          </p:cNvPr>
+          <p:cNvSpPr>
+            <a:spLocks noGrp="1"/>
+          </p:cNvSpPr>
+          <p:nvPr>
+            <p:ph type="title"/>
+          </p:nvPr>
+        </p:nvSpPr>
+        <p:spPr/>
+        <p:txBody>
+          <a:bodyPr/>
+          <a:lstStyle/>
+          <a:p>
+            <a:r>
+              <a:rPr lang="en-US" spc="300" dirty="0">
+                <a:latin typeface="Smiley Sans Oblique" pitchFamily="2" charset="-122"/>
+                <a:ea typeface="Smiley Sans Oblique" pitchFamily="2" charset="-122"/>
+              </a:rPr>
+              <a:t>UTILITIES AND TOOLS</a:t>
             </a:r>
           </a:p>
         </p:txBody>
@@ -4049,27 +6689,148 @@
           <a:lstStyle/>
           <a:p>
             <a:r>
-              <a:rPr lang="en-US" sz="2400" dirty="0">
-                <a:latin typeface="Helvetica" pitchFamily="2" charset="0"/>
+              <a:rPr lang="en-US" sz="2400" spc="300" dirty="0">
+                <a:latin typeface="Smiley Sans Oblique" pitchFamily="2" charset="-122"/>
+                <a:ea typeface="Smiley Sans Oblique" pitchFamily="2" charset="-122"/>
               </a:rPr>
               <a:t>Fixed Range Volume Profile</a:t>
             </a:r>
-          </a:p>
-          <a:p>
-            <a:r>
-              <a:rPr lang="en-US" sz="2400" dirty="0">
-                <a:latin typeface="Helvetica" pitchFamily="2" charset="0"/>
+            <a:r>
+              <a:rPr lang="zh-CN" altLang="en-US" sz="2400" spc="300" dirty="0">
+                <a:latin typeface="Smiley Sans Oblique" pitchFamily="2" charset="-122"/>
+                <a:ea typeface="Smiley Sans Oblique" pitchFamily="2" charset="-122"/>
               </a:rPr>
-              <a:t>Price Range</a:t>
-            </a:r>
-          </a:p>
-          <a:p>
-            <a:r>
-              <a:rPr lang="en-US" sz="2400" dirty="0">
-                <a:latin typeface="Helvetica" pitchFamily="2" charset="0"/>
+              <a:t> </a:t>
+            </a:r>
+            <a:r>
+              <a:rPr lang="en-US" altLang="zh-CN" sz="2400" i="1" spc="300" dirty="0">
+                <a:latin typeface="Smiley Sans Oblique" pitchFamily="2" charset="-122"/>
+                <a:ea typeface="Smiley Sans Oblique" pitchFamily="2" charset="-122"/>
               </a:rPr>
-              <a:t>Fibonacci Retracement (optional)</a:t>
-            </a:r>
+              <a:t>&lt;FRVP&gt;</a:t>
+            </a:r>
+            <a:endParaRPr lang="en-US" sz="2400" i="1" spc="300" dirty="0">
+              <a:latin typeface="Smiley Sans Oblique" pitchFamily="2" charset="-122"/>
+              <a:ea typeface="Smiley Sans Oblique" pitchFamily="2" charset="-122"/>
+            </a:endParaRPr>
+          </a:p>
+          <a:p>
+            <a:r>
+              <a:rPr lang="en-US" sz="2400" spc="300" dirty="0">
+                <a:latin typeface="Smiley Sans Oblique" pitchFamily="2" charset="-122"/>
+                <a:ea typeface="Smiley Sans Oblique" pitchFamily="2" charset="-122"/>
+              </a:rPr>
+              <a:t>Price Range </a:t>
+            </a:r>
+            <a:r>
+              <a:rPr lang="en-US" sz="2400" i="1" spc="300" dirty="0">
+                <a:latin typeface="Smiley Sans Oblique" pitchFamily="2" charset="-122"/>
+                <a:ea typeface="Smiley Sans Oblique" pitchFamily="2" charset="-122"/>
+              </a:rPr>
+              <a:t>&lt;PR&gt;</a:t>
+            </a:r>
+          </a:p>
+          <a:p>
+            <a:r>
+              <a:rPr lang="en-US" sz="2400" spc="300" dirty="0">
+                <a:latin typeface="Smiley Sans Oblique" pitchFamily="2" charset="-122"/>
+                <a:ea typeface="Smiley Sans Oblique" pitchFamily="2" charset="-122"/>
+              </a:rPr>
+              <a:t>Fibonacci Retracement (optional) </a:t>
+            </a:r>
+            <a:r>
+              <a:rPr lang="en-US" sz="2400" i="1" spc="300" dirty="0">
+                <a:latin typeface="Smiley Sans Oblique" pitchFamily="2" charset="-122"/>
+                <a:ea typeface="Smiley Sans Oblique" pitchFamily="2" charset="-122"/>
+              </a:rPr>
+              <a:t>&lt;FIB&gt;</a:t>
+            </a:r>
+          </a:p>
+          <a:p>
+            <a:endParaRPr lang="en-US" sz="2400" i="1" spc="300" dirty="0">
+              <a:latin typeface="Smiley Sans Oblique" pitchFamily="2" charset="-122"/>
+              <a:ea typeface="Smiley Sans Oblique" pitchFamily="2" charset="-122"/>
+            </a:endParaRPr>
+          </a:p>
+          <a:p>
+            <a:r>
+              <a:rPr lang="en-US" sz="2400" spc="300" dirty="0" err="1">
+                <a:latin typeface="Smiley Sans Oblique" pitchFamily="2" charset="-122"/>
+                <a:ea typeface="Smiley Sans Oblique" pitchFamily="2" charset="-122"/>
+              </a:rPr>
+              <a:t>固定范围交易量统计</a:t>
+            </a:r>
+            <a:endParaRPr lang="en-US" sz="2400" spc="300" dirty="0">
+              <a:latin typeface="Smiley Sans Oblique" pitchFamily="2" charset="-122"/>
+              <a:ea typeface="Smiley Sans Oblique" pitchFamily="2" charset="-122"/>
+            </a:endParaRPr>
+          </a:p>
+          <a:p>
+            <a:r>
+              <a:rPr lang="en-US" sz="2400" spc="300" dirty="0" err="1">
+                <a:latin typeface="Smiley Sans Oblique" pitchFamily="2" charset="-122"/>
+                <a:ea typeface="Smiley Sans Oblique" pitchFamily="2" charset="-122"/>
+              </a:rPr>
+              <a:t>价格范围百分比</a:t>
+            </a:r>
+            <a:endParaRPr lang="en-US" sz="2400" spc="300" dirty="0">
+              <a:latin typeface="Smiley Sans Oblique" pitchFamily="2" charset="-122"/>
+              <a:ea typeface="Smiley Sans Oblique" pitchFamily="2" charset="-122"/>
+            </a:endParaRPr>
+          </a:p>
+          <a:p>
+            <a:r>
+              <a:rPr lang="en-US" sz="2400" spc="300" dirty="0" err="1">
+                <a:latin typeface="Smiley Sans Oblique" pitchFamily="2" charset="-122"/>
+                <a:ea typeface="Smiley Sans Oblique" pitchFamily="2" charset="-122"/>
+              </a:rPr>
+              <a:t>斐波那契回撤线</a:t>
+            </a:r>
+            <a:endParaRPr lang="en-US" sz="2400" spc="300" dirty="0">
+              <a:latin typeface="Smiley Sans Oblique" pitchFamily="2" charset="-122"/>
+              <a:ea typeface="Smiley Sans Oblique" pitchFamily="2" charset="-122"/>
+            </a:endParaRPr>
+          </a:p>
+          <a:p>
+            <a:endParaRPr lang="en-US" sz="2400" dirty="0">
+              <a:latin typeface="Helvetica" pitchFamily="2" charset="0"/>
+            </a:endParaRPr>
+          </a:p>
+        </p:txBody>
+      </p:sp>
+      <p:sp>
+        <p:nvSpPr>
+          <p:cNvPr id="4" name="Footer Placeholder 3">
+            <a:extLst>
+              <a:ext uri="{FF2B5EF4-FFF2-40B4-BE49-F238E27FC236}">
+                <a16:creationId xmlns:a16="http://schemas.microsoft.com/office/drawing/2014/main" id="{B1C3586E-A830-C279-F7CE-E14BD7D93B2F}"/>
+              </a:ext>
+            </a:extLst>
+          </p:cNvPr>
+          <p:cNvSpPr>
+            <a:spLocks noGrp="1"/>
+          </p:cNvSpPr>
+          <p:nvPr>
+            <p:ph type="ftr" sz="quarter" idx="11"/>
+          </p:nvPr>
+        </p:nvSpPr>
+        <p:spPr/>
+        <p:txBody>
+          <a:bodyPr/>
+          <a:lstStyle/>
+          <a:p>
+            <a:pPr algn="ctr"/>
+            <a:r>
+              <a:rPr lang="en-US" spc="300">
+                <a:latin typeface="Smiley Sans Oblique" pitchFamily="2" charset="-122"/>
+                <a:ea typeface="Smiley Sans Oblique" pitchFamily="2" charset="-122"/>
+              </a:rPr>
+              <a:t>©️Chartist RaphaelZ</a:t>
+            </a:r>
+            <a:endParaRPr lang="en-US" spc="300" dirty="0">
+              <a:latin typeface="Smiley Sans Oblique" pitchFamily="2" charset="-122"/>
+              <a:ea typeface="Smiley Sans Oblique" pitchFamily="2" charset="-122"/>
+            </a:endParaRPr>
           </a:p>
         </p:txBody>
       </p:sp>
@@ -4077,6 +6838,3021 @@
     <p:extLst>
       <p:ext uri="{BB962C8B-B14F-4D97-AF65-F5344CB8AC3E}">
         <p14:creationId xmlns:p14="http://schemas.microsoft.com/office/powerpoint/2010/main" val="3522058304"/>
+      </p:ext>
+    </p:extLst>
+  </p:cSld>
+  <p:clrMapOvr>
+    <a:masterClrMapping/>
+  </p:clrMapOvr>
+</p:sld>
+</file>
+
+<file path=ppt/slides/slide5.xml><?xml version="1.0" encoding="utf-8"?>
+<p:sld xmlns:a="http://schemas.openxmlformats.org/drawingml/2006/main" xmlns:r="http://schemas.openxmlformats.org/officeDocument/2006/relationships" xmlns:p="http://schemas.openxmlformats.org/presentationml/2006/main">
+  <p:cSld>
+    <p:bg>
+      <p:bgPr>
+        <a:solidFill>
+          <a:schemeClr val="bg2"/>
+        </a:solidFill>
+        <a:effectLst/>
+      </p:bgPr>
+    </p:bg>
+    <p:spTree>
+      <p:nvGrpSpPr>
+        <p:cNvPr id="1" name=""/>
+        <p:cNvGrpSpPr/>
+        <p:nvPr/>
+      </p:nvGrpSpPr>
+      <p:grpSpPr>
+        <a:xfrm>
+          <a:off x="0" y="0"/>
+          <a:ext cx="0" cy="0"/>
+          <a:chOff x="0" y="0"/>
+          <a:chExt cx="0" cy="0"/>
+        </a:xfrm>
+      </p:grpSpPr>
+      <p:grpSp>
+        <p:nvGrpSpPr>
+          <p:cNvPr id="10" name="Group 9">
+            <a:extLst>
+              <a:ext uri="{FF2B5EF4-FFF2-40B4-BE49-F238E27FC236}">
+                <a16:creationId xmlns:a16="http://schemas.microsoft.com/office/drawing/2014/main" id="{449BC34D-9C23-4D6D-8213-1F471AF85B3F}"/>
+              </a:ext>
+              <a:ext uri="{C183D7F6-B498-43B3-948B-1728B52AA6E4}">
+                <adec:decorative xmlns:adec="http://schemas.microsoft.com/office/drawing/2017/decorative" val="1"/>
+              </a:ext>
+            </a:extLst>
+          </p:cNvPr>
+          <p:cNvGrpSpPr>
+            <a:grpSpLocks noGrp="1" noUngrp="1" noRot="1" noChangeAspect="1" noMove="1" noResize="1"/>
+          </p:cNvGrpSpPr>
+          <p:nvPr>
+            <p:extLst>
+              <p:ext uri="{386F3935-93C4-4BCD-93E2-E3B085C9AB24}">
+                <p16:designElem xmlns:p16="http://schemas.microsoft.com/office/powerpoint/2015/main" val="1"/>
+              </p:ext>
+            </p:extLst>
+          </p:nvPr>
+        </p:nvGrpSpPr>
+        <p:grpSpPr>
+          <a:xfrm>
+            <a:off x="752858" y="744469"/>
+            <a:ext cx="10674117" cy="5349671"/>
+            <a:chOff x="752858" y="744469"/>
+            <a:chExt cx="10674117" cy="5349671"/>
+          </a:xfrm>
+        </p:grpSpPr>
+        <p:sp>
+          <p:nvSpPr>
+            <p:cNvPr id="11" name="Freeform 6">
+              <a:extLst>
+                <a:ext uri="{FF2B5EF4-FFF2-40B4-BE49-F238E27FC236}">
+                  <a16:creationId xmlns:a16="http://schemas.microsoft.com/office/drawing/2014/main" id="{FA0F5D6C-5025-4D7E-82DD-C2C6FDA1E759}"/>
+                </a:ext>
+                <a:ext uri="{C183D7F6-B498-43B3-948B-1728B52AA6E4}">
+                  <adec:decorative xmlns:adec="http://schemas.microsoft.com/office/drawing/2017/decorative" val="1"/>
+                </a:ext>
+              </a:extLst>
+            </p:cNvPr>
+            <p:cNvSpPr/>
+            <p:nvPr>
+              <p:extLst>
+                <p:ext uri="{386F3935-93C4-4BCD-93E2-E3B085C9AB24}">
+                  <p16:designElem xmlns:p16="http://schemas.microsoft.com/office/powerpoint/2015/main" val="1"/>
+                </p:ext>
+              </p:extLst>
+            </p:nvPr>
+          </p:nvSpPr>
+          <p:spPr bwMode="auto">
+            <a:xfrm>
+              <a:off x="8151962" y="1685652"/>
+              <a:ext cx="3275013" cy="4408488"/>
+            </a:xfrm>
+            <a:custGeom>
+              <a:avLst/>
+              <a:gdLst/>
+              <a:ahLst/>
+              <a:cxnLst/>
+              <a:rect l="l" t="t" r="r" b="b"/>
+              <a:pathLst>
+                <a:path w="10000" h="10000">
+                  <a:moveTo>
+                    <a:pt x="8761" y="0"/>
+                  </a:moveTo>
+                  <a:lnTo>
+                    <a:pt x="10000" y="0"/>
+                  </a:lnTo>
+                  <a:lnTo>
+                    <a:pt x="10000" y="10000"/>
+                  </a:lnTo>
+                  <a:lnTo>
+                    <a:pt x="0" y="10000"/>
+                  </a:lnTo>
+                  <a:lnTo>
+                    <a:pt x="0" y="9126"/>
+                  </a:lnTo>
+                  <a:lnTo>
+                    <a:pt x="8761" y="9127"/>
+                  </a:lnTo>
+                  <a:lnTo>
+                    <a:pt x="8761" y="0"/>
+                  </a:lnTo>
+                  <a:close/>
+                </a:path>
+              </a:pathLst>
+            </a:custGeom>
+            <a:solidFill>
+              <a:schemeClr val="tx2"/>
+            </a:solidFill>
+            <a:ln w="0">
+              <a:noFill/>
+              <a:prstDash val="solid"/>
+              <a:round/>
+              <a:headEnd/>
+              <a:tailEnd/>
+            </a:ln>
+          </p:spPr>
+          <p:txBody>
+            <a:bodyPr/>
+            <a:lstStyle/>
+            <a:p>
+              <a:endParaRPr lang="en-US"/>
+            </a:p>
+          </p:txBody>
+        </p:sp>
+        <p:sp>
+          <p:nvSpPr>
+            <p:cNvPr id="12" name="Freeform 6">
+              <a:extLst>
+                <a:ext uri="{FF2B5EF4-FFF2-40B4-BE49-F238E27FC236}">
+                  <a16:creationId xmlns:a16="http://schemas.microsoft.com/office/drawing/2014/main" id="{E2AF2C17-4AB4-4402-B84B-129EF95D161C}"/>
+                </a:ext>
+                <a:ext uri="{C183D7F6-B498-43B3-948B-1728B52AA6E4}">
+                  <adec:decorative xmlns:adec="http://schemas.microsoft.com/office/drawing/2017/decorative" val="1"/>
+                </a:ext>
+              </a:extLst>
+            </p:cNvPr>
+            <p:cNvSpPr/>
+            <p:nvPr>
+              <p:extLst>
+                <p:ext uri="{386F3935-93C4-4BCD-93E2-E3B085C9AB24}">
+                  <p16:designElem xmlns:p16="http://schemas.microsoft.com/office/powerpoint/2015/main" val="1"/>
+                </p:ext>
+              </p:extLst>
+            </p:nvPr>
+          </p:nvSpPr>
+          <p:spPr bwMode="auto">
+            <a:xfrm flipH="1" flipV="1">
+              <a:off x="752858" y="744469"/>
+              <a:ext cx="3275668" cy="4408488"/>
+            </a:xfrm>
+            <a:custGeom>
+              <a:avLst/>
+              <a:gdLst/>
+              <a:ahLst/>
+              <a:cxnLst/>
+              <a:rect l="l" t="t" r="r" b="b"/>
+              <a:pathLst>
+                <a:path w="10002" h="10000">
+                  <a:moveTo>
+                    <a:pt x="8763" y="0"/>
+                  </a:moveTo>
+                  <a:lnTo>
+                    <a:pt x="10002" y="0"/>
+                  </a:lnTo>
+                  <a:lnTo>
+                    <a:pt x="10002" y="10000"/>
+                  </a:lnTo>
+                  <a:lnTo>
+                    <a:pt x="2" y="10000"/>
+                  </a:lnTo>
+                  <a:cubicBezTo>
+                    <a:pt x="-2" y="9698"/>
+                    <a:pt x="4" y="9427"/>
+                    <a:pt x="0" y="9125"/>
+                  </a:cubicBezTo>
+                  <a:lnTo>
+                    <a:pt x="8763" y="9128"/>
+                  </a:lnTo>
+                  <a:lnTo>
+                    <a:pt x="8763" y="0"/>
+                  </a:lnTo>
+                  <a:close/>
+                </a:path>
+              </a:pathLst>
+            </a:custGeom>
+            <a:solidFill>
+              <a:schemeClr val="tx2"/>
+            </a:solidFill>
+            <a:ln w="0">
+              <a:noFill/>
+              <a:prstDash val="solid"/>
+              <a:round/>
+              <a:headEnd/>
+              <a:tailEnd/>
+            </a:ln>
+          </p:spPr>
+          <p:txBody>
+            <a:bodyPr/>
+            <a:lstStyle/>
+            <a:p>
+              <a:endParaRPr lang="en-US"/>
+            </a:p>
+          </p:txBody>
+        </p:sp>
+      </p:grpSp>
+      <p:sp useBgFill="1">
+        <p:nvSpPr>
+          <p:cNvPr id="14" name="Rectangle 13">
+            <a:extLst>
+              <a:ext uri="{FF2B5EF4-FFF2-40B4-BE49-F238E27FC236}">
+                <a16:creationId xmlns:a16="http://schemas.microsoft.com/office/drawing/2014/main" id="{46433AC8-8A78-46AB-B013-07DC9D75258C}"/>
+              </a:ext>
+              <a:ext uri="{C183D7F6-B498-43B3-948B-1728B52AA6E4}">
+                <adec:decorative xmlns:adec="http://schemas.microsoft.com/office/drawing/2017/decorative" val="1"/>
+              </a:ext>
+            </a:extLst>
+          </p:cNvPr>
+          <p:cNvSpPr>
+            <a:spLocks noGrp="1" noRot="1" noChangeAspect="1" noMove="1" noResize="1" noEditPoints="1" noAdjustHandles="1" noChangeArrowheads="1" noChangeShapeType="1" noTextEdit="1"/>
+          </p:cNvSpPr>
+          <p:nvPr>
+            <p:extLst>
+              <p:ext uri="{386F3935-93C4-4BCD-93E2-E3B085C9AB24}">
+                <p16:designElem xmlns:p16="http://schemas.microsoft.com/office/powerpoint/2015/main" val="1"/>
+              </p:ext>
+            </p:extLst>
+          </p:nvPr>
+        </p:nvSpPr>
+        <p:spPr>
+          <a:xfrm>
+            <a:off x="0" y="0"/>
+            <a:ext cx="12192000" cy="6858000"/>
+          </a:xfrm>
+          <a:prstGeom prst="rect">
+            <a:avLst/>
+          </a:prstGeom>
+          <a:ln>
+            <a:noFill/>
+          </a:ln>
+        </p:spPr>
+        <p:style>
+          <a:lnRef idx="2">
+            <a:schemeClr val="accent1">
+              <a:shade val="50000"/>
+            </a:schemeClr>
+          </a:lnRef>
+          <a:fillRef idx="1001">
+            <a:schemeClr val="lt2"/>
+          </a:fillRef>
+          <a:effectRef idx="0">
+            <a:schemeClr val="accent1"/>
+          </a:effectRef>
+          <a:fontRef idx="minor">
+            <a:schemeClr val="lt1"/>
+          </a:fontRef>
+        </p:style>
+        <p:txBody>
+          <a:bodyPr rtlCol="0" anchor="ctr"/>
+          <a:lstStyle/>
+          <a:p>
+            <a:pPr algn="ctr"/>
+            <a:endParaRPr lang="en-US"/>
+          </a:p>
+        </p:txBody>
+      </p:sp>
+      <p:sp>
+        <p:nvSpPr>
+          <p:cNvPr id="2" name="Title 1">
+            <a:extLst>
+              <a:ext uri="{FF2B5EF4-FFF2-40B4-BE49-F238E27FC236}">
+                <a16:creationId xmlns:a16="http://schemas.microsoft.com/office/drawing/2014/main" id="{617EF347-8D57-27D4-2995-4E39B5224169}"/>
+              </a:ext>
+            </a:extLst>
+          </p:cNvPr>
+          <p:cNvSpPr>
+            <a:spLocks noGrp="1"/>
+          </p:cNvSpPr>
+          <p:nvPr>
+            <p:ph type="title"/>
+          </p:nvPr>
+        </p:nvSpPr>
+        <p:spPr>
+          <a:xfrm>
+            <a:off x="5307291" y="634028"/>
+            <a:ext cx="6221689" cy="3732835"/>
+          </a:xfrm>
+        </p:spPr>
+        <p:txBody>
+          <a:bodyPr vert="horz" lIns="91440" tIns="45720" rIns="91440" bIns="45720" rtlCol="0" anchor="b">
+            <a:normAutofit fontScale="90000"/>
+          </a:bodyPr>
+          <a:lstStyle/>
+          <a:p>
+            <a:pPr algn="r"/>
+            <a:r>
+              <a:rPr lang="en-US" sz="7200" cap="all" spc="300" dirty="0">
+                <a:latin typeface="Smiley Sans Oblique" pitchFamily="2" charset="-122"/>
+                <a:ea typeface="Smiley Sans Oblique" pitchFamily="2" charset="-122"/>
+              </a:rPr>
+              <a:t>Recognize </a:t>
+            </a:r>
+            <a:br>
+              <a:rPr lang="en-US" sz="7200" cap="all" spc="300" dirty="0">
+                <a:latin typeface="Smiley Sans Oblique" pitchFamily="2" charset="-122"/>
+                <a:ea typeface="Smiley Sans Oblique" pitchFamily="2" charset="-122"/>
+              </a:rPr>
+            </a:br>
+            <a:r>
+              <a:rPr lang="en-US" sz="7200" cap="all" spc="300" dirty="0">
+                <a:latin typeface="Smiley Sans Oblique" pitchFamily="2" charset="-122"/>
+                <a:ea typeface="Smiley Sans Oblique" pitchFamily="2" charset="-122"/>
+              </a:rPr>
+              <a:t>Key Levels</a:t>
+            </a:r>
+            <a:br>
+              <a:rPr lang="en-US" sz="7200" cap="all" spc="300" dirty="0">
+                <a:latin typeface="Smiley Sans Oblique" pitchFamily="2" charset="-122"/>
+                <a:ea typeface="Smiley Sans Oblique" pitchFamily="2" charset="-122"/>
+              </a:rPr>
+            </a:br>
+            <a:br>
+              <a:rPr lang="en-US" sz="7200" cap="all" spc="300" dirty="0">
+                <a:latin typeface="Smiley Sans Oblique" pitchFamily="2" charset="-122"/>
+                <a:ea typeface="Smiley Sans Oblique" pitchFamily="2" charset="-122"/>
+              </a:rPr>
+            </a:br>
+            <a:r>
+              <a:rPr lang="en-US" sz="7200" cap="all" spc="300" dirty="0" err="1">
+                <a:latin typeface="Smiley Sans Oblique" pitchFamily="2" charset="-122"/>
+                <a:ea typeface="Smiley Sans Oblique" pitchFamily="2" charset="-122"/>
+              </a:rPr>
+              <a:t>识别</a:t>
+            </a:r>
+            <a:endParaRPr lang="en-US" sz="7200" cap="all" spc="300" dirty="0">
+              <a:latin typeface="Smiley Sans Oblique" pitchFamily="2" charset="-122"/>
+              <a:ea typeface="Smiley Sans Oblique" pitchFamily="2" charset="-122"/>
+            </a:endParaRPr>
+          </a:p>
+        </p:txBody>
+      </p:sp>
+      <p:sp>
+        <p:nvSpPr>
+          <p:cNvPr id="16" name="Freeform 6">
+            <a:extLst>
+              <a:ext uri="{FF2B5EF4-FFF2-40B4-BE49-F238E27FC236}">
+                <a16:creationId xmlns:a16="http://schemas.microsoft.com/office/drawing/2014/main" id="{37E10E69-B2A5-4F8D-A7C0-F958BB7B47C1}"/>
+              </a:ext>
+              <a:ext uri="{C183D7F6-B498-43B3-948B-1728B52AA6E4}">
+                <adec:decorative xmlns:adec="http://schemas.microsoft.com/office/drawing/2017/decorative" val="1"/>
+              </a:ext>
+            </a:extLst>
+          </p:cNvPr>
+          <p:cNvSpPr>
+            <a:spLocks noGrp="1" noRot="1" noChangeAspect="1" noMove="1" noResize="1" noEditPoints="1" noAdjustHandles="1" noChangeArrowheads="1" noChangeShapeType="1" noTextEdit="1"/>
+          </p:cNvSpPr>
+          <p:nvPr>
+            <p:extLst>
+              <p:ext uri="{386F3935-93C4-4BCD-93E2-E3B085C9AB24}">
+                <p16:designElem xmlns:p16="http://schemas.microsoft.com/office/powerpoint/2015/main" val="1"/>
+              </p:ext>
+            </p:extLst>
+          </p:nvPr>
+        </p:nvSpPr>
+        <p:spPr bwMode="auto">
+          <a:xfrm>
+            <a:off x="1542142" y="2016617"/>
+            <a:ext cx="3275013" cy="4408488"/>
+          </a:xfrm>
+          <a:custGeom>
+            <a:avLst/>
+            <a:gdLst/>
+            <a:ahLst/>
+            <a:cxnLst/>
+            <a:rect l="l" t="t" r="r" b="b"/>
+            <a:pathLst>
+              <a:path w="10000" h="10000">
+                <a:moveTo>
+                  <a:pt x="8761" y="0"/>
+                </a:moveTo>
+                <a:lnTo>
+                  <a:pt x="10000" y="0"/>
+                </a:lnTo>
+                <a:lnTo>
+                  <a:pt x="10000" y="10000"/>
+                </a:lnTo>
+                <a:lnTo>
+                  <a:pt x="0" y="10000"/>
+                </a:lnTo>
+                <a:lnTo>
+                  <a:pt x="0" y="9126"/>
+                </a:lnTo>
+                <a:lnTo>
+                  <a:pt x="8761" y="9127"/>
+                </a:lnTo>
+                <a:lnTo>
+                  <a:pt x="8761" y="0"/>
+                </a:lnTo>
+                <a:close/>
+              </a:path>
+            </a:pathLst>
+          </a:custGeom>
+          <a:solidFill>
+            <a:schemeClr val="tx2"/>
+          </a:solidFill>
+          <a:ln w="0">
+            <a:noFill/>
+            <a:prstDash val="solid"/>
+            <a:round/>
+            <a:headEnd/>
+            <a:tailEnd/>
+          </a:ln>
+        </p:spPr>
+        <p:txBody>
+          <a:bodyPr/>
+          <a:lstStyle/>
+          <a:p>
+            <a:endParaRPr lang="en-US"/>
+          </a:p>
+        </p:txBody>
+      </p:sp>
+      <p:sp>
+        <p:nvSpPr>
+          <p:cNvPr id="18" name="Freeform 6">
+            <a:extLst>
+              <a:ext uri="{FF2B5EF4-FFF2-40B4-BE49-F238E27FC236}">
+                <a16:creationId xmlns:a16="http://schemas.microsoft.com/office/drawing/2014/main" id="{2E4B17F2-7877-4CC5-B6F6-F4147FE7B290}"/>
+              </a:ext>
+              <a:ext uri="{C183D7F6-B498-43B3-948B-1728B52AA6E4}">
+                <adec:decorative xmlns:adec="http://schemas.microsoft.com/office/drawing/2017/decorative" val="1"/>
+              </a:ext>
+            </a:extLst>
+          </p:cNvPr>
+          <p:cNvSpPr>
+            <a:spLocks noGrp="1" noRot="1" noChangeAspect="1" noMove="1" noResize="1" noEditPoints="1" noAdjustHandles="1" noChangeArrowheads="1" noChangeShapeType="1" noTextEdit="1"/>
+          </p:cNvSpPr>
+          <p:nvPr>
+            <p:extLst>
+              <p:ext uri="{386F3935-93C4-4BCD-93E2-E3B085C9AB24}">
+                <p16:designElem xmlns:p16="http://schemas.microsoft.com/office/powerpoint/2015/main" val="1"/>
+              </p:ext>
+            </p:extLst>
+          </p:nvPr>
+        </p:nvSpPr>
+        <p:spPr bwMode="auto">
+          <a:xfrm flipH="1" flipV="1">
+            <a:off x="649163" y="634028"/>
+            <a:ext cx="3275668" cy="4408488"/>
+          </a:xfrm>
+          <a:custGeom>
+            <a:avLst/>
+            <a:gdLst/>
+            <a:ahLst/>
+            <a:cxnLst/>
+            <a:rect l="l" t="t" r="r" b="b"/>
+            <a:pathLst>
+              <a:path w="10002" h="10000">
+                <a:moveTo>
+                  <a:pt x="8763" y="0"/>
+                </a:moveTo>
+                <a:lnTo>
+                  <a:pt x="10002" y="0"/>
+                </a:lnTo>
+                <a:lnTo>
+                  <a:pt x="10002" y="10000"/>
+                </a:lnTo>
+                <a:lnTo>
+                  <a:pt x="2" y="10000"/>
+                </a:lnTo>
+                <a:cubicBezTo>
+                  <a:pt x="-2" y="9698"/>
+                  <a:pt x="4" y="9427"/>
+                  <a:pt x="0" y="9125"/>
+                </a:cubicBezTo>
+                <a:lnTo>
+                  <a:pt x="8763" y="9128"/>
+                </a:lnTo>
+                <a:lnTo>
+                  <a:pt x="8763" y="0"/>
+                </a:lnTo>
+                <a:close/>
+              </a:path>
+            </a:pathLst>
+          </a:custGeom>
+          <a:solidFill>
+            <a:schemeClr val="tx2"/>
+          </a:solidFill>
+          <a:ln w="0">
+            <a:noFill/>
+            <a:prstDash val="solid"/>
+            <a:round/>
+            <a:headEnd/>
+            <a:tailEnd/>
+          </a:ln>
+        </p:spPr>
+        <p:txBody>
+          <a:bodyPr/>
+          <a:lstStyle/>
+          <a:p>
+            <a:endParaRPr lang="en-US"/>
+          </a:p>
+        </p:txBody>
+      </p:sp>
+      <p:pic>
+        <p:nvPicPr>
+          <p:cNvPr id="7" name="Graphic 6" descr="Key">
+            <a:extLst>
+              <a:ext uri="{FF2B5EF4-FFF2-40B4-BE49-F238E27FC236}">
+                <a16:creationId xmlns:a16="http://schemas.microsoft.com/office/drawing/2014/main" id="{40F3EFFF-DA45-3DA0-96F5-1A44054B0AB3}"/>
+              </a:ext>
+            </a:extLst>
+          </p:cNvPr>
+          <p:cNvPicPr>
+            <a:picLocks noChangeAspect="1"/>
+          </p:cNvPicPr>
+          <p:nvPr/>
+        </p:nvPicPr>
+        <p:blipFill>
+          <a:blip r:embed="rId2">
+            <a:extLst>
+              <a:ext uri="{28A0092B-C50C-407E-A947-70E740481C1C}">
+                <a14:useLocalDpi xmlns:a14="http://schemas.microsoft.com/office/drawing/2010/main" val="0"/>
+              </a:ext>
+              <a:ext uri="{96DAC541-7B7A-43D3-8B79-37D633B846F1}">
+                <asvg:svgBlip xmlns:asvg="http://schemas.microsoft.com/office/drawing/2016/SVG/main" r:embed="rId3"/>
+              </a:ext>
+            </a:extLst>
+          </a:blip>
+          <a:stretch>
+            <a:fillRect/>
+          </a:stretch>
+        </p:blipFill>
+        <p:spPr>
+          <a:xfrm>
+            <a:off x="1371403" y="2169078"/>
+            <a:ext cx="2719859" cy="2719859"/>
+          </a:xfrm>
+          <a:prstGeom prst="rect">
+            <a:avLst/>
+          </a:prstGeom>
+        </p:spPr>
+      </p:pic>
+      <p:sp>
+        <p:nvSpPr>
+          <p:cNvPr id="3" name="Footer Placeholder 2">
+            <a:extLst>
+              <a:ext uri="{FF2B5EF4-FFF2-40B4-BE49-F238E27FC236}">
+                <a16:creationId xmlns:a16="http://schemas.microsoft.com/office/drawing/2014/main" id="{414235C6-0EC2-09C3-1CD7-A26A009822A5}"/>
+              </a:ext>
+            </a:extLst>
+          </p:cNvPr>
+          <p:cNvSpPr>
+            <a:spLocks noGrp="1"/>
+          </p:cNvSpPr>
+          <p:nvPr>
+            <p:ph type="ftr" sz="quarter" idx="11"/>
+          </p:nvPr>
+        </p:nvSpPr>
+        <p:spPr/>
+        <p:txBody>
+          <a:bodyPr/>
+          <a:lstStyle/>
+          <a:p>
+            <a:pPr algn="ctr"/>
+            <a:r>
+              <a:rPr lang="en-US" spc="300">
+                <a:latin typeface="Smiley Sans Oblique" pitchFamily="2" charset="-122"/>
+                <a:ea typeface="Smiley Sans Oblique" pitchFamily="2" charset="-122"/>
+              </a:rPr>
+              <a:t>©️Chartist RaphaelZ</a:t>
+            </a:r>
+            <a:endParaRPr lang="en-US" spc="300" dirty="0">
+              <a:latin typeface="Smiley Sans Oblique" pitchFamily="2" charset="-122"/>
+              <a:ea typeface="Smiley Sans Oblique" pitchFamily="2" charset="-122"/>
+            </a:endParaRPr>
+          </a:p>
+        </p:txBody>
+      </p:sp>
+    </p:spTree>
+    <p:extLst>
+      <p:ext uri="{BB962C8B-B14F-4D97-AF65-F5344CB8AC3E}">
+        <p14:creationId xmlns:p14="http://schemas.microsoft.com/office/powerpoint/2010/main" val="2989223583"/>
+      </p:ext>
+    </p:extLst>
+  </p:cSld>
+  <p:clrMapOvr>
+    <a:masterClrMapping/>
+  </p:clrMapOvr>
+</p:sld>
+</file>
+
+<file path=ppt/slides/slide6.xml><?xml version="1.0" encoding="utf-8"?>
+<p:sld xmlns:a="http://schemas.openxmlformats.org/drawingml/2006/main" xmlns:r="http://schemas.openxmlformats.org/officeDocument/2006/relationships" xmlns:p="http://schemas.openxmlformats.org/presentationml/2006/main">
+  <p:cSld>
+    <p:bg>
+      <p:bgPr>
+        <a:solidFill>
+          <a:schemeClr val="bg2"/>
+        </a:solidFill>
+        <a:effectLst/>
+      </p:bgPr>
+    </p:bg>
+    <p:spTree>
+      <p:nvGrpSpPr>
+        <p:cNvPr id="1" name=""/>
+        <p:cNvGrpSpPr/>
+        <p:nvPr/>
+      </p:nvGrpSpPr>
+      <p:grpSpPr>
+        <a:xfrm>
+          <a:off x="0" y="0"/>
+          <a:ext cx="0" cy="0"/>
+          <a:chOff x="0" y="0"/>
+          <a:chExt cx="0" cy="0"/>
+        </a:xfrm>
+      </p:grpSpPr>
+      <p:grpSp>
+        <p:nvGrpSpPr>
+          <p:cNvPr id="10" name="Group 9">
+            <a:extLst>
+              <a:ext uri="{FF2B5EF4-FFF2-40B4-BE49-F238E27FC236}">
+                <a16:creationId xmlns:a16="http://schemas.microsoft.com/office/drawing/2014/main" id="{449BC34D-9C23-4D6D-8213-1F471AF85B3F}"/>
+              </a:ext>
+              <a:ext uri="{C183D7F6-B498-43B3-948B-1728B52AA6E4}">
+                <adec:decorative xmlns:adec="http://schemas.microsoft.com/office/drawing/2017/decorative" val="1"/>
+              </a:ext>
+            </a:extLst>
+          </p:cNvPr>
+          <p:cNvGrpSpPr>
+            <a:grpSpLocks noGrp="1" noUngrp="1" noRot="1" noChangeAspect="1" noMove="1" noResize="1"/>
+          </p:cNvGrpSpPr>
+          <p:nvPr>
+            <p:extLst>
+              <p:ext uri="{386F3935-93C4-4BCD-93E2-E3B085C9AB24}">
+                <p16:designElem xmlns:p16="http://schemas.microsoft.com/office/powerpoint/2015/main" val="1"/>
+              </p:ext>
+            </p:extLst>
+          </p:nvPr>
+        </p:nvGrpSpPr>
+        <p:grpSpPr>
+          <a:xfrm>
+            <a:off x="752858" y="744469"/>
+            <a:ext cx="10674117" cy="5349671"/>
+            <a:chOff x="752858" y="744469"/>
+            <a:chExt cx="10674117" cy="5349671"/>
+          </a:xfrm>
+        </p:grpSpPr>
+        <p:sp>
+          <p:nvSpPr>
+            <p:cNvPr id="11" name="Freeform 6">
+              <a:extLst>
+                <a:ext uri="{FF2B5EF4-FFF2-40B4-BE49-F238E27FC236}">
+                  <a16:creationId xmlns:a16="http://schemas.microsoft.com/office/drawing/2014/main" id="{FA0F5D6C-5025-4D7E-82DD-C2C6FDA1E759}"/>
+                </a:ext>
+                <a:ext uri="{C183D7F6-B498-43B3-948B-1728B52AA6E4}">
+                  <adec:decorative xmlns:adec="http://schemas.microsoft.com/office/drawing/2017/decorative" val="1"/>
+                </a:ext>
+              </a:extLst>
+            </p:cNvPr>
+            <p:cNvSpPr/>
+            <p:nvPr>
+              <p:extLst>
+                <p:ext uri="{386F3935-93C4-4BCD-93E2-E3B085C9AB24}">
+                  <p16:designElem xmlns:p16="http://schemas.microsoft.com/office/powerpoint/2015/main" val="1"/>
+                </p:ext>
+              </p:extLst>
+            </p:nvPr>
+          </p:nvSpPr>
+          <p:spPr bwMode="auto">
+            <a:xfrm>
+              <a:off x="8151962" y="1685652"/>
+              <a:ext cx="3275013" cy="4408488"/>
+            </a:xfrm>
+            <a:custGeom>
+              <a:avLst/>
+              <a:gdLst/>
+              <a:ahLst/>
+              <a:cxnLst/>
+              <a:rect l="l" t="t" r="r" b="b"/>
+              <a:pathLst>
+                <a:path w="10000" h="10000">
+                  <a:moveTo>
+                    <a:pt x="8761" y="0"/>
+                  </a:moveTo>
+                  <a:lnTo>
+                    <a:pt x="10000" y="0"/>
+                  </a:lnTo>
+                  <a:lnTo>
+                    <a:pt x="10000" y="10000"/>
+                  </a:lnTo>
+                  <a:lnTo>
+                    <a:pt x="0" y="10000"/>
+                  </a:lnTo>
+                  <a:lnTo>
+                    <a:pt x="0" y="9126"/>
+                  </a:lnTo>
+                  <a:lnTo>
+                    <a:pt x="8761" y="9127"/>
+                  </a:lnTo>
+                  <a:lnTo>
+                    <a:pt x="8761" y="0"/>
+                  </a:lnTo>
+                  <a:close/>
+                </a:path>
+              </a:pathLst>
+            </a:custGeom>
+            <a:solidFill>
+              <a:schemeClr val="tx2"/>
+            </a:solidFill>
+            <a:ln w="0">
+              <a:noFill/>
+              <a:prstDash val="solid"/>
+              <a:round/>
+              <a:headEnd/>
+              <a:tailEnd/>
+            </a:ln>
+          </p:spPr>
+          <p:txBody>
+            <a:bodyPr/>
+            <a:lstStyle/>
+            <a:p>
+              <a:endParaRPr lang="en-US"/>
+            </a:p>
+          </p:txBody>
+        </p:sp>
+        <p:sp>
+          <p:nvSpPr>
+            <p:cNvPr id="12" name="Freeform 6">
+              <a:extLst>
+                <a:ext uri="{FF2B5EF4-FFF2-40B4-BE49-F238E27FC236}">
+                  <a16:creationId xmlns:a16="http://schemas.microsoft.com/office/drawing/2014/main" id="{E2AF2C17-4AB4-4402-B84B-129EF95D161C}"/>
+                </a:ext>
+                <a:ext uri="{C183D7F6-B498-43B3-948B-1728B52AA6E4}">
+                  <adec:decorative xmlns:adec="http://schemas.microsoft.com/office/drawing/2017/decorative" val="1"/>
+                </a:ext>
+              </a:extLst>
+            </p:cNvPr>
+            <p:cNvSpPr/>
+            <p:nvPr>
+              <p:extLst>
+                <p:ext uri="{386F3935-93C4-4BCD-93E2-E3B085C9AB24}">
+                  <p16:designElem xmlns:p16="http://schemas.microsoft.com/office/powerpoint/2015/main" val="1"/>
+                </p:ext>
+              </p:extLst>
+            </p:nvPr>
+          </p:nvSpPr>
+          <p:spPr bwMode="auto">
+            <a:xfrm flipH="1" flipV="1">
+              <a:off x="752858" y="744469"/>
+              <a:ext cx="3275668" cy="4408488"/>
+            </a:xfrm>
+            <a:custGeom>
+              <a:avLst/>
+              <a:gdLst/>
+              <a:ahLst/>
+              <a:cxnLst/>
+              <a:rect l="l" t="t" r="r" b="b"/>
+              <a:pathLst>
+                <a:path w="10002" h="10000">
+                  <a:moveTo>
+                    <a:pt x="8763" y="0"/>
+                  </a:moveTo>
+                  <a:lnTo>
+                    <a:pt x="10002" y="0"/>
+                  </a:lnTo>
+                  <a:lnTo>
+                    <a:pt x="10002" y="10000"/>
+                  </a:lnTo>
+                  <a:lnTo>
+                    <a:pt x="2" y="10000"/>
+                  </a:lnTo>
+                  <a:cubicBezTo>
+                    <a:pt x="-2" y="9698"/>
+                    <a:pt x="4" y="9427"/>
+                    <a:pt x="0" y="9125"/>
+                  </a:cubicBezTo>
+                  <a:lnTo>
+                    <a:pt x="8763" y="9128"/>
+                  </a:lnTo>
+                  <a:lnTo>
+                    <a:pt x="8763" y="0"/>
+                  </a:lnTo>
+                  <a:close/>
+                </a:path>
+              </a:pathLst>
+            </a:custGeom>
+            <a:solidFill>
+              <a:schemeClr val="tx2"/>
+            </a:solidFill>
+            <a:ln w="0">
+              <a:noFill/>
+              <a:prstDash val="solid"/>
+              <a:round/>
+              <a:headEnd/>
+              <a:tailEnd/>
+            </a:ln>
+          </p:spPr>
+          <p:txBody>
+            <a:bodyPr/>
+            <a:lstStyle/>
+            <a:p>
+              <a:endParaRPr lang="en-US"/>
+            </a:p>
+          </p:txBody>
+        </p:sp>
+      </p:grpSp>
+      <p:sp useBgFill="1">
+        <p:nvSpPr>
+          <p:cNvPr id="14" name="Rectangle 13">
+            <a:extLst>
+              <a:ext uri="{FF2B5EF4-FFF2-40B4-BE49-F238E27FC236}">
+                <a16:creationId xmlns:a16="http://schemas.microsoft.com/office/drawing/2014/main" id="{46433AC8-8A78-46AB-B013-07DC9D75258C}"/>
+              </a:ext>
+              <a:ext uri="{C183D7F6-B498-43B3-948B-1728B52AA6E4}">
+                <adec:decorative xmlns:adec="http://schemas.microsoft.com/office/drawing/2017/decorative" val="1"/>
+              </a:ext>
+            </a:extLst>
+          </p:cNvPr>
+          <p:cNvSpPr>
+            <a:spLocks noGrp="1" noRot="1" noChangeAspect="1" noMove="1" noResize="1" noEditPoints="1" noAdjustHandles="1" noChangeArrowheads="1" noChangeShapeType="1" noTextEdit="1"/>
+          </p:cNvSpPr>
+          <p:nvPr>
+            <p:extLst>
+              <p:ext uri="{386F3935-93C4-4BCD-93E2-E3B085C9AB24}">
+                <p16:designElem xmlns:p16="http://schemas.microsoft.com/office/powerpoint/2015/main" val="1"/>
+              </p:ext>
+            </p:extLst>
+          </p:nvPr>
+        </p:nvSpPr>
+        <p:spPr>
+          <a:xfrm>
+            <a:off x="0" y="0"/>
+            <a:ext cx="12192000" cy="6858000"/>
+          </a:xfrm>
+          <a:prstGeom prst="rect">
+            <a:avLst/>
+          </a:prstGeom>
+          <a:ln>
+            <a:noFill/>
+          </a:ln>
+        </p:spPr>
+        <p:style>
+          <a:lnRef idx="2">
+            <a:schemeClr val="accent1">
+              <a:shade val="50000"/>
+            </a:schemeClr>
+          </a:lnRef>
+          <a:fillRef idx="1001">
+            <a:schemeClr val="lt2"/>
+          </a:fillRef>
+          <a:effectRef idx="0">
+            <a:schemeClr val="accent1"/>
+          </a:effectRef>
+          <a:fontRef idx="minor">
+            <a:schemeClr val="lt1"/>
+          </a:fontRef>
+        </p:style>
+        <p:txBody>
+          <a:bodyPr rtlCol="0" anchor="ctr"/>
+          <a:lstStyle/>
+          <a:p>
+            <a:pPr algn="ctr"/>
+            <a:endParaRPr lang="en-US"/>
+          </a:p>
+        </p:txBody>
+      </p:sp>
+      <p:sp>
+        <p:nvSpPr>
+          <p:cNvPr id="2" name="Title 1">
+            <a:extLst>
+              <a:ext uri="{FF2B5EF4-FFF2-40B4-BE49-F238E27FC236}">
+                <a16:creationId xmlns:a16="http://schemas.microsoft.com/office/drawing/2014/main" id="{F2E7D45C-4311-79D2-8771-AF79332B3244}"/>
+              </a:ext>
+            </a:extLst>
+          </p:cNvPr>
+          <p:cNvSpPr>
+            <a:spLocks noGrp="1"/>
+          </p:cNvSpPr>
+          <p:nvPr>
+            <p:ph type="title"/>
+          </p:nvPr>
+        </p:nvSpPr>
+        <p:spPr>
+          <a:xfrm>
+            <a:off x="5307291" y="634028"/>
+            <a:ext cx="6221689" cy="3732835"/>
+          </a:xfrm>
+        </p:spPr>
+        <p:txBody>
+          <a:bodyPr vert="horz" lIns="91440" tIns="45720" rIns="91440" bIns="45720" rtlCol="0" anchor="b">
+            <a:normAutofit fontScale="90000"/>
+          </a:bodyPr>
+          <a:lstStyle/>
+          <a:p>
+            <a:pPr algn="r"/>
+            <a:r>
+              <a:rPr lang="en-US" sz="7200" cap="all" spc="300" dirty="0">
+                <a:latin typeface="Smiley Sans Oblique" pitchFamily="2" charset="-122"/>
+                <a:ea typeface="Smiley Sans Oblique" pitchFamily="2" charset="-122"/>
+              </a:rPr>
+              <a:t>Resize</a:t>
+            </a:r>
+            <a:br>
+              <a:rPr lang="en-US" sz="7200" cap="all" spc="300" dirty="0">
+                <a:latin typeface="Smiley Sans Oblique" pitchFamily="2" charset="-122"/>
+                <a:ea typeface="Smiley Sans Oblique" pitchFamily="2" charset="-122"/>
+              </a:rPr>
+            </a:br>
+            <a:r>
+              <a:rPr lang="en-US" sz="7200" cap="all" spc="300" dirty="0">
+                <a:latin typeface="Smiley Sans Oblique" pitchFamily="2" charset="-122"/>
+                <a:ea typeface="Smiley Sans Oblique" pitchFamily="2" charset="-122"/>
+              </a:rPr>
+              <a:t>Key Levels</a:t>
+            </a:r>
+            <a:br>
+              <a:rPr lang="en-US" sz="7200" cap="all" spc="300" dirty="0">
+                <a:latin typeface="Smiley Sans Oblique" pitchFamily="2" charset="-122"/>
+                <a:ea typeface="Smiley Sans Oblique" pitchFamily="2" charset="-122"/>
+              </a:rPr>
+            </a:br>
+            <a:br>
+              <a:rPr lang="en-US" sz="7200" cap="all" spc="300" dirty="0">
+                <a:latin typeface="Smiley Sans Oblique" pitchFamily="2" charset="-122"/>
+                <a:ea typeface="Smiley Sans Oblique" pitchFamily="2" charset="-122"/>
+              </a:rPr>
+            </a:br>
+            <a:r>
+              <a:rPr lang="en-US" sz="7200" cap="all" spc="300" dirty="0" err="1">
+                <a:latin typeface="Smiley Sans Oblique" pitchFamily="2" charset="-122"/>
+                <a:ea typeface="Smiley Sans Oblique" pitchFamily="2" charset="-122"/>
+              </a:rPr>
+              <a:t>调整</a:t>
+            </a:r>
+            <a:endParaRPr lang="en-US" sz="7200" cap="all" spc="300" dirty="0">
+              <a:latin typeface="Smiley Sans Oblique" pitchFamily="2" charset="-122"/>
+              <a:ea typeface="Smiley Sans Oblique" pitchFamily="2" charset="-122"/>
+            </a:endParaRPr>
+          </a:p>
+        </p:txBody>
+      </p:sp>
+      <p:sp>
+        <p:nvSpPr>
+          <p:cNvPr id="16" name="Freeform 6">
+            <a:extLst>
+              <a:ext uri="{FF2B5EF4-FFF2-40B4-BE49-F238E27FC236}">
+                <a16:creationId xmlns:a16="http://schemas.microsoft.com/office/drawing/2014/main" id="{37E10E69-B2A5-4F8D-A7C0-F958BB7B47C1}"/>
+              </a:ext>
+              <a:ext uri="{C183D7F6-B498-43B3-948B-1728B52AA6E4}">
+                <adec:decorative xmlns:adec="http://schemas.microsoft.com/office/drawing/2017/decorative" val="1"/>
+              </a:ext>
+            </a:extLst>
+          </p:cNvPr>
+          <p:cNvSpPr>
+            <a:spLocks noGrp="1" noRot="1" noChangeAspect="1" noMove="1" noResize="1" noEditPoints="1" noAdjustHandles="1" noChangeArrowheads="1" noChangeShapeType="1" noTextEdit="1"/>
+          </p:cNvSpPr>
+          <p:nvPr>
+            <p:extLst>
+              <p:ext uri="{386F3935-93C4-4BCD-93E2-E3B085C9AB24}">
+                <p16:designElem xmlns:p16="http://schemas.microsoft.com/office/powerpoint/2015/main" val="1"/>
+              </p:ext>
+            </p:extLst>
+          </p:nvPr>
+        </p:nvSpPr>
+        <p:spPr bwMode="auto">
+          <a:xfrm>
+            <a:off x="1542142" y="2016617"/>
+            <a:ext cx="3275013" cy="4408488"/>
+          </a:xfrm>
+          <a:custGeom>
+            <a:avLst/>
+            <a:gdLst/>
+            <a:ahLst/>
+            <a:cxnLst/>
+            <a:rect l="l" t="t" r="r" b="b"/>
+            <a:pathLst>
+              <a:path w="10000" h="10000">
+                <a:moveTo>
+                  <a:pt x="8761" y="0"/>
+                </a:moveTo>
+                <a:lnTo>
+                  <a:pt x="10000" y="0"/>
+                </a:lnTo>
+                <a:lnTo>
+                  <a:pt x="10000" y="10000"/>
+                </a:lnTo>
+                <a:lnTo>
+                  <a:pt x="0" y="10000"/>
+                </a:lnTo>
+                <a:lnTo>
+                  <a:pt x="0" y="9126"/>
+                </a:lnTo>
+                <a:lnTo>
+                  <a:pt x="8761" y="9127"/>
+                </a:lnTo>
+                <a:lnTo>
+                  <a:pt x="8761" y="0"/>
+                </a:lnTo>
+                <a:close/>
+              </a:path>
+            </a:pathLst>
+          </a:custGeom>
+          <a:solidFill>
+            <a:schemeClr val="tx2"/>
+          </a:solidFill>
+          <a:ln w="0">
+            <a:noFill/>
+            <a:prstDash val="solid"/>
+            <a:round/>
+            <a:headEnd/>
+            <a:tailEnd/>
+          </a:ln>
+        </p:spPr>
+        <p:txBody>
+          <a:bodyPr/>
+          <a:lstStyle/>
+          <a:p>
+            <a:endParaRPr lang="en-US"/>
+          </a:p>
+        </p:txBody>
+      </p:sp>
+      <p:sp>
+        <p:nvSpPr>
+          <p:cNvPr id="18" name="Freeform 6">
+            <a:extLst>
+              <a:ext uri="{FF2B5EF4-FFF2-40B4-BE49-F238E27FC236}">
+                <a16:creationId xmlns:a16="http://schemas.microsoft.com/office/drawing/2014/main" id="{2E4B17F2-7877-4CC5-B6F6-F4147FE7B290}"/>
+              </a:ext>
+              <a:ext uri="{C183D7F6-B498-43B3-948B-1728B52AA6E4}">
+                <adec:decorative xmlns:adec="http://schemas.microsoft.com/office/drawing/2017/decorative" val="1"/>
+              </a:ext>
+            </a:extLst>
+          </p:cNvPr>
+          <p:cNvSpPr>
+            <a:spLocks noGrp="1" noRot="1" noChangeAspect="1" noMove="1" noResize="1" noEditPoints="1" noAdjustHandles="1" noChangeArrowheads="1" noChangeShapeType="1" noTextEdit="1"/>
+          </p:cNvSpPr>
+          <p:nvPr>
+            <p:extLst>
+              <p:ext uri="{386F3935-93C4-4BCD-93E2-E3B085C9AB24}">
+                <p16:designElem xmlns:p16="http://schemas.microsoft.com/office/powerpoint/2015/main" val="1"/>
+              </p:ext>
+            </p:extLst>
+          </p:nvPr>
+        </p:nvSpPr>
+        <p:spPr bwMode="auto">
+          <a:xfrm flipH="1" flipV="1">
+            <a:off x="649163" y="634028"/>
+            <a:ext cx="3275668" cy="4408488"/>
+          </a:xfrm>
+          <a:custGeom>
+            <a:avLst/>
+            <a:gdLst/>
+            <a:ahLst/>
+            <a:cxnLst/>
+            <a:rect l="l" t="t" r="r" b="b"/>
+            <a:pathLst>
+              <a:path w="10002" h="10000">
+                <a:moveTo>
+                  <a:pt x="8763" y="0"/>
+                </a:moveTo>
+                <a:lnTo>
+                  <a:pt x="10002" y="0"/>
+                </a:lnTo>
+                <a:lnTo>
+                  <a:pt x="10002" y="10000"/>
+                </a:lnTo>
+                <a:lnTo>
+                  <a:pt x="2" y="10000"/>
+                </a:lnTo>
+                <a:cubicBezTo>
+                  <a:pt x="-2" y="9698"/>
+                  <a:pt x="4" y="9427"/>
+                  <a:pt x="0" y="9125"/>
+                </a:cubicBezTo>
+                <a:lnTo>
+                  <a:pt x="8763" y="9128"/>
+                </a:lnTo>
+                <a:lnTo>
+                  <a:pt x="8763" y="0"/>
+                </a:lnTo>
+                <a:close/>
+              </a:path>
+            </a:pathLst>
+          </a:custGeom>
+          <a:solidFill>
+            <a:schemeClr val="tx2"/>
+          </a:solidFill>
+          <a:ln w="0">
+            <a:noFill/>
+            <a:prstDash val="solid"/>
+            <a:round/>
+            <a:headEnd/>
+            <a:tailEnd/>
+          </a:ln>
+        </p:spPr>
+        <p:txBody>
+          <a:bodyPr/>
+          <a:lstStyle/>
+          <a:p>
+            <a:endParaRPr lang="en-US"/>
+          </a:p>
+        </p:txBody>
+      </p:sp>
+      <p:pic>
+        <p:nvPicPr>
+          <p:cNvPr id="7" name="Graphic 6" descr="Crop">
+            <a:extLst>
+              <a:ext uri="{FF2B5EF4-FFF2-40B4-BE49-F238E27FC236}">
+                <a16:creationId xmlns:a16="http://schemas.microsoft.com/office/drawing/2014/main" id="{84564FFE-D95B-6752-3F0D-4D7B0EE533A7}"/>
+              </a:ext>
+            </a:extLst>
+          </p:cNvPr>
+          <p:cNvPicPr>
+            <a:picLocks noChangeAspect="1"/>
+          </p:cNvPicPr>
+          <p:nvPr/>
+        </p:nvPicPr>
+        <p:blipFill>
+          <a:blip r:embed="rId2">
+            <a:extLst>
+              <a:ext uri="{28A0092B-C50C-407E-A947-70E740481C1C}">
+                <a14:useLocalDpi xmlns:a14="http://schemas.microsoft.com/office/drawing/2010/main" val="0"/>
+              </a:ext>
+              <a:ext uri="{96DAC541-7B7A-43D3-8B79-37D633B846F1}">
+                <asvg:svgBlip xmlns:asvg="http://schemas.microsoft.com/office/drawing/2016/SVG/main" r:embed="rId3"/>
+              </a:ext>
+            </a:extLst>
+          </a:blip>
+          <a:stretch>
+            <a:fillRect/>
+          </a:stretch>
+        </p:blipFill>
+        <p:spPr>
+          <a:xfrm>
+            <a:off x="1371403" y="2169078"/>
+            <a:ext cx="2719859" cy="2719859"/>
+          </a:xfrm>
+          <a:prstGeom prst="rect">
+            <a:avLst/>
+          </a:prstGeom>
+        </p:spPr>
+      </p:pic>
+      <p:sp>
+        <p:nvSpPr>
+          <p:cNvPr id="4" name="Footer Placeholder 3">
+            <a:extLst>
+              <a:ext uri="{FF2B5EF4-FFF2-40B4-BE49-F238E27FC236}">
+                <a16:creationId xmlns:a16="http://schemas.microsoft.com/office/drawing/2014/main" id="{64FBF651-9ADA-CBE4-DC8D-F35245A85438}"/>
+              </a:ext>
+            </a:extLst>
+          </p:cNvPr>
+          <p:cNvSpPr>
+            <a:spLocks noGrp="1"/>
+          </p:cNvSpPr>
+          <p:nvPr>
+            <p:ph type="ftr" sz="quarter" idx="11"/>
+          </p:nvPr>
+        </p:nvSpPr>
+        <p:spPr/>
+        <p:txBody>
+          <a:bodyPr/>
+          <a:lstStyle/>
+          <a:p>
+            <a:pPr algn="ctr"/>
+            <a:r>
+              <a:rPr lang="en-US" spc="300" dirty="0">
+                <a:latin typeface="Smiley Sans Oblique" pitchFamily="2" charset="-122"/>
+                <a:ea typeface="Smiley Sans Oblique" pitchFamily="2" charset="-122"/>
+              </a:rPr>
+              <a:t>©️Chartist RaphaelZ</a:t>
+            </a:r>
+          </a:p>
+        </p:txBody>
+      </p:sp>
+    </p:spTree>
+    <p:extLst>
+      <p:ext uri="{BB962C8B-B14F-4D97-AF65-F5344CB8AC3E}">
+        <p14:creationId xmlns:p14="http://schemas.microsoft.com/office/powerpoint/2010/main" val="808419423"/>
+      </p:ext>
+    </p:extLst>
+  </p:cSld>
+  <p:clrMapOvr>
+    <a:masterClrMapping/>
+  </p:clrMapOvr>
+</p:sld>
+</file>
+
+<file path=ppt/slides/slide7.xml><?xml version="1.0" encoding="utf-8"?>
+<p:sld xmlns:a="http://schemas.openxmlformats.org/drawingml/2006/main" xmlns:r="http://schemas.openxmlformats.org/officeDocument/2006/relationships" xmlns:p="http://schemas.openxmlformats.org/presentationml/2006/main">
+  <p:cSld>
+    <p:bg>
+      <p:bgPr>
+        <a:solidFill>
+          <a:schemeClr val="bg2"/>
+        </a:solidFill>
+        <a:effectLst/>
+      </p:bgPr>
+    </p:bg>
+    <p:spTree>
+      <p:nvGrpSpPr>
+        <p:cNvPr id="1" name=""/>
+        <p:cNvGrpSpPr/>
+        <p:nvPr/>
+      </p:nvGrpSpPr>
+      <p:grpSpPr>
+        <a:xfrm>
+          <a:off x="0" y="0"/>
+          <a:ext cx="0" cy="0"/>
+          <a:chOff x="0" y="0"/>
+          <a:chExt cx="0" cy="0"/>
+        </a:xfrm>
+      </p:grpSpPr>
+      <p:grpSp>
+        <p:nvGrpSpPr>
+          <p:cNvPr id="10" name="Group 9">
+            <a:extLst>
+              <a:ext uri="{FF2B5EF4-FFF2-40B4-BE49-F238E27FC236}">
+                <a16:creationId xmlns:a16="http://schemas.microsoft.com/office/drawing/2014/main" id="{449BC34D-9C23-4D6D-8213-1F471AF85B3F}"/>
+              </a:ext>
+              <a:ext uri="{C183D7F6-B498-43B3-948B-1728B52AA6E4}">
+                <adec:decorative xmlns:adec="http://schemas.microsoft.com/office/drawing/2017/decorative" val="1"/>
+              </a:ext>
+            </a:extLst>
+          </p:cNvPr>
+          <p:cNvGrpSpPr>
+            <a:grpSpLocks noGrp="1" noUngrp="1" noRot="1" noChangeAspect="1" noMove="1" noResize="1"/>
+          </p:cNvGrpSpPr>
+          <p:nvPr>
+            <p:extLst>
+              <p:ext uri="{386F3935-93C4-4BCD-93E2-E3B085C9AB24}">
+                <p16:designElem xmlns:p16="http://schemas.microsoft.com/office/powerpoint/2015/main" val="1"/>
+              </p:ext>
+            </p:extLst>
+          </p:nvPr>
+        </p:nvGrpSpPr>
+        <p:grpSpPr>
+          <a:xfrm>
+            <a:off x="752858" y="744469"/>
+            <a:ext cx="10674117" cy="5349671"/>
+            <a:chOff x="752858" y="744469"/>
+            <a:chExt cx="10674117" cy="5349671"/>
+          </a:xfrm>
+        </p:grpSpPr>
+        <p:sp>
+          <p:nvSpPr>
+            <p:cNvPr id="11" name="Freeform 6">
+              <a:extLst>
+                <a:ext uri="{FF2B5EF4-FFF2-40B4-BE49-F238E27FC236}">
+                  <a16:creationId xmlns:a16="http://schemas.microsoft.com/office/drawing/2014/main" id="{FA0F5D6C-5025-4D7E-82DD-C2C6FDA1E759}"/>
+                </a:ext>
+                <a:ext uri="{C183D7F6-B498-43B3-948B-1728B52AA6E4}">
+                  <adec:decorative xmlns:adec="http://schemas.microsoft.com/office/drawing/2017/decorative" val="1"/>
+                </a:ext>
+              </a:extLst>
+            </p:cNvPr>
+            <p:cNvSpPr/>
+            <p:nvPr>
+              <p:extLst>
+                <p:ext uri="{386F3935-93C4-4BCD-93E2-E3B085C9AB24}">
+                  <p16:designElem xmlns:p16="http://schemas.microsoft.com/office/powerpoint/2015/main" val="1"/>
+                </p:ext>
+              </p:extLst>
+            </p:nvPr>
+          </p:nvSpPr>
+          <p:spPr bwMode="auto">
+            <a:xfrm>
+              <a:off x="8151962" y="1685652"/>
+              <a:ext cx="3275013" cy="4408488"/>
+            </a:xfrm>
+            <a:custGeom>
+              <a:avLst/>
+              <a:gdLst/>
+              <a:ahLst/>
+              <a:cxnLst/>
+              <a:rect l="l" t="t" r="r" b="b"/>
+              <a:pathLst>
+                <a:path w="10000" h="10000">
+                  <a:moveTo>
+                    <a:pt x="8761" y="0"/>
+                  </a:moveTo>
+                  <a:lnTo>
+                    <a:pt x="10000" y="0"/>
+                  </a:lnTo>
+                  <a:lnTo>
+                    <a:pt x="10000" y="10000"/>
+                  </a:lnTo>
+                  <a:lnTo>
+                    <a:pt x="0" y="10000"/>
+                  </a:lnTo>
+                  <a:lnTo>
+                    <a:pt x="0" y="9126"/>
+                  </a:lnTo>
+                  <a:lnTo>
+                    <a:pt x="8761" y="9127"/>
+                  </a:lnTo>
+                  <a:lnTo>
+                    <a:pt x="8761" y="0"/>
+                  </a:lnTo>
+                  <a:close/>
+                </a:path>
+              </a:pathLst>
+            </a:custGeom>
+            <a:solidFill>
+              <a:schemeClr val="tx2"/>
+            </a:solidFill>
+            <a:ln w="0">
+              <a:noFill/>
+              <a:prstDash val="solid"/>
+              <a:round/>
+              <a:headEnd/>
+              <a:tailEnd/>
+            </a:ln>
+          </p:spPr>
+          <p:txBody>
+            <a:bodyPr/>
+            <a:lstStyle/>
+            <a:p>
+              <a:endParaRPr lang="en-US"/>
+            </a:p>
+          </p:txBody>
+        </p:sp>
+        <p:sp>
+          <p:nvSpPr>
+            <p:cNvPr id="12" name="Freeform 6">
+              <a:extLst>
+                <a:ext uri="{FF2B5EF4-FFF2-40B4-BE49-F238E27FC236}">
+                  <a16:creationId xmlns:a16="http://schemas.microsoft.com/office/drawing/2014/main" id="{E2AF2C17-4AB4-4402-B84B-129EF95D161C}"/>
+                </a:ext>
+                <a:ext uri="{C183D7F6-B498-43B3-948B-1728B52AA6E4}">
+                  <adec:decorative xmlns:adec="http://schemas.microsoft.com/office/drawing/2017/decorative" val="1"/>
+                </a:ext>
+              </a:extLst>
+            </p:cNvPr>
+            <p:cNvSpPr/>
+            <p:nvPr>
+              <p:extLst>
+                <p:ext uri="{386F3935-93C4-4BCD-93E2-E3B085C9AB24}">
+                  <p16:designElem xmlns:p16="http://schemas.microsoft.com/office/powerpoint/2015/main" val="1"/>
+                </p:ext>
+              </p:extLst>
+            </p:nvPr>
+          </p:nvSpPr>
+          <p:spPr bwMode="auto">
+            <a:xfrm flipH="1" flipV="1">
+              <a:off x="752858" y="744469"/>
+              <a:ext cx="3275668" cy="4408488"/>
+            </a:xfrm>
+            <a:custGeom>
+              <a:avLst/>
+              <a:gdLst/>
+              <a:ahLst/>
+              <a:cxnLst/>
+              <a:rect l="l" t="t" r="r" b="b"/>
+              <a:pathLst>
+                <a:path w="10002" h="10000">
+                  <a:moveTo>
+                    <a:pt x="8763" y="0"/>
+                  </a:moveTo>
+                  <a:lnTo>
+                    <a:pt x="10002" y="0"/>
+                  </a:lnTo>
+                  <a:lnTo>
+                    <a:pt x="10002" y="10000"/>
+                  </a:lnTo>
+                  <a:lnTo>
+                    <a:pt x="2" y="10000"/>
+                  </a:lnTo>
+                  <a:cubicBezTo>
+                    <a:pt x="-2" y="9698"/>
+                    <a:pt x="4" y="9427"/>
+                    <a:pt x="0" y="9125"/>
+                  </a:cubicBezTo>
+                  <a:lnTo>
+                    <a:pt x="8763" y="9128"/>
+                  </a:lnTo>
+                  <a:lnTo>
+                    <a:pt x="8763" y="0"/>
+                  </a:lnTo>
+                  <a:close/>
+                </a:path>
+              </a:pathLst>
+            </a:custGeom>
+            <a:solidFill>
+              <a:schemeClr val="tx2"/>
+            </a:solidFill>
+            <a:ln w="0">
+              <a:noFill/>
+              <a:prstDash val="solid"/>
+              <a:round/>
+              <a:headEnd/>
+              <a:tailEnd/>
+            </a:ln>
+          </p:spPr>
+          <p:txBody>
+            <a:bodyPr/>
+            <a:lstStyle/>
+            <a:p>
+              <a:endParaRPr lang="en-US"/>
+            </a:p>
+          </p:txBody>
+        </p:sp>
+      </p:grpSp>
+      <p:sp useBgFill="1">
+        <p:nvSpPr>
+          <p:cNvPr id="14" name="Rectangle 13">
+            <a:extLst>
+              <a:ext uri="{FF2B5EF4-FFF2-40B4-BE49-F238E27FC236}">
+                <a16:creationId xmlns:a16="http://schemas.microsoft.com/office/drawing/2014/main" id="{46433AC8-8A78-46AB-B013-07DC9D75258C}"/>
+              </a:ext>
+              <a:ext uri="{C183D7F6-B498-43B3-948B-1728B52AA6E4}">
+                <adec:decorative xmlns:adec="http://schemas.microsoft.com/office/drawing/2017/decorative" val="1"/>
+              </a:ext>
+            </a:extLst>
+          </p:cNvPr>
+          <p:cNvSpPr>
+            <a:spLocks noGrp="1" noRot="1" noChangeAspect="1" noMove="1" noResize="1" noEditPoints="1" noAdjustHandles="1" noChangeArrowheads="1" noChangeShapeType="1" noTextEdit="1"/>
+          </p:cNvSpPr>
+          <p:nvPr>
+            <p:extLst>
+              <p:ext uri="{386F3935-93C4-4BCD-93E2-E3B085C9AB24}">
+                <p16:designElem xmlns:p16="http://schemas.microsoft.com/office/powerpoint/2015/main" val="1"/>
+              </p:ext>
+            </p:extLst>
+          </p:nvPr>
+        </p:nvSpPr>
+        <p:spPr>
+          <a:xfrm>
+            <a:off x="0" y="0"/>
+            <a:ext cx="12192000" cy="6858000"/>
+          </a:xfrm>
+          <a:prstGeom prst="rect">
+            <a:avLst/>
+          </a:prstGeom>
+          <a:ln>
+            <a:noFill/>
+          </a:ln>
+        </p:spPr>
+        <p:style>
+          <a:lnRef idx="2">
+            <a:schemeClr val="accent1">
+              <a:shade val="50000"/>
+            </a:schemeClr>
+          </a:lnRef>
+          <a:fillRef idx="1001">
+            <a:schemeClr val="lt2"/>
+          </a:fillRef>
+          <a:effectRef idx="0">
+            <a:schemeClr val="accent1"/>
+          </a:effectRef>
+          <a:fontRef idx="minor">
+            <a:schemeClr val="lt1"/>
+          </a:fontRef>
+        </p:style>
+        <p:txBody>
+          <a:bodyPr rtlCol="0" anchor="ctr"/>
+          <a:lstStyle/>
+          <a:p>
+            <a:pPr algn="ctr"/>
+            <a:endParaRPr lang="en-US"/>
+          </a:p>
+        </p:txBody>
+      </p:sp>
+      <p:sp>
+        <p:nvSpPr>
+          <p:cNvPr id="2" name="Title 1">
+            <a:extLst>
+              <a:ext uri="{FF2B5EF4-FFF2-40B4-BE49-F238E27FC236}">
+                <a16:creationId xmlns:a16="http://schemas.microsoft.com/office/drawing/2014/main" id="{29B85EB8-023A-ECCF-7EE5-80409BDBF599}"/>
+              </a:ext>
+            </a:extLst>
+          </p:cNvPr>
+          <p:cNvSpPr>
+            <a:spLocks noGrp="1"/>
+          </p:cNvSpPr>
+          <p:nvPr>
+            <p:ph type="title"/>
+          </p:nvPr>
+        </p:nvSpPr>
+        <p:spPr>
+          <a:xfrm>
+            <a:off x="5307291" y="634028"/>
+            <a:ext cx="6221689" cy="3732835"/>
+          </a:xfrm>
+        </p:spPr>
+        <p:txBody>
+          <a:bodyPr vert="horz" lIns="91440" tIns="45720" rIns="91440" bIns="45720" rtlCol="0" anchor="b">
+            <a:normAutofit fontScale="90000"/>
+          </a:bodyPr>
+          <a:lstStyle/>
+          <a:p>
+            <a:pPr algn="r"/>
+            <a:r>
+              <a:rPr lang="en-US" sz="7200" cap="all" spc="300" dirty="0">
+                <a:latin typeface="Smiley Sans Oblique" pitchFamily="2" charset="-122"/>
+                <a:ea typeface="Smiley Sans Oblique" pitchFamily="2" charset="-122"/>
+              </a:rPr>
+              <a:t>Approach Methods</a:t>
+            </a:r>
+            <a:br>
+              <a:rPr lang="en-US" sz="7200" cap="all" spc="300" dirty="0">
+                <a:latin typeface="Smiley Sans Oblique" pitchFamily="2" charset="-122"/>
+                <a:ea typeface="Smiley Sans Oblique" pitchFamily="2" charset="-122"/>
+              </a:rPr>
+            </a:br>
+            <a:br>
+              <a:rPr lang="en-US" sz="7200" cap="all" spc="300" dirty="0">
+                <a:latin typeface="Smiley Sans Oblique" pitchFamily="2" charset="-122"/>
+                <a:ea typeface="Smiley Sans Oblique" pitchFamily="2" charset="-122"/>
+              </a:rPr>
+            </a:br>
+            <a:r>
+              <a:rPr lang="en-US" sz="7200" cap="all" spc="300" dirty="0" err="1">
+                <a:latin typeface="Smiley Sans Oblique" pitchFamily="2" charset="-122"/>
+                <a:ea typeface="Smiley Sans Oblique" pitchFamily="2" charset="-122"/>
+              </a:rPr>
+              <a:t>分类</a:t>
+            </a:r>
+            <a:endParaRPr lang="en-US" sz="7200" cap="all" spc="300" dirty="0">
+              <a:latin typeface="Smiley Sans Oblique" pitchFamily="2" charset="-122"/>
+              <a:ea typeface="Smiley Sans Oblique" pitchFamily="2" charset="-122"/>
+            </a:endParaRPr>
+          </a:p>
+        </p:txBody>
+      </p:sp>
+      <p:sp>
+        <p:nvSpPr>
+          <p:cNvPr id="16" name="Freeform 6">
+            <a:extLst>
+              <a:ext uri="{FF2B5EF4-FFF2-40B4-BE49-F238E27FC236}">
+                <a16:creationId xmlns:a16="http://schemas.microsoft.com/office/drawing/2014/main" id="{37E10E69-B2A5-4F8D-A7C0-F958BB7B47C1}"/>
+              </a:ext>
+              <a:ext uri="{C183D7F6-B498-43B3-948B-1728B52AA6E4}">
+                <adec:decorative xmlns:adec="http://schemas.microsoft.com/office/drawing/2017/decorative" val="1"/>
+              </a:ext>
+            </a:extLst>
+          </p:cNvPr>
+          <p:cNvSpPr>
+            <a:spLocks noGrp="1" noRot="1" noChangeAspect="1" noMove="1" noResize="1" noEditPoints="1" noAdjustHandles="1" noChangeArrowheads="1" noChangeShapeType="1" noTextEdit="1"/>
+          </p:cNvSpPr>
+          <p:nvPr>
+            <p:extLst>
+              <p:ext uri="{386F3935-93C4-4BCD-93E2-E3B085C9AB24}">
+                <p16:designElem xmlns:p16="http://schemas.microsoft.com/office/powerpoint/2015/main" val="1"/>
+              </p:ext>
+            </p:extLst>
+          </p:nvPr>
+        </p:nvSpPr>
+        <p:spPr bwMode="auto">
+          <a:xfrm>
+            <a:off x="1542142" y="2016617"/>
+            <a:ext cx="3275013" cy="4408488"/>
+          </a:xfrm>
+          <a:custGeom>
+            <a:avLst/>
+            <a:gdLst/>
+            <a:ahLst/>
+            <a:cxnLst/>
+            <a:rect l="l" t="t" r="r" b="b"/>
+            <a:pathLst>
+              <a:path w="10000" h="10000">
+                <a:moveTo>
+                  <a:pt x="8761" y="0"/>
+                </a:moveTo>
+                <a:lnTo>
+                  <a:pt x="10000" y="0"/>
+                </a:lnTo>
+                <a:lnTo>
+                  <a:pt x="10000" y="10000"/>
+                </a:lnTo>
+                <a:lnTo>
+                  <a:pt x="0" y="10000"/>
+                </a:lnTo>
+                <a:lnTo>
+                  <a:pt x="0" y="9126"/>
+                </a:lnTo>
+                <a:lnTo>
+                  <a:pt x="8761" y="9127"/>
+                </a:lnTo>
+                <a:lnTo>
+                  <a:pt x="8761" y="0"/>
+                </a:lnTo>
+                <a:close/>
+              </a:path>
+            </a:pathLst>
+          </a:custGeom>
+          <a:solidFill>
+            <a:schemeClr val="tx2"/>
+          </a:solidFill>
+          <a:ln w="0">
+            <a:noFill/>
+            <a:prstDash val="solid"/>
+            <a:round/>
+            <a:headEnd/>
+            <a:tailEnd/>
+          </a:ln>
+        </p:spPr>
+        <p:txBody>
+          <a:bodyPr/>
+          <a:lstStyle/>
+          <a:p>
+            <a:endParaRPr lang="en-US"/>
+          </a:p>
+        </p:txBody>
+      </p:sp>
+      <p:sp>
+        <p:nvSpPr>
+          <p:cNvPr id="18" name="Freeform 6">
+            <a:extLst>
+              <a:ext uri="{FF2B5EF4-FFF2-40B4-BE49-F238E27FC236}">
+                <a16:creationId xmlns:a16="http://schemas.microsoft.com/office/drawing/2014/main" id="{2E4B17F2-7877-4CC5-B6F6-F4147FE7B290}"/>
+              </a:ext>
+              <a:ext uri="{C183D7F6-B498-43B3-948B-1728B52AA6E4}">
+                <adec:decorative xmlns:adec="http://schemas.microsoft.com/office/drawing/2017/decorative" val="1"/>
+              </a:ext>
+            </a:extLst>
+          </p:cNvPr>
+          <p:cNvSpPr>
+            <a:spLocks noGrp="1" noRot="1" noChangeAspect="1" noMove="1" noResize="1" noEditPoints="1" noAdjustHandles="1" noChangeArrowheads="1" noChangeShapeType="1" noTextEdit="1"/>
+          </p:cNvSpPr>
+          <p:nvPr>
+            <p:extLst>
+              <p:ext uri="{386F3935-93C4-4BCD-93E2-E3B085C9AB24}">
+                <p16:designElem xmlns:p16="http://schemas.microsoft.com/office/powerpoint/2015/main" val="1"/>
+              </p:ext>
+            </p:extLst>
+          </p:nvPr>
+        </p:nvSpPr>
+        <p:spPr bwMode="auto">
+          <a:xfrm flipH="1" flipV="1">
+            <a:off x="649163" y="634028"/>
+            <a:ext cx="3275668" cy="4408488"/>
+          </a:xfrm>
+          <a:custGeom>
+            <a:avLst/>
+            <a:gdLst/>
+            <a:ahLst/>
+            <a:cxnLst/>
+            <a:rect l="l" t="t" r="r" b="b"/>
+            <a:pathLst>
+              <a:path w="10002" h="10000">
+                <a:moveTo>
+                  <a:pt x="8763" y="0"/>
+                </a:moveTo>
+                <a:lnTo>
+                  <a:pt x="10002" y="0"/>
+                </a:lnTo>
+                <a:lnTo>
+                  <a:pt x="10002" y="10000"/>
+                </a:lnTo>
+                <a:lnTo>
+                  <a:pt x="2" y="10000"/>
+                </a:lnTo>
+                <a:cubicBezTo>
+                  <a:pt x="-2" y="9698"/>
+                  <a:pt x="4" y="9427"/>
+                  <a:pt x="0" y="9125"/>
+                </a:cubicBezTo>
+                <a:lnTo>
+                  <a:pt x="8763" y="9128"/>
+                </a:lnTo>
+                <a:lnTo>
+                  <a:pt x="8763" y="0"/>
+                </a:lnTo>
+                <a:close/>
+              </a:path>
+            </a:pathLst>
+          </a:custGeom>
+          <a:solidFill>
+            <a:schemeClr val="tx2"/>
+          </a:solidFill>
+          <a:ln w="0">
+            <a:noFill/>
+            <a:prstDash val="solid"/>
+            <a:round/>
+            <a:headEnd/>
+            <a:tailEnd/>
+          </a:ln>
+        </p:spPr>
+        <p:txBody>
+          <a:bodyPr/>
+          <a:lstStyle/>
+          <a:p>
+            <a:endParaRPr lang="en-US"/>
+          </a:p>
+        </p:txBody>
+      </p:sp>
+      <p:pic>
+        <p:nvPicPr>
+          <p:cNvPr id="7" name="Graphic 6" descr="List">
+            <a:extLst>
+              <a:ext uri="{FF2B5EF4-FFF2-40B4-BE49-F238E27FC236}">
+                <a16:creationId xmlns:a16="http://schemas.microsoft.com/office/drawing/2014/main" id="{0C87CF2F-BF07-EFFF-DF03-0B5DF7D660F8}"/>
+              </a:ext>
+            </a:extLst>
+          </p:cNvPr>
+          <p:cNvPicPr>
+            <a:picLocks noChangeAspect="1"/>
+          </p:cNvPicPr>
+          <p:nvPr/>
+        </p:nvPicPr>
+        <p:blipFill>
+          <a:blip r:embed="rId2">
+            <a:extLst>
+              <a:ext uri="{28A0092B-C50C-407E-A947-70E740481C1C}">
+                <a14:useLocalDpi xmlns:a14="http://schemas.microsoft.com/office/drawing/2010/main" val="0"/>
+              </a:ext>
+              <a:ext uri="{96DAC541-7B7A-43D3-8B79-37D633B846F1}">
+                <asvg:svgBlip xmlns:asvg="http://schemas.microsoft.com/office/drawing/2016/SVG/main" r:embed="rId3"/>
+              </a:ext>
+            </a:extLst>
+          </a:blip>
+          <a:stretch>
+            <a:fillRect/>
+          </a:stretch>
+        </p:blipFill>
+        <p:spPr>
+          <a:xfrm>
+            <a:off x="1371403" y="2169078"/>
+            <a:ext cx="2719859" cy="2719859"/>
+          </a:xfrm>
+          <a:prstGeom prst="rect">
+            <a:avLst/>
+          </a:prstGeom>
+        </p:spPr>
+      </p:pic>
+      <p:sp>
+        <p:nvSpPr>
+          <p:cNvPr id="4" name="Footer Placeholder 3">
+            <a:extLst>
+              <a:ext uri="{FF2B5EF4-FFF2-40B4-BE49-F238E27FC236}">
+                <a16:creationId xmlns:a16="http://schemas.microsoft.com/office/drawing/2014/main" id="{A4EE51A5-B22A-0A8E-A9CA-969F1535D3B4}"/>
+              </a:ext>
+            </a:extLst>
+          </p:cNvPr>
+          <p:cNvSpPr>
+            <a:spLocks noGrp="1"/>
+          </p:cNvSpPr>
+          <p:nvPr>
+            <p:ph type="ftr" sz="quarter" idx="11"/>
+          </p:nvPr>
+        </p:nvSpPr>
+        <p:spPr/>
+        <p:txBody>
+          <a:bodyPr/>
+          <a:lstStyle/>
+          <a:p>
+            <a:pPr algn="ctr"/>
+            <a:r>
+              <a:rPr lang="en-US" spc="300" dirty="0">
+                <a:latin typeface="Smiley Sans Oblique" pitchFamily="2" charset="-122"/>
+                <a:ea typeface="Smiley Sans Oblique" pitchFamily="2" charset="-122"/>
+              </a:rPr>
+              <a:t>©️Chartist RaphaelZ</a:t>
+            </a:r>
+          </a:p>
+        </p:txBody>
+      </p:sp>
+    </p:spTree>
+    <p:extLst>
+      <p:ext uri="{BB962C8B-B14F-4D97-AF65-F5344CB8AC3E}">
+        <p14:creationId xmlns:p14="http://schemas.microsoft.com/office/powerpoint/2010/main" val="364378268"/>
+      </p:ext>
+    </p:extLst>
+  </p:cSld>
+  <p:clrMapOvr>
+    <a:masterClrMapping/>
+  </p:clrMapOvr>
+</p:sld>
+</file>
+
+<file path=ppt/slides/slide8.xml><?xml version="1.0" encoding="utf-8"?>
+<p:sld xmlns:a="http://schemas.openxmlformats.org/drawingml/2006/main" xmlns:r="http://schemas.openxmlformats.org/officeDocument/2006/relationships" xmlns:p="http://schemas.openxmlformats.org/presentationml/2006/main">
+  <p:cSld>
+    <p:bg>
+      <p:bgPr>
+        <a:solidFill>
+          <a:schemeClr val="bg2"/>
+        </a:solidFill>
+        <a:effectLst/>
+      </p:bgPr>
+    </p:bg>
+    <p:spTree>
+      <p:nvGrpSpPr>
+        <p:cNvPr id="1" name=""/>
+        <p:cNvGrpSpPr/>
+        <p:nvPr/>
+      </p:nvGrpSpPr>
+      <p:grpSpPr>
+        <a:xfrm>
+          <a:off x="0" y="0"/>
+          <a:ext cx="0" cy="0"/>
+          <a:chOff x="0" y="0"/>
+          <a:chExt cx="0" cy="0"/>
+        </a:xfrm>
+      </p:grpSpPr>
+      <p:grpSp>
+        <p:nvGrpSpPr>
+          <p:cNvPr id="9" name="Group 8">
+            <a:extLst>
+              <a:ext uri="{FF2B5EF4-FFF2-40B4-BE49-F238E27FC236}">
+                <a16:creationId xmlns:a16="http://schemas.microsoft.com/office/drawing/2014/main" id="{9D9D6BF1-DFF2-4526-9D13-BF339D8C4163}"/>
+              </a:ext>
+              <a:ext uri="{C183D7F6-B498-43B3-948B-1728B52AA6E4}">
+                <adec:decorative xmlns:adec="http://schemas.microsoft.com/office/drawing/2017/decorative" val="1"/>
+              </a:ext>
+            </a:extLst>
+          </p:cNvPr>
+          <p:cNvGrpSpPr>
+            <a:grpSpLocks noGrp="1" noUngrp="1" noRot="1" noChangeAspect="1" noMove="1" noResize="1"/>
+          </p:cNvGrpSpPr>
+          <p:nvPr>
+            <p:extLst>
+              <p:ext uri="{386F3935-93C4-4BCD-93E2-E3B085C9AB24}">
+                <p16:designElem xmlns:p16="http://schemas.microsoft.com/office/powerpoint/2015/main" val="1"/>
+              </p:ext>
+            </p:extLst>
+          </p:nvPr>
+        </p:nvGrpSpPr>
+        <p:grpSpPr>
+          <a:xfrm>
+            <a:off x="752858" y="744469"/>
+            <a:ext cx="10674117" cy="5349671"/>
+            <a:chOff x="752858" y="744469"/>
+            <a:chExt cx="10674117" cy="5349671"/>
+          </a:xfrm>
+        </p:grpSpPr>
+        <p:sp>
+          <p:nvSpPr>
+            <p:cNvPr id="10" name="Freeform 6">
+              <a:extLst>
+                <a:ext uri="{FF2B5EF4-FFF2-40B4-BE49-F238E27FC236}">
+                  <a16:creationId xmlns:a16="http://schemas.microsoft.com/office/drawing/2014/main" id="{A54D4DB6-FB18-4CAE-8905-E0053C92569E}"/>
+                </a:ext>
+                <a:ext uri="{C183D7F6-B498-43B3-948B-1728B52AA6E4}">
+                  <adec:decorative xmlns:adec="http://schemas.microsoft.com/office/drawing/2017/decorative" val="1"/>
+                </a:ext>
+              </a:extLst>
+            </p:cNvPr>
+            <p:cNvSpPr/>
+            <p:nvPr>
+              <p:extLst>
+                <p:ext uri="{386F3935-93C4-4BCD-93E2-E3B085C9AB24}">
+                  <p16:designElem xmlns:p16="http://schemas.microsoft.com/office/powerpoint/2015/main" val="1"/>
+                </p:ext>
+              </p:extLst>
+            </p:nvPr>
+          </p:nvSpPr>
+          <p:spPr bwMode="auto">
+            <a:xfrm>
+              <a:off x="8151962" y="1685652"/>
+              <a:ext cx="3275013" cy="4408488"/>
+            </a:xfrm>
+            <a:custGeom>
+              <a:avLst/>
+              <a:gdLst/>
+              <a:ahLst/>
+              <a:cxnLst/>
+              <a:rect l="l" t="t" r="r" b="b"/>
+              <a:pathLst>
+                <a:path w="10000" h="10000">
+                  <a:moveTo>
+                    <a:pt x="8761" y="0"/>
+                  </a:moveTo>
+                  <a:lnTo>
+                    <a:pt x="10000" y="0"/>
+                  </a:lnTo>
+                  <a:lnTo>
+                    <a:pt x="10000" y="10000"/>
+                  </a:lnTo>
+                  <a:lnTo>
+                    <a:pt x="0" y="10000"/>
+                  </a:lnTo>
+                  <a:lnTo>
+                    <a:pt x="0" y="9126"/>
+                  </a:lnTo>
+                  <a:lnTo>
+                    <a:pt x="8761" y="9127"/>
+                  </a:lnTo>
+                  <a:lnTo>
+                    <a:pt x="8761" y="0"/>
+                  </a:lnTo>
+                  <a:close/>
+                </a:path>
+              </a:pathLst>
+            </a:custGeom>
+            <a:solidFill>
+              <a:schemeClr val="tx2"/>
+            </a:solidFill>
+            <a:ln w="0">
+              <a:noFill/>
+              <a:prstDash val="solid"/>
+              <a:round/>
+              <a:headEnd/>
+              <a:tailEnd/>
+            </a:ln>
+          </p:spPr>
+          <p:txBody>
+            <a:bodyPr/>
+            <a:lstStyle/>
+            <a:p>
+              <a:endParaRPr lang="en-US"/>
+            </a:p>
+          </p:txBody>
+        </p:sp>
+        <p:sp>
+          <p:nvSpPr>
+            <p:cNvPr id="11" name="Freeform 6">
+              <a:extLst>
+                <a:ext uri="{FF2B5EF4-FFF2-40B4-BE49-F238E27FC236}">
+                  <a16:creationId xmlns:a16="http://schemas.microsoft.com/office/drawing/2014/main" id="{1DBD6488-9429-4FFA-8AE8-C4022C39B0F2}"/>
+                </a:ext>
+                <a:ext uri="{C183D7F6-B498-43B3-948B-1728B52AA6E4}">
+                  <adec:decorative xmlns:adec="http://schemas.microsoft.com/office/drawing/2017/decorative" val="1"/>
+                </a:ext>
+              </a:extLst>
+            </p:cNvPr>
+            <p:cNvSpPr/>
+            <p:nvPr>
+              <p:extLst>
+                <p:ext uri="{386F3935-93C4-4BCD-93E2-E3B085C9AB24}">
+                  <p16:designElem xmlns:p16="http://schemas.microsoft.com/office/powerpoint/2015/main" val="1"/>
+                </p:ext>
+              </p:extLst>
+            </p:nvPr>
+          </p:nvSpPr>
+          <p:spPr bwMode="auto">
+            <a:xfrm flipH="1" flipV="1">
+              <a:off x="752858" y="744469"/>
+              <a:ext cx="3275668" cy="4408488"/>
+            </a:xfrm>
+            <a:custGeom>
+              <a:avLst/>
+              <a:gdLst/>
+              <a:ahLst/>
+              <a:cxnLst/>
+              <a:rect l="l" t="t" r="r" b="b"/>
+              <a:pathLst>
+                <a:path w="10002" h="10000">
+                  <a:moveTo>
+                    <a:pt x="8763" y="0"/>
+                  </a:moveTo>
+                  <a:lnTo>
+                    <a:pt x="10002" y="0"/>
+                  </a:lnTo>
+                  <a:lnTo>
+                    <a:pt x="10002" y="10000"/>
+                  </a:lnTo>
+                  <a:lnTo>
+                    <a:pt x="2" y="10000"/>
+                  </a:lnTo>
+                  <a:cubicBezTo>
+                    <a:pt x="-2" y="9698"/>
+                    <a:pt x="4" y="9427"/>
+                    <a:pt x="0" y="9125"/>
+                  </a:cubicBezTo>
+                  <a:lnTo>
+                    <a:pt x="8763" y="9128"/>
+                  </a:lnTo>
+                  <a:lnTo>
+                    <a:pt x="8763" y="0"/>
+                  </a:lnTo>
+                  <a:close/>
+                </a:path>
+              </a:pathLst>
+            </a:custGeom>
+            <a:solidFill>
+              <a:schemeClr val="tx2"/>
+            </a:solidFill>
+            <a:ln w="0">
+              <a:noFill/>
+              <a:prstDash val="solid"/>
+              <a:round/>
+              <a:headEnd/>
+              <a:tailEnd/>
+            </a:ln>
+          </p:spPr>
+          <p:txBody>
+            <a:bodyPr/>
+            <a:lstStyle/>
+            <a:p>
+              <a:endParaRPr lang="en-US"/>
+            </a:p>
+          </p:txBody>
+        </p:sp>
+      </p:grpSp>
+      <p:pic>
+        <p:nvPicPr>
+          <p:cNvPr id="5" name="Picture 4" descr="Refractor">
+            <a:extLst>
+              <a:ext uri="{FF2B5EF4-FFF2-40B4-BE49-F238E27FC236}">
+                <a16:creationId xmlns:a16="http://schemas.microsoft.com/office/drawing/2014/main" id="{E1ECB7EE-A0BE-933D-0DC1-679726ACD136}"/>
+              </a:ext>
+            </a:extLst>
+          </p:cNvPr>
+          <p:cNvPicPr>
+            <a:picLocks noChangeAspect="1"/>
+          </p:cNvPicPr>
+          <p:nvPr/>
+        </p:nvPicPr>
+        <p:blipFill rotWithShape="1">
+          <a:blip r:embed="rId2">
+            <a:grayscl/>
+          </a:blip>
+          <a:srcRect t="15714"/>
+          <a:stretch/>
+        </p:blipFill>
+        <p:spPr>
+          <a:xfrm>
+            <a:off x="20" y="10"/>
+            <a:ext cx="12191980" cy="6859300"/>
+          </a:xfrm>
+          <a:prstGeom prst="rect">
+            <a:avLst/>
+          </a:prstGeom>
+        </p:spPr>
+      </p:pic>
+      <p:sp>
+        <p:nvSpPr>
+          <p:cNvPr id="13" name="Rectangle 12">
+            <a:extLst>
+              <a:ext uri="{FF2B5EF4-FFF2-40B4-BE49-F238E27FC236}">
+                <a16:creationId xmlns:a16="http://schemas.microsoft.com/office/drawing/2014/main" id="{ED9C10B4-E6CF-4138-A430-ADE3DCF0FE70}"/>
+              </a:ext>
+              <a:ext uri="{C183D7F6-B498-43B3-948B-1728B52AA6E4}">
+                <adec:decorative xmlns:adec="http://schemas.microsoft.com/office/drawing/2017/decorative" val="1"/>
+              </a:ext>
+            </a:extLst>
+          </p:cNvPr>
+          <p:cNvSpPr>
+            <a:spLocks noGrp="1" noRot="1" noChangeAspect="1" noMove="1" noResize="1" noEditPoints="1" noAdjustHandles="1" noChangeArrowheads="1" noChangeShapeType="1" noTextEdit="1"/>
+          </p:cNvSpPr>
+          <p:nvPr>
+            <p:extLst>
+              <p:ext uri="{386F3935-93C4-4BCD-93E2-E3B085C9AB24}">
+                <p16:designElem xmlns:p16="http://schemas.microsoft.com/office/powerpoint/2015/main" val="1"/>
+              </p:ext>
+            </p:extLst>
+          </p:nvPr>
+        </p:nvSpPr>
+        <p:spPr bwMode="ltGray">
+          <a:xfrm>
+            <a:off x="-258" y="0"/>
+            <a:ext cx="12192000" cy="6858000"/>
+          </a:xfrm>
+          <a:prstGeom prst="rect">
+            <a:avLst/>
+          </a:prstGeom>
+          <a:gradFill flip="none" rotWithShape="1">
+            <a:gsLst>
+              <a:gs pos="20000">
+                <a:schemeClr val="tx2">
+                  <a:alpha val="70000"/>
+                </a:schemeClr>
+              </a:gs>
+              <a:gs pos="100000">
+                <a:schemeClr val="tx2"/>
+              </a:gs>
+            </a:gsLst>
+            <a:path path="circle">
+              <a:fillToRect l="50000" t="50000" r="50000" b="50000"/>
+            </a:path>
+            <a:tileRect/>
+          </a:gradFill>
+          <a:ln>
+            <a:noFill/>
+          </a:ln>
+        </p:spPr>
+        <p:style>
+          <a:lnRef idx="2">
+            <a:schemeClr val="accent1">
+              <a:shade val="50000"/>
+            </a:schemeClr>
+          </a:lnRef>
+          <a:fillRef idx="1">
+            <a:schemeClr val="accent1"/>
+          </a:fillRef>
+          <a:effectRef idx="0">
+            <a:schemeClr val="accent1"/>
+          </a:effectRef>
+          <a:fontRef idx="minor">
+            <a:schemeClr val="lt1"/>
+          </a:fontRef>
+        </p:style>
+        <p:txBody>
+          <a:bodyPr rtlCol="0" anchor="ctr"/>
+          <a:lstStyle/>
+          <a:p>
+            <a:pPr algn="ctr"/>
+            <a:endParaRPr lang="en-US"/>
+          </a:p>
+        </p:txBody>
+      </p:sp>
+      <p:sp>
+        <p:nvSpPr>
+          <p:cNvPr id="15" name="Freeform 6">
+            <a:extLst>
+              <a:ext uri="{FF2B5EF4-FFF2-40B4-BE49-F238E27FC236}">
+                <a16:creationId xmlns:a16="http://schemas.microsoft.com/office/drawing/2014/main" id="{59A08B30-802F-44BB-8817-40AAE17DBE8A}"/>
+              </a:ext>
+              <a:ext uri="{C183D7F6-B498-43B3-948B-1728B52AA6E4}">
+                <adec:decorative xmlns:adec="http://schemas.microsoft.com/office/drawing/2017/decorative" val="1"/>
+              </a:ext>
+            </a:extLst>
+          </p:cNvPr>
+          <p:cNvSpPr>
+            <a:spLocks noGrp="1" noRot="1" noChangeAspect="1" noMove="1" noResize="1" noEditPoints="1" noAdjustHandles="1" noChangeArrowheads="1" noChangeShapeType="1" noTextEdit="1"/>
+          </p:cNvSpPr>
+          <p:nvPr>
+            <p:extLst>
+              <p:ext uri="{386F3935-93C4-4BCD-93E2-E3B085C9AB24}">
+                <p16:designElem xmlns:p16="http://schemas.microsoft.com/office/powerpoint/2015/main" val="1"/>
+              </p:ext>
+            </p:extLst>
+          </p:nvPr>
+        </p:nvSpPr>
+        <p:spPr bwMode="auto">
+          <a:xfrm flipH="1" flipV="1">
+            <a:off x="752858" y="744469"/>
+            <a:ext cx="3275668" cy="4408488"/>
+          </a:xfrm>
+          <a:custGeom>
+            <a:avLst/>
+            <a:gdLst/>
+            <a:ahLst/>
+            <a:cxnLst/>
+            <a:rect l="l" t="t" r="r" b="b"/>
+            <a:pathLst>
+              <a:path w="10002" h="10000">
+                <a:moveTo>
+                  <a:pt x="8763" y="0"/>
+                </a:moveTo>
+                <a:lnTo>
+                  <a:pt x="10002" y="0"/>
+                </a:lnTo>
+                <a:lnTo>
+                  <a:pt x="10002" y="10000"/>
+                </a:lnTo>
+                <a:lnTo>
+                  <a:pt x="2" y="10000"/>
+                </a:lnTo>
+                <a:cubicBezTo>
+                  <a:pt x="-2" y="9698"/>
+                  <a:pt x="4" y="9427"/>
+                  <a:pt x="0" y="9125"/>
+                </a:cubicBezTo>
+                <a:lnTo>
+                  <a:pt x="8763" y="9128"/>
+                </a:lnTo>
+                <a:lnTo>
+                  <a:pt x="8763" y="0"/>
+                </a:lnTo>
+                <a:close/>
+              </a:path>
+            </a:pathLst>
+          </a:custGeom>
+          <a:solidFill>
+            <a:schemeClr val="bg2"/>
+          </a:solidFill>
+          <a:ln w="0">
+            <a:noFill/>
+            <a:prstDash val="solid"/>
+            <a:round/>
+            <a:headEnd/>
+            <a:tailEnd/>
+          </a:ln>
+        </p:spPr>
+        <p:txBody>
+          <a:bodyPr/>
+          <a:lstStyle/>
+          <a:p>
+            <a:endParaRPr lang="en-US"/>
+          </a:p>
+        </p:txBody>
+      </p:sp>
+      <p:sp>
+        <p:nvSpPr>
+          <p:cNvPr id="17" name="Freeform 6">
+            <a:extLst>
+              <a:ext uri="{FF2B5EF4-FFF2-40B4-BE49-F238E27FC236}">
+                <a16:creationId xmlns:a16="http://schemas.microsoft.com/office/drawing/2014/main" id="{FB93F8E6-40C5-4DF8-B869-00349BD4600F}"/>
+              </a:ext>
+              <a:ext uri="{C183D7F6-B498-43B3-948B-1728B52AA6E4}">
+                <adec:decorative xmlns:adec="http://schemas.microsoft.com/office/drawing/2017/decorative" val="1"/>
+              </a:ext>
+            </a:extLst>
+          </p:cNvPr>
+          <p:cNvSpPr>
+            <a:spLocks noGrp="1" noRot="1" noChangeAspect="1" noMove="1" noResize="1" noEditPoints="1" noAdjustHandles="1" noChangeArrowheads="1" noChangeShapeType="1" noTextEdit="1"/>
+          </p:cNvSpPr>
+          <p:nvPr>
+            <p:extLst>
+              <p:ext uri="{386F3935-93C4-4BCD-93E2-E3B085C9AB24}">
+                <p16:designElem xmlns:p16="http://schemas.microsoft.com/office/powerpoint/2015/main" val="1"/>
+              </p:ext>
+            </p:extLst>
+          </p:nvPr>
+        </p:nvSpPr>
+        <p:spPr bwMode="auto">
+          <a:xfrm>
+            <a:off x="8151962" y="1685652"/>
+            <a:ext cx="3275013" cy="4408488"/>
+          </a:xfrm>
+          <a:custGeom>
+            <a:avLst/>
+            <a:gdLst/>
+            <a:ahLst/>
+            <a:cxnLst/>
+            <a:rect l="l" t="t" r="r" b="b"/>
+            <a:pathLst>
+              <a:path w="10000" h="10000">
+                <a:moveTo>
+                  <a:pt x="8761" y="0"/>
+                </a:moveTo>
+                <a:lnTo>
+                  <a:pt x="10000" y="0"/>
+                </a:lnTo>
+                <a:lnTo>
+                  <a:pt x="10000" y="10000"/>
+                </a:lnTo>
+                <a:lnTo>
+                  <a:pt x="0" y="10000"/>
+                </a:lnTo>
+                <a:lnTo>
+                  <a:pt x="0" y="9126"/>
+                </a:lnTo>
+                <a:lnTo>
+                  <a:pt x="8761" y="9127"/>
+                </a:lnTo>
+                <a:lnTo>
+                  <a:pt x="8761" y="0"/>
+                </a:lnTo>
+                <a:close/>
+              </a:path>
+            </a:pathLst>
+          </a:custGeom>
+          <a:solidFill>
+            <a:schemeClr val="bg2"/>
+          </a:solidFill>
+          <a:ln w="0">
+            <a:noFill/>
+            <a:prstDash val="solid"/>
+            <a:round/>
+            <a:headEnd/>
+            <a:tailEnd/>
+          </a:ln>
+        </p:spPr>
+        <p:txBody>
+          <a:bodyPr/>
+          <a:lstStyle/>
+          <a:p>
+            <a:endParaRPr lang="en-US"/>
+          </a:p>
+        </p:txBody>
+      </p:sp>
+      <p:sp>
+        <p:nvSpPr>
+          <p:cNvPr id="2" name="Title 1">
+            <a:extLst>
+              <a:ext uri="{FF2B5EF4-FFF2-40B4-BE49-F238E27FC236}">
+                <a16:creationId xmlns:a16="http://schemas.microsoft.com/office/drawing/2014/main" id="{C861482A-89E3-EAC0-F7F4-EC86694871DB}"/>
+              </a:ext>
+            </a:extLst>
+          </p:cNvPr>
+          <p:cNvSpPr>
+            <a:spLocks noGrp="1"/>
+          </p:cNvSpPr>
+          <p:nvPr>
+            <p:ph type="title"/>
+          </p:nvPr>
+        </p:nvSpPr>
+        <p:spPr>
+          <a:xfrm>
+            <a:off x="1909630" y="2379887"/>
+            <a:ext cx="8361229" cy="2098226"/>
+          </a:xfrm>
+        </p:spPr>
+        <p:txBody>
+          <a:bodyPr vert="horz" lIns="91440" tIns="45720" rIns="91440" bIns="45720" rtlCol="0" anchor="b">
+            <a:normAutofit fontScale="90000"/>
+          </a:bodyPr>
+          <a:lstStyle/>
+          <a:p>
+            <a:r>
+              <a:rPr lang="en-US" sz="7200" cap="all" spc="300" dirty="0">
+                <a:solidFill>
+                  <a:schemeClr val="bg2"/>
+                </a:solidFill>
+                <a:latin typeface="Smiley Sans Oblique" pitchFamily="2" charset="-122"/>
+                <a:ea typeface="Smiley Sans Oblique" pitchFamily="2" charset="-122"/>
+              </a:rPr>
+              <a:t>Stoploss</a:t>
+            </a:r>
+            <a:r>
+              <a:rPr lang="en-US" altLang="zh-CN" sz="7200" cap="all" spc="300" dirty="0">
+                <a:solidFill>
+                  <a:schemeClr val="bg2"/>
+                </a:solidFill>
+                <a:latin typeface="Smiley Sans Oblique" pitchFamily="2" charset="-122"/>
+                <a:ea typeface="Smiley Sans Oblique" pitchFamily="2" charset="-122"/>
+              </a:rPr>
+              <a:t> Criteria</a:t>
+            </a:r>
+            <a:br>
+              <a:rPr lang="en-US" altLang="zh-CN" sz="7200" cap="all" spc="300" dirty="0">
+                <a:solidFill>
+                  <a:schemeClr val="bg2"/>
+                </a:solidFill>
+                <a:latin typeface="Smiley Sans Oblique" pitchFamily="2" charset="-122"/>
+                <a:ea typeface="Smiley Sans Oblique" pitchFamily="2" charset="-122"/>
+              </a:rPr>
+            </a:br>
+            <a:br>
+              <a:rPr lang="en-US" altLang="zh-CN" sz="7200" cap="all" spc="300" dirty="0">
+                <a:solidFill>
+                  <a:schemeClr val="bg2"/>
+                </a:solidFill>
+                <a:latin typeface="Smiley Sans Oblique" pitchFamily="2" charset="-122"/>
+                <a:ea typeface="Smiley Sans Oblique" pitchFamily="2" charset="-122"/>
+              </a:rPr>
+            </a:br>
+            <a:r>
+              <a:rPr lang="zh-CN" altLang="en-US" sz="7200" cap="all" spc="300" dirty="0">
+                <a:solidFill>
+                  <a:schemeClr val="bg2"/>
+                </a:solidFill>
+                <a:latin typeface="Smiley Sans Oblique" pitchFamily="2" charset="-122"/>
+                <a:ea typeface="Smiley Sans Oblique" pitchFamily="2" charset="-122"/>
+              </a:rPr>
+              <a:t>止损</a:t>
+            </a:r>
+            <a:endParaRPr lang="en-US" sz="7200" cap="all" spc="300" dirty="0">
+              <a:solidFill>
+                <a:schemeClr val="bg2"/>
+              </a:solidFill>
+              <a:latin typeface="Smiley Sans Oblique" pitchFamily="2" charset="-122"/>
+              <a:ea typeface="Smiley Sans Oblique" pitchFamily="2" charset="-122"/>
+            </a:endParaRPr>
+          </a:p>
+        </p:txBody>
+      </p:sp>
+      <p:sp>
+        <p:nvSpPr>
+          <p:cNvPr id="4" name="Footer Placeholder 3">
+            <a:extLst>
+              <a:ext uri="{FF2B5EF4-FFF2-40B4-BE49-F238E27FC236}">
+                <a16:creationId xmlns:a16="http://schemas.microsoft.com/office/drawing/2014/main" id="{1EF66FA4-32AD-0D9F-25BD-ACFD3E564698}"/>
+              </a:ext>
+            </a:extLst>
+          </p:cNvPr>
+          <p:cNvSpPr>
+            <a:spLocks noGrp="1"/>
+          </p:cNvSpPr>
+          <p:nvPr>
+            <p:ph type="ftr" sz="quarter" idx="11"/>
+          </p:nvPr>
+        </p:nvSpPr>
+        <p:spPr/>
+        <p:txBody>
+          <a:bodyPr/>
+          <a:lstStyle/>
+          <a:p>
+            <a:pPr algn="ctr"/>
+            <a:r>
+              <a:rPr lang="en-US" spc="300" dirty="0">
+                <a:solidFill>
+                  <a:schemeClr val="bg2"/>
+                </a:solidFill>
+                <a:latin typeface="Smiley Sans Oblique" pitchFamily="2" charset="-122"/>
+                <a:ea typeface="Smiley Sans Oblique" pitchFamily="2" charset="-122"/>
+              </a:rPr>
+              <a:t>©️Chartist RaphaelZ</a:t>
+            </a:r>
+          </a:p>
+        </p:txBody>
+      </p:sp>
+    </p:spTree>
+    <p:extLst>
+      <p:ext uri="{BB962C8B-B14F-4D97-AF65-F5344CB8AC3E}">
+        <p14:creationId xmlns:p14="http://schemas.microsoft.com/office/powerpoint/2010/main" val="2225333196"/>
+      </p:ext>
+    </p:extLst>
+  </p:cSld>
+  <p:clrMapOvr>
+    <a:masterClrMapping/>
+  </p:clrMapOvr>
+</p:sld>
+</file>
+
+<file path=ppt/slides/slide9.xml><?xml version="1.0" encoding="utf-8"?>
+<p:sld xmlns:a="http://schemas.openxmlformats.org/drawingml/2006/main" xmlns:r="http://schemas.openxmlformats.org/officeDocument/2006/relationships" xmlns:p="http://schemas.openxmlformats.org/presentationml/2006/main">
+  <p:cSld>
+    <p:bg>
+      <p:bgPr>
+        <a:solidFill>
+          <a:schemeClr val="bg2"/>
+        </a:solidFill>
+        <a:effectLst/>
+      </p:bgPr>
+    </p:bg>
+    <p:spTree>
+      <p:nvGrpSpPr>
+        <p:cNvPr id="1" name=""/>
+        <p:cNvGrpSpPr/>
+        <p:nvPr/>
+      </p:nvGrpSpPr>
+      <p:grpSpPr>
+        <a:xfrm>
+          <a:off x="0" y="0"/>
+          <a:ext cx="0" cy="0"/>
+          <a:chOff x="0" y="0"/>
+          <a:chExt cx="0" cy="0"/>
+        </a:xfrm>
+      </p:grpSpPr>
+      <p:grpSp>
+        <p:nvGrpSpPr>
+          <p:cNvPr id="9" name="Group 8">
+            <a:extLst>
+              <a:ext uri="{FF2B5EF4-FFF2-40B4-BE49-F238E27FC236}">
+                <a16:creationId xmlns:a16="http://schemas.microsoft.com/office/drawing/2014/main" id="{9D9D6BF1-DFF2-4526-9D13-BF339D8C4163}"/>
+              </a:ext>
+              <a:ext uri="{C183D7F6-B498-43B3-948B-1728B52AA6E4}">
+                <adec:decorative xmlns:adec="http://schemas.microsoft.com/office/drawing/2017/decorative" val="1"/>
+              </a:ext>
+            </a:extLst>
+          </p:cNvPr>
+          <p:cNvGrpSpPr>
+            <a:grpSpLocks noGrp="1" noUngrp="1" noRot="1" noChangeAspect="1" noMove="1" noResize="1"/>
+          </p:cNvGrpSpPr>
+          <p:nvPr>
+            <p:extLst>
+              <p:ext uri="{386F3935-93C4-4BCD-93E2-E3B085C9AB24}">
+                <p16:designElem xmlns:p16="http://schemas.microsoft.com/office/powerpoint/2015/main" val="1"/>
+              </p:ext>
+            </p:extLst>
+          </p:nvPr>
+        </p:nvGrpSpPr>
+        <p:grpSpPr>
+          <a:xfrm>
+            <a:off x="752858" y="744469"/>
+            <a:ext cx="10674117" cy="5349671"/>
+            <a:chOff x="752858" y="744469"/>
+            <a:chExt cx="10674117" cy="5349671"/>
+          </a:xfrm>
+        </p:grpSpPr>
+        <p:sp>
+          <p:nvSpPr>
+            <p:cNvPr id="10" name="Freeform 6">
+              <a:extLst>
+                <a:ext uri="{FF2B5EF4-FFF2-40B4-BE49-F238E27FC236}">
+                  <a16:creationId xmlns:a16="http://schemas.microsoft.com/office/drawing/2014/main" id="{A54D4DB6-FB18-4CAE-8905-E0053C92569E}"/>
+                </a:ext>
+                <a:ext uri="{C183D7F6-B498-43B3-948B-1728B52AA6E4}">
+                  <adec:decorative xmlns:adec="http://schemas.microsoft.com/office/drawing/2017/decorative" val="1"/>
+                </a:ext>
+              </a:extLst>
+            </p:cNvPr>
+            <p:cNvSpPr/>
+            <p:nvPr>
+              <p:extLst>
+                <p:ext uri="{386F3935-93C4-4BCD-93E2-E3B085C9AB24}">
+                  <p16:designElem xmlns:p16="http://schemas.microsoft.com/office/powerpoint/2015/main" val="1"/>
+                </p:ext>
+              </p:extLst>
+            </p:nvPr>
+          </p:nvSpPr>
+          <p:spPr bwMode="auto">
+            <a:xfrm>
+              <a:off x="8151962" y="1685652"/>
+              <a:ext cx="3275013" cy="4408488"/>
+            </a:xfrm>
+            <a:custGeom>
+              <a:avLst/>
+              <a:gdLst/>
+              <a:ahLst/>
+              <a:cxnLst/>
+              <a:rect l="l" t="t" r="r" b="b"/>
+              <a:pathLst>
+                <a:path w="10000" h="10000">
+                  <a:moveTo>
+                    <a:pt x="8761" y="0"/>
+                  </a:moveTo>
+                  <a:lnTo>
+                    <a:pt x="10000" y="0"/>
+                  </a:lnTo>
+                  <a:lnTo>
+                    <a:pt x="10000" y="10000"/>
+                  </a:lnTo>
+                  <a:lnTo>
+                    <a:pt x="0" y="10000"/>
+                  </a:lnTo>
+                  <a:lnTo>
+                    <a:pt x="0" y="9126"/>
+                  </a:lnTo>
+                  <a:lnTo>
+                    <a:pt x="8761" y="9127"/>
+                  </a:lnTo>
+                  <a:lnTo>
+                    <a:pt x="8761" y="0"/>
+                  </a:lnTo>
+                  <a:close/>
+                </a:path>
+              </a:pathLst>
+            </a:custGeom>
+            <a:solidFill>
+              <a:schemeClr val="tx2"/>
+            </a:solidFill>
+            <a:ln w="0">
+              <a:noFill/>
+              <a:prstDash val="solid"/>
+              <a:round/>
+              <a:headEnd/>
+              <a:tailEnd/>
+            </a:ln>
+          </p:spPr>
+          <p:txBody>
+            <a:bodyPr/>
+            <a:lstStyle/>
+            <a:p>
+              <a:endParaRPr lang="en-US"/>
+            </a:p>
+          </p:txBody>
+        </p:sp>
+        <p:sp>
+          <p:nvSpPr>
+            <p:cNvPr id="11" name="Freeform 6">
+              <a:extLst>
+                <a:ext uri="{FF2B5EF4-FFF2-40B4-BE49-F238E27FC236}">
+                  <a16:creationId xmlns:a16="http://schemas.microsoft.com/office/drawing/2014/main" id="{1DBD6488-9429-4FFA-8AE8-C4022C39B0F2}"/>
+                </a:ext>
+                <a:ext uri="{C183D7F6-B498-43B3-948B-1728B52AA6E4}">
+                  <adec:decorative xmlns:adec="http://schemas.microsoft.com/office/drawing/2017/decorative" val="1"/>
+                </a:ext>
+              </a:extLst>
+            </p:cNvPr>
+            <p:cNvSpPr/>
+            <p:nvPr>
+              <p:extLst>
+                <p:ext uri="{386F3935-93C4-4BCD-93E2-E3B085C9AB24}">
+                  <p16:designElem xmlns:p16="http://schemas.microsoft.com/office/powerpoint/2015/main" val="1"/>
+                </p:ext>
+              </p:extLst>
+            </p:nvPr>
+          </p:nvSpPr>
+          <p:spPr bwMode="auto">
+            <a:xfrm flipH="1" flipV="1">
+              <a:off x="752858" y="744469"/>
+              <a:ext cx="3275668" cy="4408488"/>
+            </a:xfrm>
+            <a:custGeom>
+              <a:avLst/>
+              <a:gdLst/>
+              <a:ahLst/>
+              <a:cxnLst/>
+              <a:rect l="l" t="t" r="r" b="b"/>
+              <a:pathLst>
+                <a:path w="10002" h="10000">
+                  <a:moveTo>
+                    <a:pt x="8763" y="0"/>
+                  </a:moveTo>
+                  <a:lnTo>
+                    <a:pt x="10002" y="0"/>
+                  </a:lnTo>
+                  <a:lnTo>
+                    <a:pt x="10002" y="10000"/>
+                  </a:lnTo>
+                  <a:lnTo>
+                    <a:pt x="2" y="10000"/>
+                  </a:lnTo>
+                  <a:cubicBezTo>
+                    <a:pt x="-2" y="9698"/>
+                    <a:pt x="4" y="9427"/>
+                    <a:pt x="0" y="9125"/>
+                  </a:cubicBezTo>
+                  <a:lnTo>
+                    <a:pt x="8763" y="9128"/>
+                  </a:lnTo>
+                  <a:lnTo>
+                    <a:pt x="8763" y="0"/>
+                  </a:lnTo>
+                  <a:close/>
+                </a:path>
+              </a:pathLst>
+            </a:custGeom>
+            <a:solidFill>
+              <a:schemeClr val="tx2"/>
+            </a:solidFill>
+            <a:ln w="0">
+              <a:noFill/>
+              <a:prstDash val="solid"/>
+              <a:round/>
+              <a:headEnd/>
+              <a:tailEnd/>
+            </a:ln>
+          </p:spPr>
+          <p:txBody>
+            <a:bodyPr/>
+            <a:lstStyle/>
+            <a:p>
+              <a:endParaRPr lang="en-US"/>
+            </a:p>
+          </p:txBody>
+        </p:sp>
+      </p:grpSp>
+      <p:pic>
+        <p:nvPicPr>
+          <p:cNvPr id="5" name="Picture 4" descr="Ball rolling downstairs">
+            <a:extLst>
+              <a:ext uri="{FF2B5EF4-FFF2-40B4-BE49-F238E27FC236}">
+                <a16:creationId xmlns:a16="http://schemas.microsoft.com/office/drawing/2014/main" id="{8091E6A7-4F97-03E7-A02C-B2E468EBAD3F}"/>
+              </a:ext>
+            </a:extLst>
+          </p:cNvPr>
+          <p:cNvPicPr>
+            <a:picLocks noChangeAspect="1"/>
+          </p:cNvPicPr>
+          <p:nvPr/>
+        </p:nvPicPr>
+        <p:blipFill rotWithShape="1">
+          <a:blip r:embed="rId2">
+            <a:grayscl/>
+          </a:blip>
+          <a:srcRect t="19627"/>
+          <a:stretch/>
+        </p:blipFill>
+        <p:spPr>
+          <a:xfrm>
+            <a:off x="20" y="289942"/>
+            <a:ext cx="12191980" cy="6859300"/>
+          </a:xfrm>
+          <a:prstGeom prst="rect">
+            <a:avLst/>
+          </a:prstGeom>
+        </p:spPr>
+      </p:pic>
+      <p:sp>
+        <p:nvSpPr>
+          <p:cNvPr id="13" name="Rectangle 12">
+            <a:extLst>
+              <a:ext uri="{FF2B5EF4-FFF2-40B4-BE49-F238E27FC236}">
+                <a16:creationId xmlns:a16="http://schemas.microsoft.com/office/drawing/2014/main" id="{ED9C10B4-E6CF-4138-A430-ADE3DCF0FE70}"/>
+              </a:ext>
+              <a:ext uri="{C183D7F6-B498-43B3-948B-1728B52AA6E4}">
+                <adec:decorative xmlns:adec="http://schemas.microsoft.com/office/drawing/2017/decorative" val="1"/>
+              </a:ext>
+            </a:extLst>
+          </p:cNvPr>
+          <p:cNvSpPr>
+            <a:spLocks noGrp="1" noRot="1" noChangeAspect="1" noMove="1" noResize="1" noEditPoints="1" noAdjustHandles="1" noChangeArrowheads="1" noChangeShapeType="1" noTextEdit="1"/>
+          </p:cNvSpPr>
+          <p:nvPr>
+            <p:extLst>
+              <p:ext uri="{386F3935-93C4-4BCD-93E2-E3B085C9AB24}">
+                <p16:designElem xmlns:p16="http://schemas.microsoft.com/office/powerpoint/2015/main" val="1"/>
+              </p:ext>
+            </p:extLst>
+          </p:nvPr>
+        </p:nvSpPr>
+        <p:spPr bwMode="ltGray">
+          <a:xfrm>
+            <a:off x="-258" y="0"/>
+            <a:ext cx="12192000" cy="6858000"/>
+          </a:xfrm>
+          <a:prstGeom prst="rect">
+            <a:avLst/>
+          </a:prstGeom>
+          <a:gradFill flip="none" rotWithShape="1">
+            <a:gsLst>
+              <a:gs pos="20000">
+                <a:schemeClr val="tx2">
+                  <a:alpha val="70000"/>
+                </a:schemeClr>
+              </a:gs>
+              <a:gs pos="100000">
+                <a:schemeClr val="tx2"/>
+              </a:gs>
+            </a:gsLst>
+            <a:path path="circle">
+              <a:fillToRect l="50000" t="50000" r="50000" b="50000"/>
+            </a:path>
+            <a:tileRect/>
+          </a:gradFill>
+          <a:ln>
+            <a:noFill/>
+          </a:ln>
+        </p:spPr>
+        <p:style>
+          <a:lnRef idx="2">
+            <a:schemeClr val="accent1">
+              <a:shade val="50000"/>
+            </a:schemeClr>
+          </a:lnRef>
+          <a:fillRef idx="1">
+            <a:schemeClr val="accent1"/>
+          </a:fillRef>
+          <a:effectRef idx="0">
+            <a:schemeClr val="accent1"/>
+          </a:effectRef>
+          <a:fontRef idx="minor">
+            <a:schemeClr val="lt1"/>
+          </a:fontRef>
+        </p:style>
+        <p:txBody>
+          <a:bodyPr rtlCol="0" anchor="ctr"/>
+          <a:lstStyle/>
+          <a:p>
+            <a:pPr algn="ctr"/>
+            <a:endParaRPr lang="en-US"/>
+          </a:p>
+        </p:txBody>
+      </p:sp>
+      <p:sp>
+        <p:nvSpPr>
+          <p:cNvPr id="15" name="Freeform 6">
+            <a:extLst>
+              <a:ext uri="{FF2B5EF4-FFF2-40B4-BE49-F238E27FC236}">
+                <a16:creationId xmlns:a16="http://schemas.microsoft.com/office/drawing/2014/main" id="{59A08B30-802F-44BB-8817-40AAE17DBE8A}"/>
+              </a:ext>
+              <a:ext uri="{C183D7F6-B498-43B3-948B-1728B52AA6E4}">
+                <adec:decorative xmlns:adec="http://schemas.microsoft.com/office/drawing/2017/decorative" val="1"/>
+              </a:ext>
+            </a:extLst>
+          </p:cNvPr>
+          <p:cNvSpPr>
+            <a:spLocks noGrp="1" noRot="1" noChangeAspect="1" noMove="1" noResize="1" noEditPoints="1" noAdjustHandles="1" noChangeArrowheads="1" noChangeShapeType="1" noTextEdit="1"/>
+          </p:cNvSpPr>
+          <p:nvPr>
+            <p:extLst>
+              <p:ext uri="{386F3935-93C4-4BCD-93E2-E3B085C9AB24}">
+                <p16:designElem xmlns:p16="http://schemas.microsoft.com/office/powerpoint/2015/main" val="1"/>
+              </p:ext>
+            </p:extLst>
+          </p:nvPr>
+        </p:nvSpPr>
+        <p:spPr bwMode="auto">
+          <a:xfrm flipH="1" flipV="1">
+            <a:off x="752858" y="744469"/>
+            <a:ext cx="3275668" cy="4408488"/>
+          </a:xfrm>
+          <a:custGeom>
+            <a:avLst/>
+            <a:gdLst/>
+            <a:ahLst/>
+            <a:cxnLst/>
+            <a:rect l="l" t="t" r="r" b="b"/>
+            <a:pathLst>
+              <a:path w="10002" h="10000">
+                <a:moveTo>
+                  <a:pt x="8763" y="0"/>
+                </a:moveTo>
+                <a:lnTo>
+                  <a:pt x="10002" y="0"/>
+                </a:lnTo>
+                <a:lnTo>
+                  <a:pt x="10002" y="10000"/>
+                </a:lnTo>
+                <a:lnTo>
+                  <a:pt x="2" y="10000"/>
+                </a:lnTo>
+                <a:cubicBezTo>
+                  <a:pt x="-2" y="9698"/>
+                  <a:pt x="4" y="9427"/>
+                  <a:pt x="0" y="9125"/>
+                </a:cubicBezTo>
+                <a:lnTo>
+                  <a:pt x="8763" y="9128"/>
+                </a:lnTo>
+                <a:lnTo>
+                  <a:pt x="8763" y="0"/>
+                </a:lnTo>
+                <a:close/>
+              </a:path>
+            </a:pathLst>
+          </a:custGeom>
+          <a:solidFill>
+            <a:schemeClr val="bg2"/>
+          </a:solidFill>
+          <a:ln w="0">
+            <a:noFill/>
+            <a:prstDash val="solid"/>
+            <a:round/>
+            <a:headEnd/>
+            <a:tailEnd/>
+          </a:ln>
+        </p:spPr>
+        <p:txBody>
+          <a:bodyPr/>
+          <a:lstStyle/>
+          <a:p>
+            <a:endParaRPr lang="en-US"/>
+          </a:p>
+        </p:txBody>
+      </p:sp>
+      <p:sp>
+        <p:nvSpPr>
+          <p:cNvPr id="17" name="Freeform 6">
+            <a:extLst>
+              <a:ext uri="{FF2B5EF4-FFF2-40B4-BE49-F238E27FC236}">
+                <a16:creationId xmlns:a16="http://schemas.microsoft.com/office/drawing/2014/main" id="{FB93F8E6-40C5-4DF8-B869-00349BD4600F}"/>
+              </a:ext>
+              <a:ext uri="{C183D7F6-B498-43B3-948B-1728B52AA6E4}">
+                <adec:decorative xmlns:adec="http://schemas.microsoft.com/office/drawing/2017/decorative" val="1"/>
+              </a:ext>
+            </a:extLst>
+          </p:cNvPr>
+          <p:cNvSpPr>
+            <a:spLocks noGrp="1" noRot="1" noChangeAspect="1" noMove="1" noResize="1" noEditPoints="1" noAdjustHandles="1" noChangeArrowheads="1" noChangeShapeType="1" noTextEdit="1"/>
+          </p:cNvSpPr>
+          <p:nvPr>
+            <p:extLst>
+              <p:ext uri="{386F3935-93C4-4BCD-93E2-E3B085C9AB24}">
+                <p16:designElem xmlns:p16="http://schemas.microsoft.com/office/powerpoint/2015/main" val="1"/>
+              </p:ext>
+            </p:extLst>
+          </p:nvPr>
+        </p:nvSpPr>
+        <p:spPr bwMode="auto">
+          <a:xfrm>
+            <a:off x="8151962" y="1685652"/>
+            <a:ext cx="3275013" cy="4408488"/>
+          </a:xfrm>
+          <a:custGeom>
+            <a:avLst/>
+            <a:gdLst/>
+            <a:ahLst/>
+            <a:cxnLst/>
+            <a:rect l="l" t="t" r="r" b="b"/>
+            <a:pathLst>
+              <a:path w="10000" h="10000">
+                <a:moveTo>
+                  <a:pt x="8761" y="0"/>
+                </a:moveTo>
+                <a:lnTo>
+                  <a:pt x="10000" y="0"/>
+                </a:lnTo>
+                <a:lnTo>
+                  <a:pt x="10000" y="10000"/>
+                </a:lnTo>
+                <a:lnTo>
+                  <a:pt x="0" y="10000"/>
+                </a:lnTo>
+                <a:lnTo>
+                  <a:pt x="0" y="9126"/>
+                </a:lnTo>
+                <a:lnTo>
+                  <a:pt x="8761" y="9127"/>
+                </a:lnTo>
+                <a:lnTo>
+                  <a:pt x="8761" y="0"/>
+                </a:lnTo>
+                <a:close/>
+              </a:path>
+            </a:pathLst>
+          </a:custGeom>
+          <a:solidFill>
+            <a:schemeClr val="bg2"/>
+          </a:solidFill>
+          <a:ln w="0">
+            <a:noFill/>
+            <a:prstDash val="solid"/>
+            <a:round/>
+            <a:headEnd/>
+            <a:tailEnd/>
+          </a:ln>
+        </p:spPr>
+        <p:txBody>
+          <a:bodyPr/>
+          <a:lstStyle/>
+          <a:p>
+            <a:endParaRPr lang="en-US"/>
+          </a:p>
+        </p:txBody>
+      </p:sp>
+      <p:sp>
+        <p:nvSpPr>
+          <p:cNvPr id="2" name="Title 1">
+            <a:extLst>
+              <a:ext uri="{FF2B5EF4-FFF2-40B4-BE49-F238E27FC236}">
+                <a16:creationId xmlns:a16="http://schemas.microsoft.com/office/drawing/2014/main" id="{26844C4E-C2AF-C271-7967-F3ADC691241D}"/>
+              </a:ext>
+            </a:extLst>
+          </p:cNvPr>
+          <p:cNvSpPr>
+            <a:spLocks noGrp="1"/>
+          </p:cNvSpPr>
+          <p:nvPr>
+            <p:ph type="title"/>
+          </p:nvPr>
+        </p:nvSpPr>
+        <p:spPr>
+          <a:xfrm>
+            <a:off x="1915127" y="2387548"/>
+            <a:ext cx="8361229" cy="2098226"/>
+          </a:xfrm>
+        </p:spPr>
+        <p:txBody>
+          <a:bodyPr vert="horz" lIns="91440" tIns="45720" rIns="91440" bIns="45720" rtlCol="0" anchor="b">
+            <a:normAutofit fontScale="90000"/>
+          </a:bodyPr>
+          <a:lstStyle/>
+          <a:p>
+            <a:r>
+              <a:rPr lang="en-US" sz="7200" cap="all" spc="300" dirty="0">
+                <a:solidFill>
+                  <a:schemeClr val="bg2"/>
+                </a:solidFill>
+                <a:latin typeface="Smiley Sans Oblique" pitchFamily="2" charset="-122"/>
+                <a:ea typeface="Smiley Sans Oblique" pitchFamily="2" charset="-122"/>
+              </a:rPr>
+              <a:t>Sub</a:t>
+            </a:r>
+            <a:r>
+              <a:rPr lang="en-US" altLang="zh-CN" sz="7200" cap="all" spc="300" dirty="0">
+                <a:solidFill>
+                  <a:schemeClr val="bg2"/>
+                </a:solidFill>
+                <a:latin typeface="Smiley Sans Oblique" pitchFamily="2" charset="-122"/>
+                <a:ea typeface="Smiley Sans Oblique" pitchFamily="2" charset="-122"/>
+              </a:rPr>
+              <a:t> Entry Levels</a:t>
+            </a:r>
+            <a:br>
+              <a:rPr lang="en-US" altLang="zh-CN" sz="7200" cap="all" spc="300" dirty="0">
+                <a:solidFill>
+                  <a:schemeClr val="bg2"/>
+                </a:solidFill>
+                <a:latin typeface="Smiley Sans Oblique" pitchFamily="2" charset="-122"/>
+                <a:ea typeface="Smiley Sans Oblique" pitchFamily="2" charset="-122"/>
+              </a:rPr>
+            </a:br>
+            <a:br>
+              <a:rPr lang="en-US" altLang="zh-CN" sz="7200" cap="all" spc="300" dirty="0">
+                <a:solidFill>
+                  <a:schemeClr val="bg2"/>
+                </a:solidFill>
+                <a:latin typeface="Smiley Sans Oblique" pitchFamily="2" charset="-122"/>
+                <a:ea typeface="Smiley Sans Oblique" pitchFamily="2" charset="-122"/>
+              </a:rPr>
+            </a:br>
+            <a:r>
+              <a:rPr lang="zh-CN" altLang="en-US" sz="7200" cap="all" spc="300" dirty="0">
+                <a:solidFill>
+                  <a:schemeClr val="bg2"/>
+                </a:solidFill>
+                <a:latin typeface="Smiley Sans Oblique" pitchFamily="2" charset="-122"/>
+                <a:ea typeface="Smiley Sans Oblique" pitchFamily="2" charset="-122"/>
+              </a:rPr>
+              <a:t>分批</a:t>
+            </a:r>
+            <a:endParaRPr lang="en-US" sz="7200" cap="all" spc="300" dirty="0">
+              <a:solidFill>
+                <a:schemeClr val="bg2"/>
+              </a:solidFill>
+              <a:latin typeface="Smiley Sans Oblique" pitchFamily="2" charset="-122"/>
+              <a:ea typeface="Smiley Sans Oblique" pitchFamily="2" charset="-122"/>
+            </a:endParaRPr>
+          </a:p>
+        </p:txBody>
+      </p:sp>
+      <p:sp>
+        <p:nvSpPr>
+          <p:cNvPr id="4" name="Footer Placeholder 3">
+            <a:extLst>
+              <a:ext uri="{FF2B5EF4-FFF2-40B4-BE49-F238E27FC236}">
+                <a16:creationId xmlns:a16="http://schemas.microsoft.com/office/drawing/2014/main" id="{60B11539-32CD-C452-52E5-C605BE4E6AB5}"/>
+              </a:ext>
+            </a:extLst>
+          </p:cNvPr>
+          <p:cNvSpPr>
+            <a:spLocks noGrp="1"/>
+          </p:cNvSpPr>
+          <p:nvPr>
+            <p:ph type="ftr" sz="quarter" idx="11"/>
+          </p:nvPr>
+        </p:nvSpPr>
+        <p:spPr/>
+        <p:txBody>
+          <a:bodyPr/>
+          <a:lstStyle/>
+          <a:p>
+            <a:pPr algn="ctr"/>
+            <a:r>
+              <a:rPr lang="en-US" spc="300" dirty="0">
+                <a:solidFill>
+                  <a:schemeClr val="bg2"/>
+                </a:solidFill>
+                <a:latin typeface="Smiley Sans Oblique" pitchFamily="2" charset="-122"/>
+                <a:ea typeface="Smiley Sans Oblique" pitchFamily="2" charset="-122"/>
+              </a:rPr>
+              <a:t>©️Chartist RaphaelZ</a:t>
+            </a:r>
+          </a:p>
+        </p:txBody>
+      </p:sp>
+    </p:spTree>
+    <p:extLst>
+      <p:ext uri="{BB962C8B-B14F-4D97-AF65-F5344CB8AC3E}">
+        <p14:creationId xmlns:p14="http://schemas.microsoft.com/office/powerpoint/2010/main" val="1450099396"/>
       </p:ext>
     </p:extLst>
   </p:cSld>
@@ -4342,4 +10118,319 @@
     </a:ext>
   </a:extLst>
 </a:theme>
+</file>
+
+<file path=ppt/theme/theme2.xml><?xml version="1.0" encoding="utf-8"?>
+<a:theme xmlns:a="http://schemas.openxmlformats.org/drawingml/2006/main" name="Office Theme">
+  <a:themeElements>
+    <a:clrScheme name="Office">
+      <a:dk1>
+        <a:sysClr val="windowText" lastClr="000000"/>
+      </a:dk1>
+      <a:lt1>
+        <a:sysClr val="window" lastClr="FFFFFF"/>
+      </a:lt1>
+      <a:dk2>
+        <a:srgbClr val="0E2841"/>
+      </a:dk2>
+      <a:lt2>
+        <a:srgbClr val="E8E8E8"/>
+      </a:lt2>
+      <a:accent1>
+        <a:srgbClr val="156082"/>
+      </a:accent1>
+      <a:accent2>
+        <a:srgbClr val="E97132"/>
+      </a:accent2>
+      <a:accent3>
+        <a:srgbClr val="196B24"/>
+      </a:accent3>
+      <a:accent4>
+        <a:srgbClr val="0F9ED5"/>
+      </a:accent4>
+      <a:accent5>
+        <a:srgbClr val="A02B93"/>
+      </a:accent5>
+      <a:accent6>
+        <a:srgbClr val="4EA72E"/>
+      </a:accent6>
+      <a:hlink>
+        <a:srgbClr val="467886"/>
+      </a:hlink>
+      <a:folHlink>
+        <a:srgbClr val="96607D"/>
+      </a:folHlink>
+    </a:clrScheme>
+    <a:fontScheme name="Office">
+      <a:majorFont>
+        <a:latin typeface="Aptos Display" panose="02110004020202020204"/>
+        <a:ea typeface=""/>
+        <a:cs typeface=""/>
+        <a:font script="Jpan" typeface="游ゴシック Light"/>
+        <a:font script="Hang" typeface="맑은 고딕"/>
+        <a:font script="Hans" typeface="等线 Light"/>
+        <a:font script="Hant" typeface="新細明體"/>
+        <a:font script="Arab" typeface="Times New Roman"/>
+        <a:font script="Hebr" typeface="Times New Roman"/>
+        <a:font script="Thai" typeface="Angsana New"/>
+        <a:font script="Ethi" typeface="Nyala"/>
+        <a:font script="Beng" typeface="Vrinda"/>
+        <a:font script="Gujr" typeface="Shruti"/>
+        <a:font script="Khmr" typeface="MoolBoran"/>
+        <a:font script="Knda" typeface="Tunga"/>
+        <a:font script="Guru" typeface="Raavi"/>
+        <a:font script="Cans" typeface="Euphemia"/>
+        <a:font script="Cher" typeface="Plantagenet Cherokee"/>
+        <a:font script="Yiii" typeface="Microsoft Yi Baiti"/>
+        <a:font script="Tibt" typeface="Microsoft Himalaya"/>
+        <a:font script="Thaa" typeface="MV Boli"/>
+        <a:font script="Deva" typeface="Mangal"/>
+        <a:font script="Telu" typeface="Gautami"/>
+        <a:font script="Taml" typeface="Latha"/>
+        <a:font script="Syrc" typeface="Estrangelo Edessa"/>
+        <a:font script="Orya" typeface="Kalinga"/>
+        <a:font script="Mlym" typeface="Kartika"/>
+        <a:font script="Laoo" typeface="DokChampa"/>
+        <a:font script="Sinh" typeface="Iskoola Pota"/>
+        <a:font script="Mong" typeface="Mongolian Baiti"/>
+        <a:font script="Viet" typeface="Times New Roman"/>
+        <a:font script="Uigh" typeface="Microsoft Uighur"/>
+        <a:font script="Geor" typeface="Sylfaen"/>
+        <a:font script="Armn" typeface="Arial"/>
+        <a:font script="Bugi" typeface="Leelawadee UI"/>
+        <a:font script="Bopo" typeface="Microsoft JhengHei"/>
+        <a:font script="Java" typeface="Javanese Text"/>
+        <a:font script="Lisu" typeface="Segoe UI"/>
+        <a:font script="Mymr" typeface="Myanmar Text"/>
+        <a:font script="Nkoo" typeface="Ebrima"/>
+        <a:font script="Olck" typeface="Nirmala UI"/>
+        <a:font script="Osma" typeface="Ebrima"/>
+        <a:font script="Phag" typeface="Phagspa"/>
+        <a:font script="Syrn" typeface="Estrangelo Edessa"/>
+        <a:font script="Syrj" typeface="Estrangelo Edessa"/>
+        <a:font script="Syre" typeface="Estrangelo Edessa"/>
+        <a:font script="Sora" typeface="Nirmala UI"/>
+        <a:font script="Tale" typeface="Microsoft Tai Le"/>
+        <a:font script="Talu" typeface="Microsoft New Tai Lue"/>
+        <a:font script="Tfng" typeface="Ebrima"/>
+      </a:majorFont>
+      <a:minorFont>
+        <a:latin typeface="Aptos" panose="02110004020202020204"/>
+        <a:ea typeface=""/>
+        <a:cs typeface=""/>
+        <a:font script="Jpan" typeface="游ゴシック"/>
+        <a:font script="Hang" typeface="맑은 고딕"/>
+        <a:font script="Hans" typeface="等线"/>
+        <a:font script="Hant" typeface="新細明體"/>
+        <a:font script="Arab" typeface="Arial"/>
+        <a:font script="Hebr" typeface="Arial"/>
+        <a:font script="Thai" typeface="Cordia New"/>
+        <a:font script="Ethi" typeface="Nyala"/>
+        <a:font script="Beng" typeface="Vrinda"/>
+        <a:font script="Gujr" typeface="Shruti"/>
+        <a:font script="Khmr" typeface="DaunPenh"/>
+        <a:font script="Knda" typeface="Tunga"/>
+        <a:font script="Guru" typeface="Raavi"/>
+        <a:font script="Cans" typeface="Euphemia"/>
+        <a:font script="Cher" typeface="Plantagenet Cherokee"/>
+        <a:font script="Yiii" typeface="Microsoft Yi Baiti"/>
+        <a:font script="Tibt" typeface="Microsoft Himalaya"/>
+        <a:font script="Thaa" typeface="MV Boli"/>
+        <a:font script="Deva" typeface="Mangal"/>
+        <a:font script="Telu" typeface="Gautami"/>
+        <a:font script="Taml" typeface="Latha"/>
+        <a:font script="Syrc" typeface="Estrangelo Edessa"/>
+        <a:font script="Orya" typeface="Kalinga"/>
+        <a:font script="Mlym" typeface="Kartika"/>
+        <a:font script="Laoo" typeface="DokChampa"/>
+        <a:font script="Sinh" typeface="Iskoola Pota"/>
+        <a:font script="Mong" typeface="Mongolian Baiti"/>
+        <a:font script="Viet" typeface="Arial"/>
+        <a:font script="Uigh" typeface="Microsoft Uighur"/>
+        <a:font script="Geor" typeface="Sylfaen"/>
+        <a:font script="Armn" typeface="Arial"/>
+        <a:font script="Bugi" typeface="Leelawadee UI"/>
+        <a:font script="Bopo" typeface="Microsoft JhengHei"/>
+        <a:font script="Java" typeface="Javanese Text"/>
+        <a:font script="Lisu" typeface="Segoe UI"/>
+        <a:font script="Mymr" typeface="Myanmar Text"/>
+        <a:font script="Nkoo" typeface="Ebrima"/>
+        <a:font script="Olck" typeface="Nirmala UI"/>
+        <a:font script="Osma" typeface="Ebrima"/>
+        <a:font script="Phag" typeface="Phagspa"/>
+        <a:font script="Syrn" typeface="Estrangelo Edessa"/>
+        <a:font script="Syrj" typeface="Estrangelo Edessa"/>
+        <a:font script="Syre" typeface="Estrangelo Edessa"/>
+        <a:font script="Sora" typeface="Nirmala UI"/>
+        <a:font script="Tale" typeface="Microsoft Tai Le"/>
+        <a:font script="Talu" typeface="Microsoft New Tai Lue"/>
+        <a:font script="Tfng" typeface="Ebrima"/>
+      </a:minorFont>
+    </a:fontScheme>
+    <a:fmtScheme name="Office">
+      <a:fillStyleLst>
+        <a:solidFill>
+          <a:schemeClr val="phClr"/>
+        </a:solidFill>
+        <a:gradFill rotWithShape="1">
+          <a:gsLst>
+            <a:gs pos="0">
+              <a:schemeClr val="phClr">
+                <a:lumMod val="110000"/>
+                <a:satMod val="105000"/>
+                <a:tint val="67000"/>
+              </a:schemeClr>
+            </a:gs>
+            <a:gs pos="50000">
+              <a:schemeClr val="phClr">
+                <a:lumMod val="105000"/>
+                <a:satMod val="103000"/>
+                <a:tint val="73000"/>
+              </a:schemeClr>
+            </a:gs>
+            <a:gs pos="100000">
+              <a:schemeClr val="phClr">
+                <a:lumMod val="105000"/>
+                <a:satMod val="109000"/>
+                <a:tint val="81000"/>
+              </a:schemeClr>
+            </a:gs>
+          </a:gsLst>
+          <a:lin ang="5400000" scaled="0"/>
+        </a:gradFill>
+        <a:gradFill rotWithShape="1">
+          <a:gsLst>
+            <a:gs pos="0">
+              <a:schemeClr val="phClr">
+                <a:satMod val="103000"/>
+                <a:lumMod val="102000"/>
+                <a:tint val="94000"/>
+              </a:schemeClr>
+            </a:gs>
+            <a:gs pos="50000">
+              <a:schemeClr val="phClr">
+                <a:satMod val="110000"/>
+                <a:lumMod val="100000"/>
+                <a:shade val="100000"/>
+              </a:schemeClr>
+            </a:gs>
+            <a:gs pos="100000">
+              <a:schemeClr val="phClr">
+                <a:lumMod val="99000"/>
+                <a:satMod val="120000"/>
+                <a:shade val="78000"/>
+              </a:schemeClr>
+            </a:gs>
+          </a:gsLst>
+          <a:lin ang="5400000" scaled="0"/>
+        </a:gradFill>
+      </a:fillStyleLst>
+      <a:lnStyleLst>
+        <a:ln w="12700" cap="flat" cmpd="sng" algn="ctr">
+          <a:solidFill>
+            <a:schemeClr val="phClr"/>
+          </a:solidFill>
+          <a:prstDash val="solid"/>
+          <a:miter lim="800000"/>
+        </a:ln>
+        <a:ln w="19050" cap="flat" cmpd="sng" algn="ctr">
+          <a:solidFill>
+            <a:schemeClr val="phClr"/>
+          </a:solidFill>
+          <a:prstDash val="solid"/>
+          <a:miter lim="800000"/>
+        </a:ln>
+        <a:ln w="25400" cap="flat" cmpd="sng" algn="ctr">
+          <a:solidFill>
+            <a:schemeClr val="phClr"/>
+          </a:solidFill>
+          <a:prstDash val="solid"/>
+          <a:miter lim="800000"/>
+        </a:ln>
+      </a:lnStyleLst>
+      <a:effectStyleLst>
+        <a:effectStyle>
+          <a:effectLst/>
+        </a:effectStyle>
+        <a:effectStyle>
+          <a:effectLst/>
+        </a:effectStyle>
+        <a:effectStyle>
+          <a:effectLst>
+            <a:outerShdw blurRad="57150" dist="19050" dir="5400000" algn="ctr" rotWithShape="0">
+              <a:srgbClr val="000000">
+                <a:alpha val="63000"/>
+              </a:srgbClr>
+            </a:outerShdw>
+          </a:effectLst>
+        </a:effectStyle>
+      </a:effectStyleLst>
+      <a:bgFillStyleLst>
+        <a:solidFill>
+          <a:schemeClr val="phClr"/>
+        </a:solidFill>
+        <a:solidFill>
+          <a:schemeClr val="phClr">
+            <a:tint val="95000"/>
+            <a:satMod val="170000"/>
+          </a:schemeClr>
+        </a:solidFill>
+        <a:gradFill rotWithShape="1">
+          <a:gsLst>
+            <a:gs pos="0">
+              <a:schemeClr val="phClr">
+                <a:tint val="93000"/>
+                <a:satMod val="150000"/>
+                <a:shade val="98000"/>
+                <a:lumMod val="102000"/>
+              </a:schemeClr>
+            </a:gs>
+            <a:gs pos="50000">
+              <a:schemeClr val="phClr">
+                <a:tint val="98000"/>
+                <a:satMod val="130000"/>
+                <a:shade val="90000"/>
+                <a:lumMod val="103000"/>
+              </a:schemeClr>
+            </a:gs>
+            <a:gs pos="100000">
+              <a:schemeClr val="phClr">
+                <a:shade val="63000"/>
+                <a:satMod val="120000"/>
+              </a:schemeClr>
+            </a:gs>
+          </a:gsLst>
+          <a:lin ang="5400000" scaled="0"/>
+        </a:gradFill>
+      </a:bgFillStyleLst>
+    </a:fmtScheme>
+  </a:themeElements>
+  <a:objectDefaults>
+    <a:lnDef>
+      <a:spPr/>
+      <a:bodyPr/>
+      <a:lstStyle/>
+      <a:style>
+        <a:lnRef idx="2">
+          <a:schemeClr val="accent1"/>
+        </a:lnRef>
+        <a:fillRef idx="0">
+          <a:schemeClr val="accent1"/>
+        </a:fillRef>
+        <a:effectRef idx="1">
+          <a:schemeClr val="accent1"/>
+        </a:effectRef>
+        <a:fontRef idx="minor">
+          <a:schemeClr val="tx1"/>
+        </a:fontRef>
+      </a:style>
+    </a:lnDef>
+  </a:objectDefaults>
+  <a:extraClrSchemeLst/>
+  <a:extLst>
+    <a:ext uri="{05A4C25C-085E-4340-85A3-A5531E510DB2}">
+      <thm15:themeFamily xmlns:thm15="http://schemas.microsoft.com/office/thememl/2012/main" name="Office Theme" id="{2E142A2C-CD16-42D6-873A-C26D2A0506FA}" vid="{1BDDFF52-6CD6-40A5-AB3C-68EB2F1E4D0A}"/>
+    </a:ext>
+  </a:extLst>
+</a:theme>
 </file>